--- a/presentations/problem_presentation.pptx
+++ b/presentations/problem_presentation.pptx
@@ -2,17 +2,25 @@
 <file path=ppt/presentation.xml><?xml version="1.0" encoding="utf-8"?>
 <p:presentation xmlns:a="http://schemas.openxmlformats.org/drawingml/2006/main" xmlns:r="http://schemas.openxmlformats.org/officeDocument/2006/relationships" xmlns:mc="http://schemas.openxmlformats.org/markup-compatibility/2006" xmlns:mv="urn:schemas-microsoft-com:mac:vml" xmlns:p="http://schemas.openxmlformats.org/presentationml/2006/main" xmlns:c="http://schemas.openxmlformats.org/drawingml/2006/chart" xmlns:dgm="http://schemas.openxmlformats.org/drawingml/2006/diagram" xmlns:o="urn:schemas-microsoft-com:office:office" xmlns:v="urn:schemas-microsoft-com:vml" xmlns:pvml="urn:schemas-microsoft-com:office:powerpoint" xmlns:com="http://schemas.openxmlformats.org/drawingml/2006/compatibility" xmlns:p14="http://schemas.microsoft.com/office/powerpoint/2010/main" xmlns:p15="http://schemas.microsoft.com/office/powerpoint/2012/main" xmlns:ahyp="http://schemas.microsoft.com/office/drawing/2018/hyperlinkcolor" autoCompressPictures="0" strictFirstAndLastChars="0" saveSubsetFonts="1">
   <p:sldMasterIdLst>
-    <p:sldMasterId id="2147483659" r:id="rId4"/>
+    <p:sldMasterId id="2147483659" r:id="rId5"/>
   </p:sldMasterIdLst>
   <p:notesMasterIdLst>
-    <p:notesMasterId r:id="rId5"/>
+    <p:notesMasterId r:id="rId6"/>
   </p:notesMasterIdLst>
   <p:sldIdLst>
-    <p:sldId id="256" r:id="rId6"/>
-    <p:sldId id="257" r:id="rId7"/>
-    <p:sldId id="258" r:id="rId8"/>
-    <p:sldId id="259" r:id="rId9"/>
-    <p:sldId id="260" r:id="rId10"/>
+    <p:sldId id="256" r:id="rId7"/>
+    <p:sldId id="257" r:id="rId8"/>
+    <p:sldId id="258" r:id="rId9"/>
+    <p:sldId id="259" r:id="rId10"/>
+    <p:sldId id="260" r:id="rId11"/>
+    <p:sldId id="261" r:id="rId12"/>
+    <p:sldId id="262" r:id="rId13"/>
+    <p:sldId id="263" r:id="rId14"/>
+    <p:sldId id="264" r:id="rId15"/>
+    <p:sldId id="265" r:id="rId16"/>
+    <p:sldId id="266" r:id="rId17"/>
+    <p:sldId id="267" r:id="rId18"/>
+    <p:sldId id="268" r:id="rId19"/>
   </p:sldIdLst>
   <p:sldSz cy="5143500" cx="9144000"/>
   <p:notesSz cx="6858000" cy="9144000"/>
@@ -789,6 +797,402 @@
 </p:notes>
 </file>
 
+<file path=ppt/notesSlides/notesSlide10.xml><?xml version="1.0" encoding="utf-8"?>
+<p:notes xmlns:a="http://schemas.openxmlformats.org/drawingml/2006/main" xmlns:r="http://schemas.openxmlformats.org/officeDocument/2006/relationships" xmlns:mc="http://schemas.openxmlformats.org/markup-compatibility/2006" xmlns:mv="urn:schemas-microsoft-com:mac:vml" xmlns:p="http://schemas.openxmlformats.org/presentationml/2006/main" xmlns:c="http://schemas.openxmlformats.org/drawingml/2006/chart" xmlns:dgm="http://schemas.openxmlformats.org/drawingml/2006/diagram" xmlns:o="urn:schemas-microsoft-com:office:office" xmlns:v="urn:schemas-microsoft-com:vml" xmlns:pvml="urn:schemas-microsoft-com:office:powerpoint" xmlns:com="http://schemas.openxmlformats.org/drawingml/2006/compatibility" xmlns:p14="http://schemas.microsoft.com/office/powerpoint/2010/main" xmlns:p15="http://schemas.microsoft.com/office/powerpoint/2012/main" xmlns:ahyp="http://schemas.microsoft.com/office/drawing/2018/hyperlinkcolor" showMasterPhAnim="0" showMasterSp="0">
+  <p:cSld>
+    <p:spTree>
+      <p:nvGrpSpPr>
+        <p:cNvPr id="147" name="Shape 147"/>
+        <p:cNvGrpSpPr/>
+        <p:nvPr/>
+      </p:nvGrpSpPr>
+      <p:grpSpPr>
+        <a:xfrm>
+          <a:off x="0" y="0"/>
+          <a:ext cx="0" cy="0"/>
+          <a:chOff x="0" y="0"/>
+          <a:chExt cx="0" cy="0"/>
+        </a:xfrm>
+      </p:grpSpPr>
+      <p:sp>
+        <p:nvSpPr>
+          <p:cNvPr id="148" name="Google Shape;148;g23dc29295ac_0_416:notes"/>
+          <p:cNvSpPr/>
+          <p:nvPr>
+            <p:ph idx="2" type="sldImg"/>
+          </p:nvPr>
+        </p:nvSpPr>
+        <p:spPr>
+          <a:xfrm>
+            <a:off x="381300" y="685800"/>
+            <a:ext cx="6096000" cy="3429000"/>
+          </a:xfrm>
+          <a:custGeom>
+            <a:rect b="b" l="l" r="r" t="t"/>
+            <a:pathLst>
+              <a:path extrusionOk="0" h="120000" w="120000">
+                <a:moveTo>
+                  <a:pt x="0" y="0"/>
+                </a:moveTo>
+                <a:lnTo>
+                  <a:pt x="120000" y="0"/>
+                </a:lnTo>
+                <a:lnTo>
+                  <a:pt x="120000" y="120000"/>
+                </a:lnTo>
+                <a:lnTo>
+                  <a:pt x="0" y="120000"/>
+                </a:lnTo>
+                <a:close/>
+              </a:path>
+            </a:pathLst>
+          </a:custGeom>
+        </p:spPr>
+      </p:sp>
+      <p:sp>
+        <p:nvSpPr>
+          <p:cNvPr id="149" name="Google Shape;149;g23dc29295ac_0_416:notes"/>
+          <p:cNvSpPr txBox="1"/>
+          <p:nvPr>
+            <p:ph idx="1" type="body"/>
+          </p:nvPr>
+        </p:nvSpPr>
+        <p:spPr>
+          <a:xfrm>
+            <a:off x="685800" y="4343400"/>
+            <a:ext cx="5486400" cy="4114800"/>
+          </a:xfrm>
+          <a:prstGeom prst="rect">
+            <a:avLst/>
+          </a:prstGeom>
+        </p:spPr>
+        <p:txBody>
+          <a:bodyPr anchorCtr="0" anchor="t" bIns="91425" lIns="91425" spcFirstLastPara="1" rIns="91425" wrap="square" tIns="91425">
+            <a:noAutofit/>
+          </a:bodyPr>
+          <a:lstStyle/>
+          <a:p>
+            <a:pPr indent="0" lvl="0" marL="0" rtl="0" algn="l">
+              <a:spcBef>
+                <a:spcPts val="0"/>
+              </a:spcBef>
+              <a:spcAft>
+                <a:spcPts val="0"/>
+              </a:spcAft>
+              <a:buNone/>
+            </a:pPr>
+            <a:r>
+              <a:t/>
+            </a:r>
+            <a:endParaRPr/>
+          </a:p>
+        </p:txBody>
+      </p:sp>
+    </p:spTree>
+  </p:cSld>
+  <p:clrMapOvr>
+    <a:masterClrMapping/>
+  </p:clrMapOvr>
+</p:notes>
+</file>
+
+<file path=ppt/notesSlides/notesSlide11.xml><?xml version="1.0" encoding="utf-8"?>
+<p:notes xmlns:a="http://schemas.openxmlformats.org/drawingml/2006/main" xmlns:r="http://schemas.openxmlformats.org/officeDocument/2006/relationships" xmlns:mc="http://schemas.openxmlformats.org/markup-compatibility/2006" xmlns:mv="urn:schemas-microsoft-com:mac:vml" xmlns:p="http://schemas.openxmlformats.org/presentationml/2006/main" xmlns:c="http://schemas.openxmlformats.org/drawingml/2006/chart" xmlns:dgm="http://schemas.openxmlformats.org/drawingml/2006/diagram" xmlns:o="urn:schemas-microsoft-com:office:office" xmlns:v="urn:schemas-microsoft-com:vml" xmlns:pvml="urn:schemas-microsoft-com:office:powerpoint" xmlns:com="http://schemas.openxmlformats.org/drawingml/2006/compatibility" xmlns:p14="http://schemas.microsoft.com/office/powerpoint/2010/main" xmlns:p15="http://schemas.microsoft.com/office/powerpoint/2012/main" xmlns:ahyp="http://schemas.microsoft.com/office/drawing/2018/hyperlinkcolor" showMasterPhAnim="0" showMasterSp="0">
+  <p:cSld>
+    <p:spTree>
+      <p:nvGrpSpPr>
+        <p:cNvPr id="169" name="Shape 169"/>
+        <p:cNvGrpSpPr/>
+        <p:nvPr/>
+      </p:nvGrpSpPr>
+      <p:grpSpPr>
+        <a:xfrm>
+          <a:off x="0" y="0"/>
+          <a:ext cx="0" cy="0"/>
+          <a:chOff x="0" y="0"/>
+          <a:chExt cx="0" cy="0"/>
+        </a:xfrm>
+      </p:grpSpPr>
+      <p:sp>
+        <p:nvSpPr>
+          <p:cNvPr id="170" name="Google Shape;170;g23c9e05b671_0_18:notes"/>
+          <p:cNvSpPr/>
+          <p:nvPr>
+            <p:ph idx="2" type="sldImg"/>
+          </p:nvPr>
+        </p:nvSpPr>
+        <p:spPr>
+          <a:xfrm>
+            <a:off x="381300" y="685800"/>
+            <a:ext cx="6096000" cy="3429000"/>
+          </a:xfrm>
+          <a:custGeom>
+            <a:rect b="b" l="l" r="r" t="t"/>
+            <a:pathLst>
+              <a:path extrusionOk="0" h="120000" w="120000">
+                <a:moveTo>
+                  <a:pt x="0" y="0"/>
+                </a:moveTo>
+                <a:lnTo>
+                  <a:pt x="120000" y="0"/>
+                </a:lnTo>
+                <a:lnTo>
+                  <a:pt x="120000" y="120000"/>
+                </a:lnTo>
+                <a:lnTo>
+                  <a:pt x="0" y="120000"/>
+                </a:lnTo>
+                <a:close/>
+              </a:path>
+            </a:pathLst>
+          </a:custGeom>
+        </p:spPr>
+      </p:sp>
+      <p:sp>
+        <p:nvSpPr>
+          <p:cNvPr id="171" name="Google Shape;171;g23c9e05b671_0_18:notes"/>
+          <p:cNvSpPr txBox="1"/>
+          <p:nvPr>
+            <p:ph idx="1" type="body"/>
+          </p:nvPr>
+        </p:nvSpPr>
+        <p:spPr>
+          <a:xfrm>
+            <a:off x="685800" y="4343400"/>
+            <a:ext cx="5486400" cy="4114800"/>
+          </a:xfrm>
+          <a:prstGeom prst="rect">
+            <a:avLst/>
+          </a:prstGeom>
+        </p:spPr>
+        <p:txBody>
+          <a:bodyPr anchorCtr="0" anchor="t" bIns="91425" lIns="91425" spcFirstLastPara="1" rIns="91425" wrap="square" tIns="91425">
+            <a:noAutofit/>
+          </a:bodyPr>
+          <a:lstStyle/>
+          <a:p>
+            <a:pPr indent="0" lvl="0" marL="0" rtl="0" algn="l">
+              <a:spcBef>
+                <a:spcPts val="0"/>
+              </a:spcBef>
+              <a:spcAft>
+                <a:spcPts val="0"/>
+              </a:spcAft>
+              <a:buNone/>
+            </a:pPr>
+            <a:r>
+              <a:t/>
+            </a:r>
+            <a:endParaRPr/>
+          </a:p>
+        </p:txBody>
+      </p:sp>
+    </p:spTree>
+  </p:cSld>
+  <p:clrMapOvr>
+    <a:masterClrMapping/>
+  </p:clrMapOvr>
+</p:notes>
+</file>
+
+<file path=ppt/notesSlides/notesSlide12.xml><?xml version="1.0" encoding="utf-8"?>
+<p:notes xmlns:a="http://schemas.openxmlformats.org/drawingml/2006/main" xmlns:r="http://schemas.openxmlformats.org/officeDocument/2006/relationships" xmlns:mc="http://schemas.openxmlformats.org/markup-compatibility/2006" xmlns:mv="urn:schemas-microsoft-com:mac:vml" xmlns:p="http://schemas.openxmlformats.org/presentationml/2006/main" xmlns:c="http://schemas.openxmlformats.org/drawingml/2006/chart" xmlns:dgm="http://schemas.openxmlformats.org/drawingml/2006/diagram" xmlns:o="urn:schemas-microsoft-com:office:office" xmlns:v="urn:schemas-microsoft-com:vml" xmlns:pvml="urn:schemas-microsoft-com:office:powerpoint" xmlns:com="http://schemas.openxmlformats.org/drawingml/2006/compatibility" xmlns:p14="http://schemas.microsoft.com/office/powerpoint/2010/main" xmlns:p15="http://schemas.microsoft.com/office/powerpoint/2012/main" xmlns:ahyp="http://schemas.microsoft.com/office/drawing/2018/hyperlinkcolor" showMasterPhAnim="0" showMasterSp="0">
+  <p:cSld>
+    <p:spTree>
+      <p:nvGrpSpPr>
+        <p:cNvPr id="175" name="Shape 175"/>
+        <p:cNvGrpSpPr/>
+        <p:nvPr/>
+      </p:nvGrpSpPr>
+      <p:grpSpPr>
+        <a:xfrm>
+          <a:off x="0" y="0"/>
+          <a:ext cx="0" cy="0"/>
+          <a:chOff x="0" y="0"/>
+          <a:chExt cx="0" cy="0"/>
+        </a:xfrm>
+      </p:grpSpPr>
+      <p:sp>
+        <p:nvSpPr>
+          <p:cNvPr id="176" name="Google Shape;176;g23c9e05b671_0_2:notes"/>
+          <p:cNvSpPr/>
+          <p:nvPr>
+            <p:ph idx="2" type="sldImg"/>
+          </p:nvPr>
+        </p:nvSpPr>
+        <p:spPr>
+          <a:xfrm>
+            <a:off x="381300" y="685800"/>
+            <a:ext cx="6096000" cy="3429000"/>
+          </a:xfrm>
+          <a:custGeom>
+            <a:rect b="b" l="l" r="r" t="t"/>
+            <a:pathLst>
+              <a:path extrusionOk="0" h="120000" w="120000">
+                <a:moveTo>
+                  <a:pt x="0" y="0"/>
+                </a:moveTo>
+                <a:lnTo>
+                  <a:pt x="120000" y="0"/>
+                </a:lnTo>
+                <a:lnTo>
+                  <a:pt x="120000" y="120000"/>
+                </a:lnTo>
+                <a:lnTo>
+                  <a:pt x="0" y="120000"/>
+                </a:lnTo>
+                <a:close/>
+              </a:path>
+            </a:pathLst>
+          </a:custGeom>
+        </p:spPr>
+      </p:sp>
+      <p:sp>
+        <p:nvSpPr>
+          <p:cNvPr id="177" name="Google Shape;177;g23c9e05b671_0_2:notes"/>
+          <p:cNvSpPr txBox="1"/>
+          <p:nvPr>
+            <p:ph idx="1" type="body"/>
+          </p:nvPr>
+        </p:nvSpPr>
+        <p:spPr>
+          <a:xfrm>
+            <a:off x="685800" y="4343400"/>
+            <a:ext cx="5486400" cy="4114800"/>
+          </a:xfrm>
+          <a:prstGeom prst="rect">
+            <a:avLst/>
+          </a:prstGeom>
+        </p:spPr>
+        <p:txBody>
+          <a:bodyPr anchorCtr="0" anchor="t" bIns="91425" lIns="91425" spcFirstLastPara="1" rIns="91425" wrap="square" tIns="91425">
+            <a:noAutofit/>
+          </a:bodyPr>
+          <a:lstStyle/>
+          <a:p>
+            <a:pPr indent="0" lvl="0" marL="0" rtl="0" algn="l">
+              <a:spcBef>
+                <a:spcPts val="0"/>
+              </a:spcBef>
+              <a:spcAft>
+                <a:spcPts val="0"/>
+              </a:spcAft>
+              <a:buNone/>
+            </a:pPr>
+            <a:r>
+              <a:t/>
+            </a:r>
+            <a:endParaRPr/>
+          </a:p>
+        </p:txBody>
+      </p:sp>
+    </p:spTree>
+  </p:cSld>
+  <p:clrMapOvr>
+    <a:masterClrMapping/>
+  </p:clrMapOvr>
+</p:notes>
+</file>
+
+<file path=ppt/notesSlides/notesSlide13.xml><?xml version="1.0" encoding="utf-8"?>
+<p:notes xmlns:a="http://schemas.openxmlformats.org/drawingml/2006/main" xmlns:r="http://schemas.openxmlformats.org/officeDocument/2006/relationships" xmlns:mc="http://schemas.openxmlformats.org/markup-compatibility/2006" xmlns:mv="urn:schemas-microsoft-com:mac:vml" xmlns:p="http://schemas.openxmlformats.org/presentationml/2006/main" xmlns:c="http://schemas.openxmlformats.org/drawingml/2006/chart" xmlns:dgm="http://schemas.openxmlformats.org/drawingml/2006/diagram" xmlns:o="urn:schemas-microsoft-com:office:office" xmlns:v="urn:schemas-microsoft-com:vml" xmlns:pvml="urn:schemas-microsoft-com:office:powerpoint" xmlns:com="http://schemas.openxmlformats.org/drawingml/2006/compatibility" xmlns:p14="http://schemas.microsoft.com/office/powerpoint/2010/main" xmlns:p15="http://schemas.microsoft.com/office/powerpoint/2012/main" xmlns:ahyp="http://schemas.microsoft.com/office/drawing/2018/hyperlinkcolor" showMasterPhAnim="0" showMasterSp="0">
+  <p:cSld>
+    <p:spTree>
+      <p:nvGrpSpPr>
+        <p:cNvPr id="181" name="Shape 181"/>
+        <p:cNvGrpSpPr/>
+        <p:nvPr/>
+      </p:nvGrpSpPr>
+      <p:grpSpPr>
+        <a:xfrm>
+          <a:off x="0" y="0"/>
+          <a:ext cx="0" cy="0"/>
+          <a:chOff x="0" y="0"/>
+          <a:chExt cx="0" cy="0"/>
+        </a:xfrm>
+      </p:grpSpPr>
+      <p:sp>
+        <p:nvSpPr>
+          <p:cNvPr id="182" name="Google Shape;182;g23c9e05b671_0_12:notes"/>
+          <p:cNvSpPr/>
+          <p:nvPr>
+            <p:ph idx="2" type="sldImg"/>
+          </p:nvPr>
+        </p:nvSpPr>
+        <p:spPr>
+          <a:xfrm>
+            <a:off x="381300" y="685800"/>
+            <a:ext cx="6096000" cy="3429000"/>
+          </a:xfrm>
+          <a:custGeom>
+            <a:rect b="b" l="l" r="r" t="t"/>
+            <a:pathLst>
+              <a:path extrusionOk="0" h="120000" w="120000">
+                <a:moveTo>
+                  <a:pt x="0" y="0"/>
+                </a:moveTo>
+                <a:lnTo>
+                  <a:pt x="120000" y="0"/>
+                </a:lnTo>
+                <a:lnTo>
+                  <a:pt x="120000" y="120000"/>
+                </a:lnTo>
+                <a:lnTo>
+                  <a:pt x="0" y="120000"/>
+                </a:lnTo>
+                <a:close/>
+              </a:path>
+            </a:pathLst>
+          </a:custGeom>
+        </p:spPr>
+      </p:sp>
+      <p:sp>
+        <p:nvSpPr>
+          <p:cNvPr id="183" name="Google Shape;183;g23c9e05b671_0_12:notes"/>
+          <p:cNvSpPr txBox="1"/>
+          <p:nvPr>
+            <p:ph idx="1" type="body"/>
+          </p:nvPr>
+        </p:nvSpPr>
+        <p:spPr>
+          <a:xfrm>
+            <a:off x="685800" y="4343400"/>
+            <a:ext cx="5486400" cy="4114800"/>
+          </a:xfrm>
+          <a:prstGeom prst="rect">
+            <a:avLst/>
+          </a:prstGeom>
+        </p:spPr>
+        <p:txBody>
+          <a:bodyPr anchorCtr="0" anchor="t" bIns="91425" lIns="91425" spcFirstLastPara="1" rIns="91425" wrap="square" tIns="91425">
+            <a:noAutofit/>
+          </a:bodyPr>
+          <a:lstStyle/>
+          <a:p>
+            <a:pPr indent="0" lvl="0" marL="0" rtl="0" algn="l">
+              <a:spcBef>
+                <a:spcPts val="0"/>
+              </a:spcBef>
+              <a:spcAft>
+                <a:spcPts val="0"/>
+              </a:spcAft>
+              <a:buNone/>
+            </a:pPr>
+            <a:r>
+              <a:t/>
+            </a:r>
+            <a:endParaRPr/>
+          </a:p>
+        </p:txBody>
+      </p:sp>
+    </p:spTree>
+  </p:cSld>
+  <p:clrMapOvr>
+    <a:masterClrMapping/>
+  </p:clrMapOvr>
+</p:notes>
+</file>
+
 <file path=ppt/notesSlides/notesSlide2.xml><?xml version="1.0" encoding="utf-8"?>
 <p:notes xmlns:a="http://schemas.openxmlformats.org/drawingml/2006/main" xmlns:r="http://schemas.openxmlformats.org/officeDocument/2006/relationships" xmlns:mc="http://schemas.openxmlformats.org/markup-compatibility/2006" xmlns:mv="urn:schemas-microsoft-com:mac:vml" xmlns:p="http://schemas.openxmlformats.org/presentationml/2006/main" xmlns:c="http://schemas.openxmlformats.org/drawingml/2006/chart" xmlns:dgm="http://schemas.openxmlformats.org/drawingml/2006/diagram" xmlns:o="urn:schemas-microsoft-com:office:office" xmlns:v="urn:schemas-microsoft-com:vml" xmlns:pvml="urn:schemas-microsoft-com:office:powerpoint" xmlns:com="http://schemas.openxmlformats.org/drawingml/2006/compatibility" xmlns:p14="http://schemas.microsoft.com/office/powerpoint/2010/main" xmlns:p15="http://schemas.microsoft.com/office/powerpoint/2012/main" xmlns:ahyp="http://schemas.microsoft.com/office/drawing/2018/hyperlinkcolor" showMasterPhAnim="0" showMasterSp="0">
   <p:cSld>
@@ -907,7 +1311,7 @@
       </p:grpSpPr>
       <p:sp>
         <p:nvSpPr>
-          <p:cNvPr id="63" name="Google Shape;63;g2392bedba1c_0_28:notes"/>
+          <p:cNvPr id="63" name="Google Shape;63;g23dc29295ac_0_82:notes"/>
           <p:cNvSpPr/>
           <p:nvPr>
             <p:ph idx="2" type="sldImg"/>
@@ -942,7 +1346,7 @@
       </p:sp>
       <p:sp>
         <p:nvSpPr>
-          <p:cNvPr id="64" name="Google Shape;64;g2392bedba1c_0_28:notes"/>
+          <p:cNvPr id="64" name="Google Shape;64;g23dc29295ac_0_82:notes"/>
           <p:cNvSpPr txBox="1"/>
           <p:nvPr>
             <p:ph idx="1" type="body"/>
@@ -964,6 +1368,405 @@
           <a:lstStyle/>
           <a:p>
             <a:pPr indent="0" lvl="0" marL="0" rtl="0" algn="l">
+              <a:lnSpc>
+                <a:spcPct val="115000"/>
+              </a:lnSpc>
+              <a:spcBef>
+                <a:spcPts val="0"/>
+              </a:spcBef>
+              <a:spcAft>
+                <a:spcPts val="0"/>
+              </a:spcAft>
+              <a:buClr>
+                <a:schemeClr val="dk1"/>
+              </a:buClr>
+              <a:buSzPts val="1100"/>
+              <a:buFont typeface="Arial"/>
+              <a:buNone/>
+            </a:pPr>
+            <a:r>
+              <a:rPr b="1" lang="en-GB" sz="1800">
+                <a:solidFill>
+                  <a:srgbClr val="595959"/>
+                </a:solidFill>
+              </a:rPr>
+              <a:t>Input:</a:t>
+            </a:r>
+            <a:endParaRPr b="1" sz="1800">
+              <a:solidFill>
+                <a:srgbClr val="595959"/>
+              </a:solidFill>
+            </a:endParaRPr>
+          </a:p>
+          <a:p>
+            <a:pPr indent="0" lvl="0" marL="0" rtl="0" algn="l">
+              <a:spcBef>
+                <a:spcPts val="1200"/>
+              </a:spcBef>
+              <a:spcAft>
+                <a:spcPts val="0"/>
+              </a:spcAft>
+              <a:buNone/>
+            </a:pPr>
+            <a:r>
+              <a:rPr lang="en-GB" sz="1800">
+                <a:solidFill>
+                  <a:srgbClr val="595959"/>
+                </a:solidFill>
+              </a:rPr>
+              <a:t>A B</a:t>
+            </a:r>
+            <a:endParaRPr sz="1800">
+              <a:solidFill>
+                <a:srgbClr val="595959"/>
+              </a:solidFill>
+            </a:endParaRPr>
+          </a:p>
+          <a:p>
+            <a:pPr indent="0" lvl="0" marL="0" rtl="0" algn="l">
+              <a:spcBef>
+                <a:spcPts val="0"/>
+              </a:spcBef>
+              <a:spcAft>
+                <a:spcPts val="0"/>
+              </a:spcAft>
+              <a:buNone/>
+            </a:pPr>
+            <a:r>
+              <a:rPr lang="en-GB" sz="1800">
+                <a:solidFill>
+                  <a:srgbClr val="595959"/>
+                </a:solidFill>
+              </a:rPr>
+              <a:t>A E</a:t>
+            </a:r>
+            <a:br>
+              <a:rPr lang="en-GB" sz="1800">
+                <a:solidFill>
+                  <a:srgbClr val="595959"/>
+                </a:solidFill>
+              </a:rPr>
+            </a:br>
+            <a:r>
+              <a:rPr lang="en-GB" sz="1800">
+                <a:solidFill>
+                  <a:srgbClr val="595959"/>
+                </a:solidFill>
+              </a:rPr>
+              <a:t>A D</a:t>
+            </a:r>
+            <a:endParaRPr sz="1800">
+              <a:solidFill>
+                <a:srgbClr val="595959"/>
+              </a:solidFill>
+            </a:endParaRPr>
+          </a:p>
+          <a:p>
+            <a:pPr indent="0" lvl="0" marL="0" rtl="0" algn="l">
+              <a:spcBef>
+                <a:spcPts val="0"/>
+              </a:spcBef>
+              <a:spcAft>
+                <a:spcPts val="0"/>
+              </a:spcAft>
+              <a:buNone/>
+            </a:pPr>
+            <a:r>
+              <a:rPr lang="en-GB" sz="1800">
+                <a:solidFill>
+                  <a:srgbClr val="595959"/>
+                </a:solidFill>
+              </a:rPr>
+              <a:t>D E</a:t>
+            </a:r>
+            <a:endParaRPr sz="1800">
+              <a:solidFill>
+                <a:srgbClr val="595959"/>
+              </a:solidFill>
+            </a:endParaRPr>
+          </a:p>
+          <a:p>
+            <a:pPr indent="0" lvl="0" marL="0" rtl="0" algn="l">
+              <a:spcBef>
+                <a:spcPts val="0"/>
+              </a:spcBef>
+              <a:spcAft>
+                <a:spcPts val="0"/>
+              </a:spcAft>
+              <a:buNone/>
+            </a:pPr>
+            <a:r>
+              <a:rPr lang="en-GB" sz="1800">
+                <a:solidFill>
+                  <a:srgbClr val="595959"/>
+                </a:solidFill>
+              </a:rPr>
+              <a:t>B E</a:t>
+            </a:r>
+            <a:endParaRPr sz="1800">
+              <a:solidFill>
+                <a:srgbClr val="595959"/>
+              </a:solidFill>
+            </a:endParaRPr>
+          </a:p>
+          <a:p>
+            <a:pPr indent="0" lvl="0" marL="0" rtl="0" algn="l">
+              <a:spcBef>
+                <a:spcPts val="0"/>
+              </a:spcBef>
+              <a:spcAft>
+                <a:spcPts val="0"/>
+              </a:spcAft>
+              <a:buNone/>
+            </a:pPr>
+            <a:r>
+              <a:rPr lang="en-GB" sz="1800">
+                <a:solidFill>
+                  <a:srgbClr val="595959"/>
+                </a:solidFill>
+              </a:rPr>
+              <a:t>E C</a:t>
+            </a:r>
+            <a:endParaRPr sz="1800">
+              <a:solidFill>
+                <a:srgbClr val="595959"/>
+              </a:solidFill>
+            </a:endParaRPr>
+          </a:p>
+          <a:p>
+            <a:pPr indent="0" lvl="0" marL="0" rtl="0" algn="l">
+              <a:spcBef>
+                <a:spcPts val="0"/>
+              </a:spcBef>
+              <a:spcAft>
+                <a:spcPts val="0"/>
+              </a:spcAft>
+              <a:buNone/>
+            </a:pPr>
+            <a:r>
+              <a:rPr lang="en-GB" sz="1800">
+                <a:solidFill>
+                  <a:srgbClr val="595959"/>
+                </a:solidFill>
+              </a:rPr>
+              <a:t>B F</a:t>
+            </a:r>
+            <a:endParaRPr sz="1800">
+              <a:solidFill>
+                <a:srgbClr val="595959"/>
+              </a:solidFill>
+            </a:endParaRPr>
+          </a:p>
+          <a:p>
+            <a:pPr indent="0" lvl="0" marL="0" rtl="0" algn="l">
+              <a:spcBef>
+                <a:spcPts val="0"/>
+              </a:spcBef>
+              <a:spcAft>
+                <a:spcPts val="0"/>
+              </a:spcAft>
+              <a:buNone/>
+            </a:pPr>
+            <a:r>
+              <a:rPr lang="en-GB" sz="1800">
+                <a:solidFill>
+                  <a:srgbClr val="595959"/>
+                </a:solidFill>
+              </a:rPr>
+              <a:t>C F</a:t>
+            </a:r>
+            <a:endParaRPr b="1" sz="1800">
+              <a:solidFill>
+                <a:srgbClr val="595959"/>
+              </a:solidFill>
+            </a:endParaRPr>
+          </a:p>
+          <a:p>
+            <a:pPr indent="0" lvl="0" marL="0" rtl="0" algn="l">
+              <a:spcBef>
+                <a:spcPts val="0"/>
+              </a:spcBef>
+              <a:spcAft>
+                <a:spcPts val="0"/>
+              </a:spcAft>
+              <a:buClr>
+                <a:schemeClr val="dk1"/>
+              </a:buClr>
+              <a:buSzPts val="1100"/>
+              <a:buFont typeface="Arial"/>
+              <a:buNone/>
+            </a:pPr>
+            <a:r>
+              <a:t/>
+            </a:r>
+            <a:endParaRPr b="1" sz="1800">
+              <a:solidFill>
+                <a:srgbClr val="595959"/>
+              </a:solidFill>
+            </a:endParaRPr>
+          </a:p>
+          <a:p>
+            <a:pPr indent="0" lvl="0" marL="0" rtl="0" algn="l">
+              <a:lnSpc>
+                <a:spcPct val="115000"/>
+              </a:lnSpc>
+              <a:spcBef>
+                <a:spcPts val="0"/>
+              </a:spcBef>
+              <a:spcAft>
+                <a:spcPts val="0"/>
+              </a:spcAft>
+              <a:buClr>
+                <a:schemeClr val="dk1"/>
+              </a:buClr>
+              <a:buSzPts val="1100"/>
+              <a:buFont typeface="Arial"/>
+              <a:buNone/>
+            </a:pPr>
+            <a:r>
+              <a:rPr b="1" lang="en-GB" sz="1800">
+                <a:solidFill>
+                  <a:srgbClr val="595959"/>
+                </a:solidFill>
+              </a:rPr>
+              <a:t>Output:</a:t>
+            </a:r>
+            <a:endParaRPr b="1" sz="1800">
+              <a:solidFill>
+                <a:srgbClr val="595959"/>
+              </a:solidFill>
+            </a:endParaRPr>
+          </a:p>
+          <a:p>
+            <a:pPr indent="0" lvl="0" marL="0" rtl="0" algn="l">
+              <a:spcBef>
+                <a:spcPts val="1200"/>
+              </a:spcBef>
+              <a:spcAft>
+                <a:spcPts val="0"/>
+              </a:spcAft>
+              <a:buClr>
+                <a:schemeClr val="dk1"/>
+              </a:buClr>
+              <a:buSzPts val="1100"/>
+              <a:buFont typeface="Arial"/>
+              <a:buNone/>
+            </a:pPr>
+            <a:r>
+              <a:rPr lang="en-GB" sz="1800">
+                <a:solidFill>
+                  <a:srgbClr val="3C78D8"/>
+                </a:solidFill>
+              </a:rPr>
+              <a:t>A 0</a:t>
+            </a:r>
+            <a:br>
+              <a:rPr lang="en-GB" sz="1800">
+                <a:solidFill>
+                  <a:srgbClr val="595959"/>
+                </a:solidFill>
+              </a:rPr>
+            </a:br>
+            <a:r>
+              <a:rPr lang="en-GB" sz="1800">
+                <a:solidFill>
+                  <a:srgbClr val="6AA84F"/>
+                </a:solidFill>
+              </a:rPr>
+              <a:t>B 1</a:t>
+            </a:r>
+            <a:br>
+              <a:rPr lang="en-GB" sz="1800">
+                <a:solidFill>
+                  <a:srgbClr val="6AA84F"/>
+                </a:solidFill>
+              </a:rPr>
+            </a:br>
+            <a:r>
+              <a:rPr lang="en-GB" sz="1800">
+                <a:solidFill>
+                  <a:srgbClr val="6AA84F"/>
+                </a:solidFill>
+              </a:rPr>
+              <a:t>C 1</a:t>
+            </a:r>
+            <a:br>
+              <a:rPr lang="en-GB" sz="1800">
+                <a:solidFill>
+                  <a:srgbClr val="6AA84F"/>
+                </a:solidFill>
+              </a:rPr>
+            </a:br>
+            <a:r>
+              <a:rPr lang="en-GB" sz="1800">
+                <a:solidFill>
+                  <a:srgbClr val="6AA84F"/>
+                </a:solidFill>
+              </a:rPr>
+              <a:t>D 1</a:t>
+            </a:r>
+            <a:br>
+              <a:rPr lang="en-GB" sz="1800">
+                <a:solidFill>
+                  <a:srgbClr val="595959"/>
+                </a:solidFill>
+              </a:rPr>
+            </a:br>
+            <a:r>
+              <a:rPr lang="en-GB" sz="1800">
+                <a:solidFill>
+                  <a:srgbClr val="F1C232"/>
+                </a:solidFill>
+              </a:rPr>
+              <a:t>E 2</a:t>
+            </a:r>
+            <a:br>
+              <a:rPr lang="en-GB" sz="1800">
+                <a:solidFill>
+                  <a:srgbClr val="595959"/>
+                </a:solidFill>
+              </a:rPr>
+            </a:br>
+            <a:r>
+              <a:rPr lang="en-GB" sz="1800">
+                <a:solidFill>
+                  <a:srgbClr val="3C78D8"/>
+                </a:solidFill>
+              </a:rPr>
+              <a:t>F 0</a:t>
+            </a:r>
+            <a:endParaRPr b="1" sz="1800">
+              <a:solidFill>
+                <a:srgbClr val="3C78D8"/>
+              </a:solidFill>
+            </a:endParaRPr>
+          </a:p>
+          <a:p>
+            <a:pPr indent="0" lvl="0" marL="0" rtl="0" algn="l">
+              <a:spcBef>
+                <a:spcPts val="0"/>
+              </a:spcBef>
+              <a:spcAft>
+                <a:spcPts val="0"/>
+              </a:spcAft>
+              <a:buClr>
+                <a:schemeClr val="dk1"/>
+              </a:buClr>
+              <a:buSzPts val="1100"/>
+              <a:buFont typeface="Arial"/>
+              <a:buNone/>
+            </a:pPr>
+            <a:r>
+              <a:t/>
+            </a:r>
+            <a:endParaRPr>
+              <a:solidFill>
+                <a:schemeClr val="dk1"/>
+              </a:solidFill>
+            </a:endParaRPr>
+          </a:p>
+          <a:p>
+            <a:pPr indent="0" lvl="0" marL="0" rtl="0" algn="l">
               <a:spcBef>
                 <a:spcPts val="0"/>
               </a:spcBef>
@@ -992,7 +1795,7 @@
   <p:cSld>
     <p:spTree>
       <p:nvGrpSpPr>
-        <p:cNvPr id="68" name="Shape 68"/>
+        <p:cNvPr id="101" name="Shape 101"/>
         <p:cNvGrpSpPr/>
         <p:nvPr/>
       </p:nvGrpSpPr>
@@ -1006,7 +1809,7 @@
       </p:grpSpPr>
       <p:sp>
         <p:nvSpPr>
-          <p:cNvPr id="69" name="Google Shape;69;g2392bedba1c_0_34:notes"/>
+          <p:cNvPr id="102" name="Google Shape;102;g2392bedba1c_0_34:notes"/>
           <p:cNvSpPr/>
           <p:nvPr>
             <p:ph idx="2" type="sldImg"/>
@@ -1041,7 +1844,7 @@
       </p:sp>
       <p:sp>
         <p:nvSpPr>
-          <p:cNvPr id="70" name="Google Shape;70;g2392bedba1c_0_34:notes"/>
+          <p:cNvPr id="103" name="Google Shape;103;g2392bedba1c_0_34:notes"/>
           <p:cNvSpPr txBox="1"/>
           <p:nvPr>
             <p:ph idx="1" type="body"/>
@@ -1091,7 +1894,7 @@
   <p:cSld>
     <p:spTree>
       <p:nvGrpSpPr>
-        <p:cNvPr id="74" name="Shape 74"/>
+        <p:cNvPr id="107" name="Shape 107"/>
         <p:cNvGrpSpPr/>
         <p:nvPr/>
       </p:nvGrpSpPr>
@@ -1105,7 +1908,7 @@
       </p:grpSpPr>
       <p:sp>
         <p:nvSpPr>
-          <p:cNvPr id="75" name="Google Shape;75;g2392bedba1c_0_40:notes"/>
+          <p:cNvPr id="108" name="Google Shape;108;g2392bedba1c_0_40:notes"/>
           <p:cNvSpPr/>
           <p:nvPr>
             <p:ph idx="2" type="sldImg"/>
@@ -1140,7 +1943,463 @@
       </p:sp>
       <p:sp>
         <p:nvSpPr>
-          <p:cNvPr id="76" name="Google Shape;76;g2392bedba1c_0_40:notes"/>
+          <p:cNvPr id="109" name="Google Shape;109;g2392bedba1c_0_40:notes"/>
+          <p:cNvSpPr txBox="1"/>
+          <p:nvPr>
+            <p:ph idx="1" type="body"/>
+          </p:nvPr>
+        </p:nvSpPr>
+        <p:spPr>
+          <a:xfrm>
+            <a:off x="685800" y="4343400"/>
+            <a:ext cx="5486400" cy="4114800"/>
+          </a:xfrm>
+          <a:prstGeom prst="rect">
+            <a:avLst/>
+          </a:prstGeom>
+        </p:spPr>
+        <p:txBody>
+          <a:bodyPr anchorCtr="0" anchor="t" bIns="91425" lIns="91425" spcFirstLastPara="1" rIns="91425" wrap="square" tIns="91425">
+            <a:noAutofit/>
+          </a:bodyPr>
+          <a:lstStyle/>
+          <a:p>
+            <a:pPr indent="0" lvl="0" marL="0" rtl="0" algn="l">
+              <a:spcBef>
+                <a:spcPts val="0"/>
+              </a:spcBef>
+              <a:spcAft>
+                <a:spcPts val="0"/>
+              </a:spcAft>
+              <a:buClr>
+                <a:schemeClr val="dk1"/>
+              </a:buClr>
+              <a:buSzPts val="1100"/>
+              <a:buFont typeface="Arial"/>
+              <a:buNone/>
+            </a:pPr>
+            <a:r>
+              <a:rPr lang="en-GB" sz="1400" u="sng">
+                <a:solidFill>
+                  <a:srgbClr val="0097A7"/>
+                </a:solidFill>
+                <a:hlinkClick r:id="rId2">
+                  <a:extLst>
+                    <a:ext uri="{A12FA001-AC4F-418D-AE19-62706E023703}">
+                      <ahyp:hlinkClr val="tx"/>
+                    </a:ext>
+                  </a:extLst>
+                </a:hlinkClick>
+              </a:rPr>
+              <a:t>https://research.ijcaonline.org/ooc/number1/ooc1005.pdf</a:t>
+            </a:r>
+            <a:endParaRPr sz="1400">
+              <a:solidFill>
+                <a:schemeClr val="dk1"/>
+              </a:solidFill>
+            </a:endParaRPr>
+          </a:p>
+          <a:p>
+            <a:pPr indent="0" lvl="0" marL="0" rtl="0" algn="l">
+              <a:spcBef>
+                <a:spcPts val="0"/>
+              </a:spcBef>
+              <a:spcAft>
+                <a:spcPts val="0"/>
+              </a:spcAft>
+              <a:buClr>
+                <a:schemeClr val="dk1"/>
+              </a:buClr>
+              <a:buSzPts val="1100"/>
+              <a:buFont typeface="Arial"/>
+              <a:buNone/>
+            </a:pPr>
+            <a:r>
+              <a:t/>
+            </a:r>
+            <a:endParaRPr sz="1400">
+              <a:solidFill>
+                <a:schemeClr val="dk1"/>
+              </a:solidFill>
+            </a:endParaRPr>
+          </a:p>
+          <a:p>
+            <a:pPr indent="0" lvl="0" marL="0" rtl="0" algn="l">
+              <a:spcBef>
+                <a:spcPts val="0"/>
+              </a:spcBef>
+              <a:spcAft>
+                <a:spcPts val="0"/>
+              </a:spcAft>
+              <a:buNone/>
+            </a:pPr>
+            <a:r>
+              <a:t/>
+            </a:r>
+            <a:endParaRPr/>
+          </a:p>
+        </p:txBody>
+      </p:sp>
+    </p:spTree>
+  </p:cSld>
+  <p:clrMapOvr>
+    <a:masterClrMapping/>
+  </p:clrMapOvr>
+</p:notes>
+</file>
+
+<file path=ppt/notesSlides/notesSlide6.xml><?xml version="1.0" encoding="utf-8"?>
+<p:notes xmlns:a="http://schemas.openxmlformats.org/drawingml/2006/main" xmlns:r="http://schemas.openxmlformats.org/officeDocument/2006/relationships" xmlns:mc="http://schemas.openxmlformats.org/markup-compatibility/2006" xmlns:mv="urn:schemas-microsoft-com:mac:vml" xmlns:p="http://schemas.openxmlformats.org/presentationml/2006/main" xmlns:c="http://schemas.openxmlformats.org/drawingml/2006/chart" xmlns:dgm="http://schemas.openxmlformats.org/drawingml/2006/diagram" xmlns:o="urn:schemas-microsoft-com:office:office" xmlns:v="urn:schemas-microsoft-com:vml" xmlns:pvml="urn:schemas-microsoft-com:office:powerpoint" xmlns:com="http://schemas.openxmlformats.org/drawingml/2006/compatibility" xmlns:p14="http://schemas.microsoft.com/office/powerpoint/2010/main" xmlns:p15="http://schemas.microsoft.com/office/powerpoint/2012/main" xmlns:ahyp="http://schemas.microsoft.com/office/drawing/2018/hyperlinkcolor" showMasterPhAnim="0" showMasterSp="0">
+  <p:cSld>
+    <p:spTree>
+      <p:nvGrpSpPr>
+        <p:cNvPr id="123" name="Shape 123"/>
+        <p:cNvGrpSpPr/>
+        <p:nvPr/>
+      </p:nvGrpSpPr>
+      <p:grpSpPr>
+        <a:xfrm>
+          <a:off x="0" y="0"/>
+          <a:ext cx="0" cy="0"/>
+          <a:chOff x="0" y="0"/>
+          <a:chExt cx="0" cy="0"/>
+        </a:xfrm>
+      </p:grpSpPr>
+      <p:sp>
+        <p:nvSpPr>
+          <p:cNvPr id="124" name="Google Shape;124;g23c9e05b671_0_36:notes"/>
+          <p:cNvSpPr/>
+          <p:nvPr>
+            <p:ph idx="2" type="sldImg"/>
+          </p:nvPr>
+        </p:nvSpPr>
+        <p:spPr>
+          <a:xfrm>
+            <a:off x="381300" y="685800"/>
+            <a:ext cx="6096000" cy="3429000"/>
+          </a:xfrm>
+          <a:custGeom>
+            <a:rect b="b" l="l" r="r" t="t"/>
+            <a:pathLst>
+              <a:path extrusionOk="0" h="120000" w="120000">
+                <a:moveTo>
+                  <a:pt x="0" y="0"/>
+                </a:moveTo>
+                <a:lnTo>
+                  <a:pt x="120000" y="0"/>
+                </a:lnTo>
+                <a:lnTo>
+                  <a:pt x="120000" y="120000"/>
+                </a:lnTo>
+                <a:lnTo>
+                  <a:pt x="0" y="120000"/>
+                </a:lnTo>
+                <a:close/>
+              </a:path>
+            </a:pathLst>
+          </a:custGeom>
+        </p:spPr>
+      </p:sp>
+      <p:sp>
+        <p:nvSpPr>
+          <p:cNvPr id="125" name="Google Shape;125;g23c9e05b671_0_36:notes"/>
+          <p:cNvSpPr txBox="1"/>
+          <p:nvPr>
+            <p:ph idx="1" type="body"/>
+          </p:nvPr>
+        </p:nvSpPr>
+        <p:spPr>
+          <a:xfrm>
+            <a:off x="685800" y="4343400"/>
+            <a:ext cx="5486400" cy="4114800"/>
+          </a:xfrm>
+          <a:prstGeom prst="rect">
+            <a:avLst/>
+          </a:prstGeom>
+        </p:spPr>
+        <p:txBody>
+          <a:bodyPr anchorCtr="0" anchor="t" bIns="91425" lIns="91425" spcFirstLastPara="1" rIns="91425" wrap="square" tIns="91425">
+            <a:noAutofit/>
+          </a:bodyPr>
+          <a:lstStyle/>
+          <a:p>
+            <a:pPr indent="0" lvl="0" marL="0" rtl="0" algn="l">
+              <a:spcBef>
+                <a:spcPts val="0"/>
+              </a:spcBef>
+              <a:spcAft>
+                <a:spcPts val="0"/>
+              </a:spcAft>
+              <a:buNone/>
+            </a:pPr>
+            <a:r>
+              <a:t/>
+            </a:r>
+            <a:endParaRPr/>
+          </a:p>
+        </p:txBody>
+      </p:sp>
+    </p:spTree>
+  </p:cSld>
+  <p:clrMapOvr>
+    <a:masterClrMapping/>
+  </p:clrMapOvr>
+</p:notes>
+</file>
+
+<file path=ppt/notesSlides/notesSlide7.xml><?xml version="1.0" encoding="utf-8"?>
+<p:notes xmlns:a="http://schemas.openxmlformats.org/drawingml/2006/main" xmlns:r="http://schemas.openxmlformats.org/officeDocument/2006/relationships" xmlns:mc="http://schemas.openxmlformats.org/markup-compatibility/2006" xmlns:mv="urn:schemas-microsoft-com:mac:vml" xmlns:p="http://schemas.openxmlformats.org/presentationml/2006/main" xmlns:c="http://schemas.openxmlformats.org/drawingml/2006/chart" xmlns:dgm="http://schemas.openxmlformats.org/drawingml/2006/diagram" xmlns:o="urn:schemas-microsoft-com:office:office" xmlns:v="urn:schemas-microsoft-com:vml" xmlns:pvml="urn:schemas-microsoft-com:office:powerpoint" xmlns:com="http://schemas.openxmlformats.org/drawingml/2006/compatibility" xmlns:p14="http://schemas.microsoft.com/office/powerpoint/2010/main" xmlns:p15="http://schemas.microsoft.com/office/powerpoint/2012/main" xmlns:ahyp="http://schemas.microsoft.com/office/drawing/2018/hyperlinkcolor" showMasterPhAnim="0" showMasterSp="0">
+  <p:cSld>
+    <p:spTree>
+      <p:nvGrpSpPr>
+        <p:cNvPr id="129" name="Shape 129"/>
+        <p:cNvGrpSpPr/>
+        <p:nvPr/>
+      </p:nvGrpSpPr>
+      <p:grpSpPr>
+        <a:xfrm>
+          <a:off x="0" y="0"/>
+          <a:ext cx="0" cy="0"/>
+          <a:chOff x="0" y="0"/>
+          <a:chExt cx="0" cy="0"/>
+        </a:xfrm>
+      </p:grpSpPr>
+      <p:sp>
+        <p:nvSpPr>
+          <p:cNvPr id="130" name="Google Shape;130;g23c9e05b671_0_41:notes"/>
+          <p:cNvSpPr/>
+          <p:nvPr>
+            <p:ph idx="2" type="sldImg"/>
+          </p:nvPr>
+        </p:nvSpPr>
+        <p:spPr>
+          <a:xfrm>
+            <a:off x="381300" y="685800"/>
+            <a:ext cx="6096000" cy="3429000"/>
+          </a:xfrm>
+          <a:custGeom>
+            <a:rect b="b" l="l" r="r" t="t"/>
+            <a:pathLst>
+              <a:path extrusionOk="0" h="120000" w="120000">
+                <a:moveTo>
+                  <a:pt x="0" y="0"/>
+                </a:moveTo>
+                <a:lnTo>
+                  <a:pt x="120000" y="0"/>
+                </a:lnTo>
+                <a:lnTo>
+                  <a:pt x="120000" y="120000"/>
+                </a:lnTo>
+                <a:lnTo>
+                  <a:pt x="0" y="120000"/>
+                </a:lnTo>
+                <a:close/>
+              </a:path>
+            </a:pathLst>
+          </a:custGeom>
+        </p:spPr>
+      </p:sp>
+      <p:sp>
+        <p:nvSpPr>
+          <p:cNvPr id="131" name="Google Shape;131;g23c9e05b671_0_41:notes"/>
+          <p:cNvSpPr txBox="1"/>
+          <p:nvPr>
+            <p:ph idx="1" type="body"/>
+          </p:nvPr>
+        </p:nvSpPr>
+        <p:spPr>
+          <a:xfrm>
+            <a:off x="685800" y="4343400"/>
+            <a:ext cx="5486400" cy="4114800"/>
+          </a:xfrm>
+          <a:prstGeom prst="rect">
+            <a:avLst/>
+          </a:prstGeom>
+        </p:spPr>
+        <p:txBody>
+          <a:bodyPr anchorCtr="0" anchor="t" bIns="91425" lIns="91425" spcFirstLastPara="1" rIns="91425" wrap="square" tIns="91425">
+            <a:noAutofit/>
+          </a:bodyPr>
+          <a:lstStyle/>
+          <a:p>
+            <a:pPr indent="0" lvl="0" marL="0" rtl="0" algn="l">
+              <a:spcBef>
+                <a:spcPts val="0"/>
+              </a:spcBef>
+              <a:spcAft>
+                <a:spcPts val="0"/>
+              </a:spcAft>
+              <a:buNone/>
+            </a:pPr>
+            <a:r>
+              <a:t/>
+            </a:r>
+            <a:endParaRPr/>
+          </a:p>
+        </p:txBody>
+      </p:sp>
+    </p:spTree>
+  </p:cSld>
+  <p:clrMapOvr>
+    <a:masterClrMapping/>
+  </p:clrMapOvr>
+</p:notes>
+</file>
+
+<file path=ppt/notesSlides/notesSlide8.xml><?xml version="1.0" encoding="utf-8"?>
+<p:notes xmlns:a="http://schemas.openxmlformats.org/drawingml/2006/main" xmlns:r="http://schemas.openxmlformats.org/officeDocument/2006/relationships" xmlns:mc="http://schemas.openxmlformats.org/markup-compatibility/2006" xmlns:mv="urn:schemas-microsoft-com:mac:vml" xmlns:p="http://schemas.openxmlformats.org/presentationml/2006/main" xmlns:c="http://schemas.openxmlformats.org/drawingml/2006/chart" xmlns:dgm="http://schemas.openxmlformats.org/drawingml/2006/diagram" xmlns:o="urn:schemas-microsoft-com:office:office" xmlns:v="urn:schemas-microsoft-com:vml" xmlns:pvml="urn:schemas-microsoft-com:office:powerpoint" xmlns:com="http://schemas.openxmlformats.org/drawingml/2006/compatibility" xmlns:p14="http://schemas.microsoft.com/office/powerpoint/2010/main" xmlns:p15="http://schemas.microsoft.com/office/powerpoint/2012/main" xmlns:ahyp="http://schemas.microsoft.com/office/drawing/2018/hyperlinkcolor" showMasterPhAnim="0" showMasterSp="0">
+  <p:cSld>
+    <p:spTree>
+      <p:nvGrpSpPr>
+        <p:cNvPr id="135" name="Shape 135"/>
+        <p:cNvGrpSpPr/>
+        <p:nvPr/>
+      </p:nvGrpSpPr>
+      <p:grpSpPr>
+        <a:xfrm>
+          <a:off x="0" y="0"/>
+          <a:ext cx="0" cy="0"/>
+          <a:chOff x="0" y="0"/>
+          <a:chExt cx="0" cy="0"/>
+        </a:xfrm>
+      </p:grpSpPr>
+      <p:sp>
+        <p:nvSpPr>
+          <p:cNvPr id="136" name="Google Shape;136;g23dc29295ac_0_404:notes"/>
+          <p:cNvSpPr/>
+          <p:nvPr>
+            <p:ph idx="2" type="sldImg"/>
+          </p:nvPr>
+        </p:nvSpPr>
+        <p:spPr>
+          <a:xfrm>
+            <a:off x="381300" y="685800"/>
+            <a:ext cx="6096000" cy="3429000"/>
+          </a:xfrm>
+          <a:custGeom>
+            <a:rect b="b" l="l" r="r" t="t"/>
+            <a:pathLst>
+              <a:path extrusionOk="0" h="120000" w="120000">
+                <a:moveTo>
+                  <a:pt x="0" y="0"/>
+                </a:moveTo>
+                <a:lnTo>
+                  <a:pt x="120000" y="0"/>
+                </a:lnTo>
+                <a:lnTo>
+                  <a:pt x="120000" y="120000"/>
+                </a:lnTo>
+                <a:lnTo>
+                  <a:pt x="0" y="120000"/>
+                </a:lnTo>
+                <a:close/>
+              </a:path>
+            </a:pathLst>
+          </a:custGeom>
+        </p:spPr>
+      </p:sp>
+      <p:sp>
+        <p:nvSpPr>
+          <p:cNvPr id="137" name="Google Shape;137;g23dc29295ac_0_404:notes"/>
+          <p:cNvSpPr txBox="1"/>
+          <p:nvPr>
+            <p:ph idx="1" type="body"/>
+          </p:nvPr>
+        </p:nvSpPr>
+        <p:spPr>
+          <a:xfrm>
+            <a:off x="685800" y="4343400"/>
+            <a:ext cx="5486400" cy="4114800"/>
+          </a:xfrm>
+          <a:prstGeom prst="rect">
+            <a:avLst/>
+          </a:prstGeom>
+        </p:spPr>
+        <p:txBody>
+          <a:bodyPr anchorCtr="0" anchor="t" bIns="91425" lIns="91425" spcFirstLastPara="1" rIns="91425" wrap="square" tIns="91425">
+            <a:noAutofit/>
+          </a:bodyPr>
+          <a:lstStyle/>
+          <a:p>
+            <a:pPr indent="0" lvl="0" marL="0" rtl="0" algn="l">
+              <a:spcBef>
+                <a:spcPts val="0"/>
+              </a:spcBef>
+              <a:spcAft>
+                <a:spcPts val="0"/>
+              </a:spcAft>
+              <a:buNone/>
+            </a:pPr>
+            <a:r>
+              <a:t/>
+            </a:r>
+            <a:endParaRPr/>
+          </a:p>
+        </p:txBody>
+      </p:sp>
+    </p:spTree>
+  </p:cSld>
+  <p:clrMapOvr>
+    <a:masterClrMapping/>
+  </p:clrMapOvr>
+</p:notes>
+</file>
+
+<file path=ppt/notesSlides/notesSlide9.xml><?xml version="1.0" encoding="utf-8"?>
+<p:notes xmlns:a="http://schemas.openxmlformats.org/drawingml/2006/main" xmlns:r="http://schemas.openxmlformats.org/officeDocument/2006/relationships" xmlns:mc="http://schemas.openxmlformats.org/markup-compatibility/2006" xmlns:mv="urn:schemas-microsoft-com:mac:vml" xmlns:p="http://schemas.openxmlformats.org/presentationml/2006/main" xmlns:c="http://schemas.openxmlformats.org/drawingml/2006/chart" xmlns:dgm="http://schemas.openxmlformats.org/drawingml/2006/diagram" xmlns:o="urn:schemas-microsoft-com:office:office" xmlns:v="urn:schemas-microsoft-com:vml" xmlns:pvml="urn:schemas-microsoft-com:office:powerpoint" xmlns:com="http://schemas.openxmlformats.org/drawingml/2006/compatibility" xmlns:p14="http://schemas.microsoft.com/office/powerpoint/2010/main" xmlns:p15="http://schemas.microsoft.com/office/powerpoint/2012/main" xmlns:ahyp="http://schemas.microsoft.com/office/drawing/2018/hyperlinkcolor" showMasterPhAnim="0" showMasterSp="0">
+  <p:cSld>
+    <p:spTree>
+      <p:nvGrpSpPr>
+        <p:cNvPr id="141" name="Shape 141"/>
+        <p:cNvGrpSpPr/>
+        <p:nvPr/>
+      </p:nvGrpSpPr>
+      <p:grpSpPr>
+        <a:xfrm>
+          <a:off x="0" y="0"/>
+          <a:ext cx="0" cy="0"/>
+          <a:chOff x="0" y="0"/>
+          <a:chExt cx="0" cy="0"/>
+        </a:xfrm>
+      </p:grpSpPr>
+      <p:sp>
+        <p:nvSpPr>
+          <p:cNvPr id="142" name="Google Shape;142;g23dc29295ac_0_410:notes"/>
+          <p:cNvSpPr/>
+          <p:nvPr>
+            <p:ph idx="2" type="sldImg"/>
+          </p:nvPr>
+        </p:nvSpPr>
+        <p:spPr>
+          <a:xfrm>
+            <a:off x="381300" y="685800"/>
+            <a:ext cx="6096000" cy="3429000"/>
+          </a:xfrm>
+          <a:custGeom>
+            <a:rect b="b" l="l" r="r" t="t"/>
+            <a:pathLst>
+              <a:path extrusionOk="0" h="120000" w="120000">
+                <a:moveTo>
+                  <a:pt x="0" y="0"/>
+                </a:moveTo>
+                <a:lnTo>
+                  <a:pt x="120000" y="0"/>
+                </a:lnTo>
+                <a:lnTo>
+                  <a:pt x="120000" y="120000"/>
+                </a:lnTo>
+                <a:lnTo>
+                  <a:pt x="0" y="120000"/>
+                </a:lnTo>
+                <a:close/>
+              </a:path>
+            </a:pathLst>
+          </a:custGeom>
+        </p:spPr>
+      </p:sp>
+      <p:sp>
+        <p:nvSpPr>
+          <p:cNvPr id="143" name="Google Shape;143;g23dc29295ac_0_410:notes"/>
           <p:cNvSpPr txBox="1"/>
           <p:nvPr>
             <p:ph idx="1" type="body"/>
@@ -5939,6 +7198,3952 @@
 </p:sld>
 </file>
 
+<file path=ppt/slides/slide10.xml><?xml version="1.0" encoding="utf-8"?>
+<p:sld xmlns:a="http://schemas.openxmlformats.org/drawingml/2006/main" xmlns:r="http://schemas.openxmlformats.org/officeDocument/2006/relationships" xmlns:mc="http://schemas.openxmlformats.org/markup-compatibility/2006" xmlns:mv="urn:schemas-microsoft-com:mac:vml" xmlns:p="http://schemas.openxmlformats.org/presentationml/2006/main" xmlns:c="http://schemas.openxmlformats.org/drawingml/2006/chart" xmlns:dgm="http://schemas.openxmlformats.org/drawingml/2006/diagram" xmlns:o="urn:schemas-microsoft-com:office:office" xmlns:v="urn:schemas-microsoft-com:vml" xmlns:pvml="urn:schemas-microsoft-com:office:powerpoint" xmlns:com="http://schemas.openxmlformats.org/drawingml/2006/compatibility" xmlns:p14="http://schemas.microsoft.com/office/powerpoint/2010/main" xmlns:p15="http://schemas.microsoft.com/office/powerpoint/2012/main" xmlns:ahyp="http://schemas.microsoft.com/office/drawing/2018/hyperlinkcolor">
+  <p:cSld>
+    <p:spTree>
+      <p:nvGrpSpPr>
+        <p:cNvPr id="150" name="Shape 150"/>
+        <p:cNvGrpSpPr/>
+        <p:nvPr/>
+      </p:nvGrpSpPr>
+      <p:grpSpPr>
+        <a:xfrm>
+          <a:off x="0" y="0"/>
+          <a:ext cx="0" cy="0"/>
+          <a:chOff x="0" y="0"/>
+          <a:chExt cx="0" cy="0"/>
+        </a:xfrm>
+      </p:grpSpPr>
+      <p:sp>
+        <p:nvSpPr>
+          <p:cNvPr id="151" name="Google Shape;151;p22"/>
+          <p:cNvSpPr/>
+          <p:nvPr/>
+        </p:nvSpPr>
+        <p:spPr>
+          <a:xfrm>
+            <a:off x="2888100" y="1017725"/>
+            <a:ext cx="3367800" cy="2960400"/>
+          </a:xfrm>
+          <a:prstGeom prst="rect">
+            <a:avLst/>
+          </a:prstGeom>
+          <a:solidFill>
+            <a:schemeClr val="lt2"/>
+          </a:solidFill>
+          <a:ln cap="flat" cmpd="sng" w="9525">
+            <a:solidFill>
+              <a:schemeClr val="dk2"/>
+            </a:solidFill>
+            <a:prstDash val="solid"/>
+            <a:round/>
+            <a:headEnd len="sm" w="sm" type="none"/>
+            <a:tailEnd len="sm" w="sm" type="none"/>
+          </a:ln>
+        </p:spPr>
+        <p:txBody>
+          <a:bodyPr anchorCtr="0" anchor="t" bIns="91425" lIns="91425" spcFirstLastPara="1" rIns="91425" wrap="square" tIns="91425">
+            <a:noAutofit/>
+          </a:bodyPr>
+          <a:lstStyle/>
+          <a:p>
+            <a:pPr indent="0" lvl="0" marL="0" rtl="0" algn="l">
+              <a:spcBef>
+                <a:spcPts val="0"/>
+              </a:spcBef>
+              <a:spcAft>
+                <a:spcPts val="0"/>
+              </a:spcAft>
+              <a:buNone/>
+            </a:pPr>
+            <a:r>
+              <a:rPr lang="en-GB"/>
+              <a:t>x+1 Colorable</a:t>
+            </a:r>
+            <a:endParaRPr/>
+          </a:p>
+        </p:txBody>
+      </p:sp>
+      <p:sp>
+        <p:nvSpPr>
+          <p:cNvPr id="152" name="Google Shape;152;p22"/>
+          <p:cNvSpPr/>
+          <p:nvPr/>
+        </p:nvSpPr>
+        <p:spPr>
+          <a:xfrm>
+            <a:off x="3087275" y="1394225"/>
+            <a:ext cx="1720200" cy="2380200"/>
+          </a:xfrm>
+          <a:prstGeom prst="rect">
+            <a:avLst/>
+          </a:prstGeom>
+          <a:solidFill>
+            <a:srgbClr val="D9D9D9"/>
+          </a:solidFill>
+          <a:ln cap="flat" cmpd="sng" w="9525">
+            <a:solidFill>
+              <a:schemeClr val="dk2"/>
+            </a:solidFill>
+            <a:prstDash val="solid"/>
+            <a:round/>
+            <a:headEnd len="sm" w="sm" type="none"/>
+            <a:tailEnd len="sm" w="sm" type="none"/>
+          </a:ln>
+        </p:spPr>
+        <p:txBody>
+          <a:bodyPr anchorCtr="0" anchor="t" bIns="91425" lIns="91425" spcFirstLastPara="1" rIns="91425" wrap="square" tIns="91425">
+            <a:noAutofit/>
+          </a:bodyPr>
+          <a:lstStyle/>
+          <a:p>
+            <a:pPr indent="0" lvl="0" marL="0" rtl="0" algn="l">
+              <a:spcBef>
+                <a:spcPts val="0"/>
+              </a:spcBef>
+              <a:spcAft>
+                <a:spcPts val="0"/>
+              </a:spcAft>
+              <a:buNone/>
+            </a:pPr>
+            <a:r>
+              <a:rPr lang="en-GB"/>
+              <a:t>x Colorable</a:t>
+            </a:r>
+            <a:endParaRPr/>
+          </a:p>
+        </p:txBody>
+      </p:sp>
+      <p:cxnSp>
+        <p:nvCxnSpPr>
+          <p:cNvPr id="153" name="Google Shape;153;p22"/>
+          <p:cNvCxnSpPr>
+            <a:endCxn id="154" idx="0"/>
+          </p:cNvCxnSpPr>
+          <p:nvPr/>
+        </p:nvCxnSpPr>
+        <p:spPr>
+          <a:xfrm flipH="1">
+            <a:off x="4209975" y="2679863"/>
+            <a:ext cx="1339800" cy="349200"/>
+          </a:xfrm>
+          <a:prstGeom prst="straightConnector1">
+            <a:avLst/>
+          </a:prstGeom>
+          <a:noFill/>
+          <a:ln cap="flat" cmpd="sng" w="19050">
+            <a:solidFill>
+              <a:schemeClr val="dk2"/>
+            </a:solidFill>
+            <a:prstDash val="dot"/>
+            <a:round/>
+            <a:headEnd len="med" w="med" type="none"/>
+            <a:tailEnd len="med" w="med" type="none"/>
+          </a:ln>
+        </p:spPr>
+      </p:cxnSp>
+      <p:sp>
+        <p:nvSpPr>
+          <p:cNvPr id="155" name="Google Shape;155;p22"/>
+          <p:cNvSpPr txBox="1"/>
+          <p:nvPr>
+            <p:ph type="title"/>
+          </p:nvPr>
+        </p:nvSpPr>
+        <p:spPr>
+          <a:xfrm>
+            <a:off x="311700" y="445025"/>
+            <a:ext cx="8520600" cy="572700"/>
+          </a:xfrm>
+          <a:prstGeom prst="rect">
+            <a:avLst/>
+          </a:prstGeom>
+        </p:spPr>
+        <p:txBody>
+          <a:bodyPr anchorCtr="0" anchor="t" bIns="91425" lIns="91425" spcFirstLastPara="1" rIns="91425" wrap="square" tIns="91425">
+            <a:normAutofit fontScale="90000"/>
+          </a:bodyPr>
+          <a:lstStyle/>
+          <a:p>
+            <a:pPr indent="0" lvl="0" marL="0" rtl="0" algn="l">
+              <a:spcBef>
+                <a:spcPts val="0"/>
+              </a:spcBef>
+              <a:spcAft>
+                <a:spcPts val="0"/>
+              </a:spcAft>
+              <a:buNone/>
+            </a:pPr>
+            <a:r>
+              <a:rPr lang="en-GB"/>
+              <a:t>Reduction</a:t>
+            </a:r>
+            <a:endParaRPr/>
+          </a:p>
+        </p:txBody>
+      </p:sp>
+      <p:sp>
+        <p:nvSpPr>
+          <p:cNvPr id="156" name="Google Shape;156;p22"/>
+          <p:cNvSpPr/>
+          <p:nvPr/>
+        </p:nvSpPr>
+        <p:spPr>
+          <a:xfrm>
+            <a:off x="3730025" y="1793038"/>
+            <a:ext cx="434700" cy="434700"/>
+          </a:xfrm>
+          <a:prstGeom prst="ellipse">
+            <a:avLst/>
+          </a:prstGeom>
+          <a:solidFill>
+            <a:srgbClr val="F4CCCC"/>
+          </a:solidFill>
+          <a:ln cap="flat" cmpd="sng" w="19050">
+            <a:solidFill>
+              <a:srgbClr val="FF0000"/>
+            </a:solidFill>
+            <a:prstDash val="solid"/>
+            <a:round/>
+            <a:headEnd len="sm" w="sm" type="none"/>
+            <a:tailEnd len="sm" w="sm" type="none"/>
+          </a:ln>
+        </p:spPr>
+        <p:txBody>
+          <a:bodyPr anchorCtr="0" anchor="ctr" bIns="91425" lIns="91425" spcFirstLastPara="1" rIns="91425" wrap="square" tIns="91425">
+            <a:noAutofit/>
+          </a:bodyPr>
+          <a:lstStyle/>
+          <a:p>
+            <a:pPr indent="0" lvl="0" marL="0" rtl="0" algn="l">
+              <a:spcBef>
+                <a:spcPts val="0"/>
+              </a:spcBef>
+              <a:spcAft>
+                <a:spcPts val="0"/>
+              </a:spcAft>
+              <a:buNone/>
+            </a:pPr>
+            <a:r>
+              <a:rPr lang="en-GB"/>
+              <a:t>1</a:t>
+            </a:r>
+            <a:endParaRPr/>
+          </a:p>
+        </p:txBody>
+      </p:sp>
+      <p:sp>
+        <p:nvSpPr>
+          <p:cNvPr id="157" name="Google Shape;157;p22"/>
+          <p:cNvSpPr/>
+          <p:nvPr/>
+        </p:nvSpPr>
+        <p:spPr>
+          <a:xfrm>
+            <a:off x="3729950" y="2354388"/>
+            <a:ext cx="434700" cy="434700"/>
+          </a:xfrm>
+          <a:prstGeom prst="ellipse">
+            <a:avLst/>
+          </a:prstGeom>
+          <a:solidFill>
+            <a:srgbClr val="F4CCCC"/>
+          </a:solidFill>
+          <a:ln cap="flat" cmpd="sng" w="19050">
+            <a:solidFill>
+              <a:srgbClr val="FF0000"/>
+            </a:solidFill>
+            <a:prstDash val="solid"/>
+            <a:round/>
+            <a:headEnd len="sm" w="sm" type="none"/>
+            <a:tailEnd len="sm" w="sm" type="none"/>
+          </a:ln>
+        </p:spPr>
+        <p:txBody>
+          <a:bodyPr anchorCtr="0" anchor="ctr" bIns="91425" lIns="91425" spcFirstLastPara="1" rIns="91425" wrap="square" tIns="91425">
+            <a:noAutofit/>
+          </a:bodyPr>
+          <a:lstStyle/>
+          <a:p>
+            <a:pPr indent="0" lvl="0" marL="0" rtl="0" algn="l">
+              <a:spcBef>
+                <a:spcPts val="0"/>
+              </a:spcBef>
+              <a:spcAft>
+                <a:spcPts val="0"/>
+              </a:spcAft>
+              <a:buNone/>
+            </a:pPr>
+            <a:r>
+              <a:rPr lang="en-GB"/>
+              <a:t>2</a:t>
+            </a:r>
+            <a:endParaRPr/>
+          </a:p>
+        </p:txBody>
+      </p:sp>
+      <p:sp>
+        <p:nvSpPr>
+          <p:cNvPr id="158" name="Google Shape;158;p22"/>
+          <p:cNvSpPr/>
+          <p:nvPr/>
+        </p:nvSpPr>
+        <p:spPr>
+          <a:xfrm>
+            <a:off x="3730025" y="3217713"/>
+            <a:ext cx="434700" cy="434700"/>
+          </a:xfrm>
+          <a:prstGeom prst="ellipse">
+            <a:avLst/>
+          </a:prstGeom>
+          <a:solidFill>
+            <a:srgbClr val="F4CCCC"/>
+          </a:solidFill>
+          <a:ln cap="flat" cmpd="sng" w="19050">
+            <a:solidFill>
+              <a:srgbClr val="FF0000"/>
+            </a:solidFill>
+            <a:prstDash val="solid"/>
+            <a:round/>
+            <a:headEnd len="sm" w="sm" type="none"/>
+            <a:tailEnd len="sm" w="sm" type="none"/>
+          </a:ln>
+        </p:spPr>
+        <p:txBody>
+          <a:bodyPr anchorCtr="0" anchor="ctr" bIns="91425" lIns="91425" spcFirstLastPara="1" rIns="91425" wrap="square" tIns="91425">
+            <a:noAutofit/>
+          </a:bodyPr>
+          <a:lstStyle/>
+          <a:p>
+            <a:pPr indent="0" lvl="0" marL="0" rtl="0" algn="l">
+              <a:spcBef>
+                <a:spcPts val="0"/>
+              </a:spcBef>
+              <a:spcAft>
+                <a:spcPts val="0"/>
+              </a:spcAft>
+              <a:buNone/>
+            </a:pPr>
+            <a:r>
+              <a:t/>
+            </a:r>
+            <a:endParaRPr/>
+          </a:p>
+        </p:txBody>
+      </p:sp>
+      <p:cxnSp>
+        <p:nvCxnSpPr>
+          <p:cNvPr id="159" name="Google Shape;159;p22"/>
+          <p:cNvCxnSpPr>
+            <a:stCxn id="156" idx="2"/>
+          </p:cNvCxnSpPr>
+          <p:nvPr/>
+        </p:nvCxnSpPr>
+        <p:spPr>
+          <a:xfrm flipH="1">
+            <a:off x="3096425" y="2010388"/>
+            <a:ext cx="633600" cy="8400"/>
+          </a:xfrm>
+          <a:prstGeom prst="straightConnector1">
+            <a:avLst/>
+          </a:prstGeom>
+          <a:noFill/>
+          <a:ln cap="flat" cmpd="sng" w="19050">
+            <a:solidFill>
+              <a:srgbClr val="FF0000"/>
+            </a:solidFill>
+            <a:prstDash val="dot"/>
+            <a:round/>
+            <a:headEnd len="med" w="med" type="none"/>
+            <a:tailEnd len="med" w="med" type="none"/>
+          </a:ln>
+        </p:spPr>
+      </p:cxnSp>
+      <p:cxnSp>
+        <p:nvCxnSpPr>
+          <p:cNvPr id="160" name="Google Shape;160;p22"/>
+          <p:cNvCxnSpPr>
+            <a:endCxn id="158" idx="2"/>
+          </p:cNvCxnSpPr>
+          <p:nvPr/>
+        </p:nvCxnSpPr>
+        <p:spPr>
+          <a:xfrm>
+            <a:off x="3087125" y="3428763"/>
+            <a:ext cx="642900" cy="6300"/>
+          </a:xfrm>
+          <a:prstGeom prst="straightConnector1">
+            <a:avLst/>
+          </a:prstGeom>
+          <a:noFill/>
+          <a:ln cap="flat" cmpd="sng" w="19050">
+            <a:solidFill>
+              <a:srgbClr val="FF0000"/>
+            </a:solidFill>
+            <a:prstDash val="dot"/>
+            <a:round/>
+            <a:headEnd len="med" w="med" type="none"/>
+            <a:tailEnd len="med" w="med" type="none"/>
+          </a:ln>
+        </p:spPr>
+      </p:cxnSp>
+      <p:sp>
+        <p:nvSpPr>
+          <p:cNvPr id="161" name="Google Shape;161;p22"/>
+          <p:cNvSpPr txBox="1"/>
+          <p:nvPr/>
+        </p:nvSpPr>
+        <p:spPr>
+          <a:xfrm>
+            <a:off x="1964550" y="4240925"/>
+            <a:ext cx="5214900" cy="400200"/>
+          </a:xfrm>
+          <a:prstGeom prst="rect">
+            <a:avLst/>
+          </a:prstGeom>
+          <a:noFill/>
+          <a:ln>
+            <a:noFill/>
+          </a:ln>
+        </p:spPr>
+        <p:txBody>
+          <a:bodyPr anchorCtr="0" anchor="t" bIns="91425" lIns="91425" spcFirstLastPara="1" rIns="91425" wrap="square" tIns="91425">
+            <a:spAutoFit/>
+          </a:bodyPr>
+          <a:lstStyle/>
+          <a:p>
+            <a:pPr indent="0" lvl="0" marL="0" rtl="0" algn="ctr">
+              <a:spcBef>
+                <a:spcPts val="0"/>
+              </a:spcBef>
+              <a:spcAft>
+                <a:spcPts val="0"/>
+              </a:spcAft>
+              <a:buNone/>
+            </a:pPr>
+            <a:r>
+              <a:rPr lang="en-GB"/>
+              <a:t>Making a 3 colorable graph k-colorable</a:t>
+            </a:r>
+            <a:endParaRPr/>
+          </a:p>
+        </p:txBody>
+      </p:sp>
+      <p:cxnSp>
+        <p:nvCxnSpPr>
+          <p:cNvPr id="162" name="Google Shape;162;p22"/>
+          <p:cNvCxnSpPr>
+            <a:stCxn id="156" idx="6"/>
+            <a:endCxn id="163" idx="1"/>
+          </p:cNvCxnSpPr>
+          <p:nvPr/>
+        </p:nvCxnSpPr>
+        <p:spPr>
+          <a:xfrm>
+            <a:off x="4164725" y="2010388"/>
+            <a:ext cx="1395900" cy="414000"/>
+          </a:xfrm>
+          <a:prstGeom prst="straightConnector1">
+            <a:avLst/>
+          </a:prstGeom>
+          <a:noFill/>
+          <a:ln cap="flat" cmpd="sng" w="19050">
+            <a:solidFill>
+              <a:schemeClr val="accent1"/>
+            </a:solidFill>
+            <a:prstDash val="solid"/>
+            <a:round/>
+            <a:headEnd len="med" w="med" type="none"/>
+            <a:tailEnd len="med" w="med" type="none"/>
+          </a:ln>
+        </p:spPr>
+      </p:cxnSp>
+      <p:sp>
+        <p:nvSpPr>
+          <p:cNvPr id="163" name="Google Shape;163;p22"/>
+          <p:cNvSpPr/>
+          <p:nvPr/>
+        </p:nvSpPr>
+        <p:spPr>
+          <a:xfrm>
+            <a:off x="5496950" y="2360700"/>
+            <a:ext cx="434700" cy="434700"/>
+          </a:xfrm>
+          <a:prstGeom prst="ellipse">
+            <a:avLst/>
+          </a:prstGeom>
+          <a:solidFill>
+            <a:srgbClr val="C9DAF8"/>
+          </a:solidFill>
+          <a:ln cap="flat" cmpd="sng" w="19050">
+            <a:solidFill>
+              <a:schemeClr val="accent1"/>
+            </a:solidFill>
+            <a:prstDash val="solid"/>
+            <a:round/>
+            <a:headEnd len="sm" w="sm" type="none"/>
+            <a:tailEnd len="sm" w="sm" type="none"/>
+          </a:ln>
+        </p:spPr>
+        <p:txBody>
+          <a:bodyPr anchorCtr="0" anchor="ctr" bIns="91425" lIns="91425" spcFirstLastPara="1" rIns="91425" wrap="square" tIns="91425">
+            <a:noAutofit/>
+          </a:bodyPr>
+          <a:lstStyle/>
+          <a:p>
+            <a:pPr indent="0" lvl="0" marL="0" rtl="0" algn="l">
+              <a:spcBef>
+                <a:spcPts val="0"/>
+              </a:spcBef>
+              <a:spcAft>
+                <a:spcPts val="0"/>
+              </a:spcAft>
+              <a:buNone/>
+            </a:pPr>
+            <a:r>
+              <a:t/>
+            </a:r>
+            <a:endParaRPr/>
+          </a:p>
+        </p:txBody>
+      </p:sp>
+      <p:cxnSp>
+        <p:nvCxnSpPr>
+          <p:cNvPr id="164" name="Google Shape;164;p22"/>
+          <p:cNvCxnSpPr>
+            <a:stCxn id="158" idx="6"/>
+            <a:endCxn id="163" idx="3"/>
+          </p:cNvCxnSpPr>
+          <p:nvPr/>
+        </p:nvCxnSpPr>
+        <p:spPr>
+          <a:xfrm flipH="1" rot="10800000">
+            <a:off x="4164725" y="2731863"/>
+            <a:ext cx="1395900" cy="703200"/>
+          </a:xfrm>
+          <a:prstGeom prst="straightConnector1">
+            <a:avLst/>
+          </a:prstGeom>
+          <a:noFill/>
+          <a:ln cap="flat" cmpd="sng" w="19050">
+            <a:solidFill>
+              <a:schemeClr val="accent1"/>
+            </a:solidFill>
+            <a:prstDash val="solid"/>
+            <a:round/>
+            <a:headEnd len="med" w="med" type="none"/>
+            <a:tailEnd len="med" w="med" type="none"/>
+          </a:ln>
+        </p:spPr>
+      </p:cxnSp>
+      <p:cxnSp>
+        <p:nvCxnSpPr>
+          <p:cNvPr id="165" name="Google Shape;165;p22"/>
+          <p:cNvCxnSpPr>
+            <a:stCxn id="157" idx="6"/>
+            <a:endCxn id="163" idx="2"/>
+          </p:cNvCxnSpPr>
+          <p:nvPr/>
+        </p:nvCxnSpPr>
+        <p:spPr>
+          <a:xfrm>
+            <a:off x="4164650" y="2571738"/>
+            <a:ext cx="1332300" cy="6300"/>
+          </a:xfrm>
+          <a:prstGeom prst="straightConnector1">
+            <a:avLst/>
+          </a:prstGeom>
+          <a:noFill/>
+          <a:ln cap="flat" cmpd="sng" w="19050">
+            <a:solidFill>
+              <a:schemeClr val="accent1"/>
+            </a:solidFill>
+            <a:prstDash val="solid"/>
+            <a:round/>
+            <a:headEnd len="med" w="med" type="none"/>
+            <a:tailEnd len="med" w="med" type="none"/>
+          </a:ln>
+        </p:spPr>
+      </p:cxnSp>
+      <p:cxnSp>
+        <p:nvCxnSpPr>
+          <p:cNvPr id="166" name="Google Shape;166;p22"/>
+          <p:cNvCxnSpPr>
+            <a:stCxn id="157" idx="2"/>
+            <a:endCxn id="152" idx="1"/>
+          </p:cNvCxnSpPr>
+          <p:nvPr/>
+        </p:nvCxnSpPr>
+        <p:spPr>
+          <a:xfrm flipH="1">
+            <a:off x="3087350" y="2571738"/>
+            <a:ext cx="642600" cy="12600"/>
+          </a:xfrm>
+          <a:prstGeom prst="straightConnector1">
+            <a:avLst/>
+          </a:prstGeom>
+          <a:noFill/>
+          <a:ln cap="flat" cmpd="sng" w="19050">
+            <a:solidFill>
+              <a:srgbClr val="FF0000"/>
+            </a:solidFill>
+            <a:prstDash val="dot"/>
+            <a:round/>
+            <a:headEnd len="med" w="med" type="none"/>
+            <a:tailEnd len="med" w="med" type="none"/>
+          </a:ln>
+        </p:spPr>
+      </p:cxnSp>
+      <p:sp>
+        <p:nvSpPr>
+          <p:cNvPr id="154" name="Google Shape;154;p22"/>
+          <p:cNvSpPr txBox="1"/>
+          <p:nvPr/>
+        </p:nvSpPr>
+        <p:spPr>
+          <a:xfrm rot="5400000">
+            <a:off x="3702975" y="2721263"/>
+            <a:ext cx="398400" cy="615600"/>
+          </a:xfrm>
+          <a:prstGeom prst="rect">
+            <a:avLst/>
+          </a:prstGeom>
+          <a:noFill/>
+          <a:ln>
+            <a:noFill/>
+          </a:ln>
+        </p:spPr>
+        <p:txBody>
+          <a:bodyPr anchorCtr="0" anchor="t" bIns="91425" lIns="91425" spcFirstLastPara="1" rIns="91425" wrap="square" tIns="91425">
+            <a:spAutoFit/>
+          </a:bodyPr>
+          <a:lstStyle/>
+          <a:p>
+            <a:pPr indent="0" lvl="0" marL="0" rtl="0" algn="l">
+              <a:spcBef>
+                <a:spcPts val="0"/>
+              </a:spcBef>
+              <a:spcAft>
+                <a:spcPts val="0"/>
+              </a:spcAft>
+              <a:buNone/>
+            </a:pPr>
+            <a:r>
+              <a:rPr b="1" lang="en-GB"/>
+              <a:t>…</a:t>
+            </a:r>
+            <a:endParaRPr b="1"/>
+          </a:p>
+          <a:p>
+            <a:pPr indent="0" lvl="0" marL="0" rtl="0" algn="l">
+              <a:spcBef>
+                <a:spcPts val="0"/>
+              </a:spcBef>
+              <a:spcAft>
+                <a:spcPts val="0"/>
+              </a:spcAft>
+              <a:buNone/>
+            </a:pPr>
+            <a:r>
+              <a:t/>
+            </a:r>
+            <a:endParaRPr b="1"/>
+          </a:p>
+        </p:txBody>
+      </p:sp>
+      <p:sp>
+        <p:nvSpPr>
+          <p:cNvPr id="167" name="Google Shape;167;p22"/>
+          <p:cNvSpPr txBox="1"/>
+          <p:nvPr/>
+        </p:nvSpPr>
+        <p:spPr>
+          <a:xfrm>
+            <a:off x="3730025" y="3235038"/>
+            <a:ext cx="633600" cy="400200"/>
+          </a:xfrm>
+          <a:prstGeom prst="rect">
+            <a:avLst/>
+          </a:prstGeom>
+          <a:noFill/>
+          <a:ln>
+            <a:noFill/>
+          </a:ln>
+        </p:spPr>
+        <p:txBody>
+          <a:bodyPr anchorCtr="0" anchor="t" bIns="91425" lIns="91425" spcFirstLastPara="1" rIns="91425" wrap="square" tIns="91425">
+            <a:spAutoFit/>
+          </a:bodyPr>
+          <a:lstStyle/>
+          <a:p>
+            <a:pPr indent="0" lvl="0" marL="0" rtl="0" algn="l">
+              <a:spcBef>
+                <a:spcPts val="0"/>
+              </a:spcBef>
+              <a:spcAft>
+                <a:spcPts val="0"/>
+              </a:spcAft>
+              <a:buNone/>
+            </a:pPr>
+            <a:r>
+              <a:rPr lang="en-GB">
+                <a:solidFill>
+                  <a:schemeClr val="dk1"/>
+                </a:solidFill>
+              </a:rPr>
+              <a:t>|V|</a:t>
+            </a:r>
+            <a:endParaRPr>
+              <a:solidFill>
+                <a:schemeClr val="dk1"/>
+              </a:solidFill>
+            </a:endParaRPr>
+          </a:p>
+        </p:txBody>
+      </p:sp>
+      <p:cxnSp>
+        <p:nvCxnSpPr>
+          <p:cNvPr id="168" name="Google Shape;168;p22"/>
+          <p:cNvCxnSpPr/>
+          <p:nvPr/>
+        </p:nvCxnSpPr>
+        <p:spPr>
+          <a:xfrm flipH="1" rot="10800000">
+            <a:off x="3087225" y="3060125"/>
+            <a:ext cx="733500" cy="9000"/>
+          </a:xfrm>
+          <a:prstGeom prst="straightConnector1">
+            <a:avLst/>
+          </a:prstGeom>
+          <a:noFill/>
+          <a:ln cap="flat" cmpd="sng" w="19050">
+            <a:solidFill>
+              <a:schemeClr val="dk2"/>
+            </a:solidFill>
+            <a:prstDash val="dot"/>
+            <a:round/>
+            <a:headEnd len="med" w="med" type="none"/>
+            <a:tailEnd len="med" w="med" type="none"/>
+          </a:ln>
+        </p:spPr>
+      </p:cxnSp>
+    </p:spTree>
+  </p:cSld>
+  <p:clrMapOvr>
+    <a:masterClrMapping/>
+  </p:clrMapOvr>
+</p:sld>
+</file>
+
+<file path=ppt/slides/slide11.xml><?xml version="1.0" encoding="utf-8"?>
+<p:sld xmlns:a="http://schemas.openxmlformats.org/drawingml/2006/main" xmlns:r="http://schemas.openxmlformats.org/officeDocument/2006/relationships" xmlns:mc="http://schemas.openxmlformats.org/markup-compatibility/2006" xmlns:mv="urn:schemas-microsoft-com:mac:vml" xmlns:p="http://schemas.openxmlformats.org/presentationml/2006/main" xmlns:c="http://schemas.openxmlformats.org/drawingml/2006/chart" xmlns:dgm="http://schemas.openxmlformats.org/drawingml/2006/diagram" xmlns:o="urn:schemas-microsoft-com:office:office" xmlns:v="urn:schemas-microsoft-com:vml" xmlns:pvml="urn:schemas-microsoft-com:office:powerpoint" xmlns:com="http://schemas.openxmlformats.org/drawingml/2006/compatibility" xmlns:p14="http://schemas.microsoft.com/office/powerpoint/2010/main" xmlns:p15="http://schemas.microsoft.com/office/powerpoint/2012/main" xmlns:ahyp="http://schemas.microsoft.com/office/drawing/2018/hyperlinkcolor">
+  <p:cSld>
+    <p:spTree>
+      <p:nvGrpSpPr>
+        <p:cNvPr id="172" name="Shape 172"/>
+        <p:cNvGrpSpPr/>
+        <p:nvPr/>
+      </p:nvGrpSpPr>
+      <p:grpSpPr>
+        <a:xfrm>
+          <a:off x="0" y="0"/>
+          <a:ext cx="0" cy="0"/>
+          <a:chOff x="0" y="0"/>
+          <a:chExt cx="0" cy="0"/>
+        </a:xfrm>
+      </p:grpSpPr>
+      <p:sp>
+        <p:nvSpPr>
+          <p:cNvPr id="173" name="Google Shape;173;p23"/>
+          <p:cNvSpPr txBox="1"/>
+          <p:nvPr>
+            <p:ph type="title"/>
+          </p:nvPr>
+        </p:nvSpPr>
+        <p:spPr>
+          <a:xfrm>
+            <a:off x="311700" y="445025"/>
+            <a:ext cx="8520600" cy="572700"/>
+          </a:xfrm>
+          <a:prstGeom prst="rect">
+            <a:avLst/>
+          </a:prstGeom>
+        </p:spPr>
+        <p:txBody>
+          <a:bodyPr anchorCtr="0" anchor="t" bIns="91425" lIns="91425" spcFirstLastPara="1" rIns="91425" wrap="square" tIns="91425">
+            <a:normAutofit fontScale="90000"/>
+          </a:bodyPr>
+          <a:lstStyle/>
+          <a:p>
+            <a:pPr indent="0" lvl="0" marL="0" rtl="0" algn="l">
+              <a:spcBef>
+                <a:spcPts val="0"/>
+              </a:spcBef>
+              <a:spcAft>
+                <a:spcPts val="0"/>
+              </a:spcAft>
+              <a:buNone/>
+            </a:pPr>
+            <a:r>
+              <a:rPr lang="en-GB"/>
+              <a:t>Certifier Process</a:t>
+            </a:r>
+            <a:endParaRPr/>
+          </a:p>
+        </p:txBody>
+      </p:sp>
+      <p:sp>
+        <p:nvSpPr>
+          <p:cNvPr id="174" name="Google Shape;174;p23"/>
+          <p:cNvSpPr txBox="1"/>
+          <p:nvPr>
+            <p:ph idx="1" type="body"/>
+          </p:nvPr>
+        </p:nvSpPr>
+        <p:spPr>
+          <a:xfrm>
+            <a:off x="311700" y="1152475"/>
+            <a:ext cx="8520600" cy="3416400"/>
+          </a:xfrm>
+          <a:prstGeom prst="rect">
+            <a:avLst/>
+          </a:prstGeom>
+          <a:ln cap="flat" cmpd="sng" w="9525">
+            <a:solidFill>
+              <a:srgbClr val="B7B7B7"/>
+            </a:solidFill>
+            <a:prstDash val="solid"/>
+            <a:round/>
+            <a:headEnd len="sm" w="sm" type="none"/>
+            <a:tailEnd len="sm" w="sm" type="none"/>
+          </a:ln>
+        </p:spPr>
+        <p:txBody>
+          <a:bodyPr anchorCtr="0" anchor="t" bIns="91425" lIns="91425" spcFirstLastPara="1" rIns="91425" wrap="square" tIns="91425">
+            <a:noAutofit/>
+          </a:bodyPr>
+          <a:lstStyle/>
+          <a:p>
+            <a:pPr indent="0" lvl="0" marL="0" rtl="0" algn="l">
+              <a:lnSpc>
+                <a:spcPct val="150000"/>
+              </a:lnSpc>
+              <a:spcBef>
+                <a:spcPts val="0"/>
+              </a:spcBef>
+              <a:spcAft>
+                <a:spcPts val="0"/>
+              </a:spcAft>
+              <a:buClr>
+                <a:schemeClr val="dk1"/>
+              </a:buClr>
+              <a:buSzPts val="1100"/>
+              <a:buFont typeface="Arial"/>
+              <a:buNone/>
+            </a:pPr>
+            <a:r>
+              <a:rPr lang="en-GB" sz="1200">
+                <a:solidFill>
+                  <a:srgbClr val="D73A49"/>
+                </a:solidFill>
+                <a:highlight>
+                  <a:srgbClr val="FFFFFF"/>
+                </a:highlight>
+                <a:latin typeface="Consolas"/>
+                <a:ea typeface="Consolas"/>
+                <a:cs typeface="Consolas"/>
+                <a:sym typeface="Consolas"/>
+              </a:rPr>
+              <a:t>def</a:t>
+            </a:r>
+            <a:r>
+              <a:rPr lang="en-GB" sz="1200">
+                <a:solidFill>
+                  <a:srgbClr val="24292E"/>
+                </a:solidFill>
+                <a:highlight>
+                  <a:srgbClr val="FFFFFF"/>
+                </a:highlight>
+                <a:latin typeface="Consolas"/>
+                <a:ea typeface="Consolas"/>
+                <a:cs typeface="Consolas"/>
+                <a:sym typeface="Consolas"/>
+              </a:rPr>
+              <a:t> </a:t>
+            </a:r>
+            <a:r>
+              <a:rPr lang="en-GB" sz="1200">
+                <a:solidFill>
+                  <a:srgbClr val="6F42C1"/>
+                </a:solidFill>
+                <a:highlight>
+                  <a:srgbClr val="FFFFFF"/>
+                </a:highlight>
+                <a:latin typeface="Consolas"/>
+                <a:ea typeface="Consolas"/>
+                <a:cs typeface="Consolas"/>
+                <a:sym typeface="Consolas"/>
+              </a:rPr>
+              <a:t>verify_k_coloring</a:t>
+            </a:r>
+            <a:r>
+              <a:rPr lang="en-GB" sz="1200">
+                <a:solidFill>
+                  <a:srgbClr val="24292E"/>
+                </a:solidFill>
+                <a:highlight>
+                  <a:srgbClr val="FFFFFF"/>
+                </a:highlight>
+                <a:latin typeface="Consolas"/>
+                <a:ea typeface="Consolas"/>
+                <a:cs typeface="Consolas"/>
+                <a:sym typeface="Consolas"/>
+              </a:rPr>
+              <a:t>(k, coloring, edges):</a:t>
+            </a:r>
+            <a:endParaRPr sz="1200">
+              <a:solidFill>
+                <a:srgbClr val="24292E"/>
+              </a:solidFill>
+              <a:highlight>
+                <a:srgbClr val="FFFFFF"/>
+              </a:highlight>
+              <a:latin typeface="Consolas"/>
+              <a:ea typeface="Consolas"/>
+              <a:cs typeface="Consolas"/>
+              <a:sym typeface="Consolas"/>
+            </a:endParaRPr>
+          </a:p>
+          <a:p>
+            <a:pPr indent="0" lvl="0" marL="0" rtl="0" algn="l">
+              <a:lnSpc>
+                <a:spcPct val="150000"/>
+              </a:lnSpc>
+              <a:spcBef>
+                <a:spcPts val="0"/>
+              </a:spcBef>
+              <a:spcAft>
+                <a:spcPts val="0"/>
+              </a:spcAft>
+              <a:buClr>
+                <a:schemeClr val="dk1"/>
+              </a:buClr>
+              <a:buSzPts val="1100"/>
+              <a:buFont typeface="Arial"/>
+              <a:buNone/>
+            </a:pPr>
+            <a:r>
+              <a:rPr lang="en-GB" sz="1200">
+                <a:solidFill>
+                  <a:srgbClr val="24292E"/>
+                </a:solidFill>
+                <a:highlight>
+                  <a:srgbClr val="FFFFFF"/>
+                </a:highlight>
+                <a:latin typeface="Consolas"/>
+                <a:ea typeface="Consolas"/>
+                <a:cs typeface="Consolas"/>
+                <a:sym typeface="Consolas"/>
+              </a:rPr>
+              <a:t>   </a:t>
+            </a:r>
+            <a:r>
+              <a:rPr lang="en-GB" sz="1200">
+                <a:solidFill>
+                  <a:srgbClr val="032F62"/>
+                </a:solidFill>
+                <a:highlight>
+                  <a:srgbClr val="FFFFFF"/>
+                </a:highlight>
+                <a:latin typeface="Consolas"/>
+                <a:ea typeface="Consolas"/>
+                <a:cs typeface="Consolas"/>
+                <a:sym typeface="Consolas"/>
+              </a:rPr>
+              <a:t>"""</a:t>
+            </a:r>
+            <a:endParaRPr sz="1200">
+              <a:solidFill>
+                <a:srgbClr val="032F62"/>
+              </a:solidFill>
+              <a:highlight>
+                <a:srgbClr val="FFFFFF"/>
+              </a:highlight>
+              <a:latin typeface="Consolas"/>
+              <a:ea typeface="Consolas"/>
+              <a:cs typeface="Consolas"/>
+              <a:sym typeface="Consolas"/>
+            </a:endParaRPr>
+          </a:p>
+          <a:p>
+            <a:pPr indent="0" lvl="0" marL="0" rtl="0" algn="l">
+              <a:lnSpc>
+                <a:spcPct val="150000"/>
+              </a:lnSpc>
+              <a:spcBef>
+                <a:spcPts val="0"/>
+              </a:spcBef>
+              <a:spcAft>
+                <a:spcPts val="0"/>
+              </a:spcAft>
+              <a:buClr>
+                <a:schemeClr val="dk1"/>
+              </a:buClr>
+              <a:buSzPts val="1100"/>
+              <a:buFont typeface="Arial"/>
+              <a:buNone/>
+            </a:pPr>
+            <a:r>
+              <a:rPr lang="en-GB" sz="1200">
+                <a:solidFill>
+                  <a:srgbClr val="032F62"/>
+                </a:solidFill>
+                <a:highlight>
+                  <a:srgbClr val="FFFFFF"/>
+                </a:highlight>
+                <a:latin typeface="Consolas"/>
+                <a:ea typeface="Consolas"/>
+                <a:cs typeface="Consolas"/>
+                <a:sym typeface="Consolas"/>
+              </a:rPr>
+              <a:t>   k: number of colors</a:t>
+            </a:r>
+            <a:endParaRPr sz="1200">
+              <a:solidFill>
+                <a:srgbClr val="032F62"/>
+              </a:solidFill>
+              <a:highlight>
+                <a:srgbClr val="FFFFFF"/>
+              </a:highlight>
+              <a:latin typeface="Consolas"/>
+              <a:ea typeface="Consolas"/>
+              <a:cs typeface="Consolas"/>
+              <a:sym typeface="Consolas"/>
+            </a:endParaRPr>
+          </a:p>
+          <a:p>
+            <a:pPr indent="0" lvl="0" marL="0" rtl="0" algn="l">
+              <a:lnSpc>
+                <a:spcPct val="150000"/>
+              </a:lnSpc>
+              <a:spcBef>
+                <a:spcPts val="0"/>
+              </a:spcBef>
+              <a:spcAft>
+                <a:spcPts val="0"/>
+              </a:spcAft>
+              <a:buClr>
+                <a:schemeClr val="dk1"/>
+              </a:buClr>
+              <a:buSzPts val="1100"/>
+              <a:buFont typeface="Arial"/>
+              <a:buNone/>
+            </a:pPr>
+            <a:r>
+              <a:rPr lang="en-GB" sz="1200">
+                <a:solidFill>
+                  <a:srgbClr val="032F62"/>
+                </a:solidFill>
+                <a:highlight>
+                  <a:srgbClr val="FFFFFF"/>
+                </a:highlight>
+                <a:latin typeface="Consolas"/>
+                <a:ea typeface="Consolas"/>
+                <a:cs typeface="Consolas"/>
+                <a:sym typeface="Consolas"/>
+              </a:rPr>
+              <a:t>   coloring: dictionary, maps each vertex to a color</a:t>
+            </a:r>
+            <a:endParaRPr sz="1200">
+              <a:solidFill>
+                <a:srgbClr val="032F62"/>
+              </a:solidFill>
+              <a:highlight>
+                <a:srgbClr val="FFFFFF"/>
+              </a:highlight>
+              <a:latin typeface="Consolas"/>
+              <a:ea typeface="Consolas"/>
+              <a:cs typeface="Consolas"/>
+              <a:sym typeface="Consolas"/>
+            </a:endParaRPr>
+          </a:p>
+          <a:p>
+            <a:pPr indent="0" lvl="0" marL="0" rtl="0" algn="l">
+              <a:lnSpc>
+                <a:spcPct val="150000"/>
+              </a:lnSpc>
+              <a:spcBef>
+                <a:spcPts val="0"/>
+              </a:spcBef>
+              <a:spcAft>
+                <a:spcPts val="0"/>
+              </a:spcAft>
+              <a:buClr>
+                <a:schemeClr val="dk1"/>
+              </a:buClr>
+              <a:buSzPts val="1100"/>
+              <a:buFont typeface="Arial"/>
+              <a:buNone/>
+            </a:pPr>
+            <a:r>
+              <a:rPr lang="en-GB" sz="1200">
+                <a:solidFill>
+                  <a:srgbClr val="032F62"/>
+                </a:solidFill>
+                <a:highlight>
+                  <a:srgbClr val="FFFFFF"/>
+                </a:highlight>
+                <a:latin typeface="Consolas"/>
+                <a:ea typeface="Consolas"/>
+                <a:cs typeface="Consolas"/>
+                <a:sym typeface="Consolas"/>
+              </a:rPr>
+              <a:t>   edges: iterator of edges each represented by a two-tuple of </a:t>
+            </a:r>
+            <a:r>
+              <a:rPr lang="en-GB" sz="1200">
+                <a:solidFill>
+                  <a:srgbClr val="032F62"/>
+                </a:solidFill>
+                <a:highlight>
+                  <a:srgbClr val="FFFFFF"/>
+                </a:highlight>
+                <a:latin typeface="Consolas"/>
+                <a:ea typeface="Consolas"/>
+                <a:cs typeface="Consolas"/>
+                <a:sym typeface="Consolas"/>
+              </a:rPr>
+              <a:t>vertices</a:t>
+            </a:r>
+            <a:endParaRPr sz="1200">
+              <a:solidFill>
+                <a:srgbClr val="032F62"/>
+              </a:solidFill>
+              <a:highlight>
+                <a:srgbClr val="FFFFFF"/>
+              </a:highlight>
+              <a:latin typeface="Consolas"/>
+              <a:ea typeface="Consolas"/>
+              <a:cs typeface="Consolas"/>
+              <a:sym typeface="Consolas"/>
+            </a:endParaRPr>
+          </a:p>
+          <a:p>
+            <a:pPr indent="0" lvl="0" marL="0" rtl="0" algn="l">
+              <a:lnSpc>
+                <a:spcPct val="150000"/>
+              </a:lnSpc>
+              <a:spcBef>
+                <a:spcPts val="0"/>
+              </a:spcBef>
+              <a:spcAft>
+                <a:spcPts val="0"/>
+              </a:spcAft>
+              <a:buClr>
+                <a:schemeClr val="dk1"/>
+              </a:buClr>
+              <a:buSzPts val="1100"/>
+              <a:buFont typeface="Arial"/>
+              <a:buNone/>
+            </a:pPr>
+            <a:r>
+              <a:rPr lang="en-GB" sz="1200">
+                <a:solidFill>
+                  <a:srgbClr val="032F62"/>
+                </a:solidFill>
+                <a:highlight>
+                  <a:srgbClr val="FFFFFF"/>
+                </a:highlight>
+                <a:latin typeface="Consolas"/>
+                <a:ea typeface="Consolas"/>
+                <a:cs typeface="Consolas"/>
+                <a:sym typeface="Consolas"/>
+              </a:rPr>
+              <a:t>   """</a:t>
+            </a:r>
+            <a:endParaRPr sz="1200">
+              <a:solidFill>
+                <a:srgbClr val="032F62"/>
+              </a:solidFill>
+              <a:highlight>
+                <a:srgbClr val="FFFFFF"/>
+              </a:highlight>
+              <a:latin typeface="Consolas"/>
+              <a:ea typeface="Consolas"/>
+              <a:cs typeface="Consolas"/>
+              <a:sym typeface="Consolas"/>
+            </a:endParaRPr>
+          </a:p>
+          <a:p>
+            <a:pPr indent="0" lvl="0" marL="0" rtl="0" algn="l">
+              <a:lnSpc>
+                <a:spcPct val="150000"/>
+              </a:lnSpc>
+              <a:spcBef>
+                <a:spcPts val="0"/>
+              </a:spcBef>
+              <a:spcAft>
+                <a:spcPts val="0"/>
+              </a:spcAft>
+              <a:buClr>
+                <a:schemeClr val="dk1"/>
+              </a:buClr>
+              <a:buSzPts val="1100"/>
+              <a:buFont typeface="Arial"/>
+              <a:buNone/>
+            </a:pPr>
+            <a:r>
+              <a:rPr lang="en-GB" sz="1200">
+                <a:solidFill>
+                  <a:srgbClr val="24292E"/>
+                </a:solidFill>
+                <a:highlight>
+                  <a:srgbClr val="FFFFFF"/>
+                </a:highlight>
+                <a:latin typeface="Consolas"/>
+                <a:ea typeface="Consolas"/>
+                <a:cs typeface="Consolas"/>
+                <a:sym typeface="Consolas"/>
+              </a:rPr>
+              <a:t>   </a:t>
+            </a:r>
+            <a:r>
+              <a:rPr lang="en-GB" sz="1200">
+                <a:solidFill>
+                  <a:srgbClr val="D73A49"/>
+                </a:solidFill>
+                <a:highlight>
+                  <a:srgbClr val="FFFFFF"/>
+                </a:highlight>
+                <a:latin typeface="Consolas"/>
+                <a:ea typeface="Consolas"/>
+                <a:cs typeface="Consolas"/>
+                <a:sym typeface="Consolas"/>
+              </a:rPr>
+              <a:t>if</a:t>
+            </a:r>
+            <a:r>
+              <a:rPr lang="en-GB" sz="1200">
+                <a:solidFill>
+                  <a:srgbClr val="24292E"/>
+                </a:solidFill>
+                <a:highlight>
+                  <a:srgbClr val="FFFFFF"/>
+                </a:highlight>
+                <a:latin typeface="Consolas"/>
+                <a:ea typeface="Consolas"/>
+                <a:cs typeface="Consolas"/>
+                <a:sym typeface="Consolas"/>
+              </a:rPr>
+              <a:t> k </a:t>
+            </a:r>
+            <a:r>
+              <a:rPr lang="en-GB" sz="1200">
+                <a:solidFill>
+                  <a:srgbClr val="D73A49"/>
+                </a:solidFill>
+                <a:highlight>
+                  <a:srgbClr val="FFFFFF"/>
+                </a:highlight>
+                <a:latin typeface="Consolas"/>
+                <a:ea typeface="Consolas"/>
+                <a:cs typeface="Consolas"/>
+                <a:sym typeface="Consolas"/>
+              </a:rPr>
+              <a:t>!=</a:t>
+            </a:r>
+            <a:r>
+              <a:rPr lang="en-GB" sz="1200">
+                <a:solidFill>
+                  <a:srgbClr val="24292E"/>
+                </a:solidFill>
+                <a:highlight>
+                  <a:srgbClr val="FFFFFF"/>
+                </a:highlight>
+                <a:latin typeface="Consolas"/>
+                <a:ea typeface="Consolas"/>
+                <a:cs typeface="Consolas"/>
+                <a:sym typeface="Consolas"/>
+              </a:rPr>
+              <a:t> </a:t>
+            </a:r>
+            <a:r>
+              <a:rPr lang="en-GB" sz="1200">
+                <a:solidFill>
+                  <a:srgbClr val="005CC5"/>
+                </a:solidFill>
+                <a:highlight>
+                  <a:srgbClr val="FFFFFF"/>
+                </a:highlight>
+                <a:latin typeface="Consolas"/>
+                <a:ea typeface="Consolas"/>
+                <a:cs typeface="Consolas"/>
+                <a:sym typeface="Consolas"/>
+              </a:rPr>
+              <a:t>len</a:t>
+            </a:r>
+            <a:r>
+              <a:rPr lang="en-GB" sz="1200">
+                <a:solidFill>
+                  <a:srgbClr val="24292E"/>
+                </a:solidFill>
+                <a:highlight>
+                  <a:srgbClr val="FFFFFF"/>
+                </a:highlight>
+                <a:latin typeface="Consolas"/>
+                <a:ea typeface="Consolas"/>
+                <a:cs typeface="Consolas"/>
+                <a:sym typeface="Consolas"/>
+              </a:rPr>
+              <a:t>(</a:t>
+            </a:r>
+            <a:r>
+              <a:rPr lang="en-GB" sz="1200">
+                <a:solidFill>
+                  <a:srgbClr val="005CC5"/>
+                </a:solidFill>
+                <a:highlight>
+                  <a:srgbClr val="FFFFFF"/>
+                </a:highlight>
+                <a:latin typeface="Consolas"/>
+                <a:ea typeface="Consolas"/>
+                <a:cs typeface="Consolas"/>
+                <a:sym typeface="Consolas"/>
+              </a:rPr>
+              <a:t>set</a:t>
+            </a:r>
+            <a:r>
+              <a:rPr lang="en-GB" sz="1200">
+                <a:solidFill>
+                  <a:srgbClr val="24292E"/>
+                </a:solidFill>
+                <a:highlight>
+                  <a:srgbClr val="FFFFFF"/>
+                </a:highlight>
+                <a:latin typeface="Consolas"/>
+                <a:ea typeface="Consolas"/>
+                <a:cs typeface="Consolas"/>
+                <a:sym typeface="Consolas"/>
+              </a:rPr>
+              <a:t>(coloring.values())):</a:t>
+            </a:r>
+            <a:endParaRPr sz="1200">
+              <a:solidFill>
+                <a:srgbClr val="24292E"/>
+              </a:solidFill>
+              <a:highlight>
+                <a:srgbClr val="FFFFFF"/>
+              </a:highlight>
+              <a:latin typeface="Consolas"/>
+              <a:ea typeface="Consolas"/>
+              <a:cs typeface="Consolas"/>
+              <a:sym typeface="Consolas"/>
+            </a:endParaRPr>
+          </a:p>
+          <a:p>
+            <a:pPr indent="0" lvl="0" marL="0" rtl="0" algn="l">
+              <a:lnSpc>
+                <a:spcPct val="150000"/>
+              </a:lnSpc>
+              <a:spcBef>
+                <a:spcPts val="0"/>
+              </a:spcBef>
+              <a:spcAft>
+                <a:spcPts val="0"/>
+              </a:spcAft>
+              <a:buClr>
+                <a:schemeClr val="dk1"/>
+              </a:buClr>
+              <a:buSzPts val="1100"/>
+              <a:buFont typeface="Arial"/>
+              <a:buNone/>
+            </a:pPr>
+            <a:r>
+              <a:rPr lang="en-GB" sz="1200">
+                <a:solidFill>
+                  <a:srgbClr val="24292E"/>
+                </a:solidFill>
+                <a:highlight>
+                  <a:srgbClr val="FFFFFF"/>
+                </a:highlight>
+                <a:latin typeface="Consolas"/>
+                <a:ea typeface="Consolas"/>
+                <a:cs typeface="Consolas"/>
+                <a:sym typeface="Consolas"/>
+              </a:rPr>
+              <a:t>       </a:t>
+            </a:r>
+            <a:r>
+              <a:rPr lang="en-GB" sz="1200">
+                <a:solidFill>
+                  <a:srgbClr val="D73A49"/>
+                </a:solidFill>
+                <a:highlight>
+                  <a:srgbClr val="FFFFFF"/>
+                </a:highlight>
+                <a:latin typeface="Consolas"/>
+                <a:ea typeface="Consolas"/>
+                <a:cs typeface="Consolas"/>
+                <a:sym typeface="Consolas"/>
+              </a:rPr>
+              <a:t>return</a:t>
+            </a:r>
+            <a:r>
+              <a:rPr lang="en-GB" sz="1200">
+                <a:solidFill>
+                  <a:srgbClr val="24292E"/>
+                </a:solidFill>
+                <a:highlight>
+                  <a:srgbClr val="FFFFFF"/>
+                </a:highlight>
+                <a:latin typeface="Consolas"/>
+                <a:ea typeface="Consolas"/>
+                <a:cs typeface="Consolas"/>
+                <a:sym typeface="Consolas"/>
+              </a:rPr>
+              <a:t> </a:t>
+            </a:r>
+            <a:r>
+              <a:rPr lang="en-GB" sz="1200">
+                <a:solidFill>
+                  <a:srgbClr val="005CC5"/>
+                </a:solidFill>
+                <a:highlight>
+                  <a:srgbClr val="FFFFFF"/>
+                </a:highlight>
+                <a:latin typeface="Consolas"/>
+                <a:ea typeface="Consolas"/>
+                <a:cs typeface="Consolas"/>
+                <a:sym typeface="Consolas"/>
+              </a:rPr>
+              <a:t>False</a:t>
+            </a:r>
+            <a:endParaRPr sz="1200">
+              <a:solidFill>
+                <a:srgbClr val="005CC5"/>
+              </a:solidFill>
+              <a:highlight>
+                <a:srgbClr val="FFFFFF"/>
+              </a:highlight>
+              <a:latin typeface="Consolas"/>
+              <a:ea typeface="Consolas"/>
+              <a:cs typeface="Consolas"/>
+              <a:sym typeface="Consolas"/>
+            </a:endParaRPr>
+          </a:p>
+          <a:p>
+            <a:pPr indent="0" lvl="0" marL="0" rtl="0" algn="l">
+              <a:lnSpc>
+                <a:spcPct val="150000"/>
+              </a:lnSpc>
+              <a:spcBef>
+                <a:spcPts val="0"/>
+              </a:spcBef>
+              <a:spcAft>
+                <a:spcPts val="0"/>
+              </a:spcAft>
+              <a:buClr>
+                <a:schemeClr val="dk1"/>
+              </a:buClr>
+              <a:buSzPts val="1100"/>
+              <a:buFont typeface="Arial"/>
+              <a:buNone/>
+            </a:pPr>
+            <a:r>
+              <a:rPr lang="en-GB" sz="1200">
+                <a:solidFill>
+                  <a:srgbClr val="24292E"/>
+                </a:solidFill>
+                <a:highlight>
+                  <a:srgbClr val="FFFFFF"/>
+                </a:highlight>
+                <a:latin typeface="Consolas"/>
+                <a:ea typeface="Consolas"/>
+                <a:cs typeface="Consolas"/>
+                <a:sym typeface="Consolas"/>
+              </a:rPr>
+              <a:t>   </a:t>
+            </a:r>
+            <a:r>
+              <a:rPr lang="en-GB" sz="1200">
+                <a:solidFill>
+                  <a:srgbClr val="D73A49"/>
+                </a:solidFill>
+                <a:highlight>
+                  <a:srgbClr val="FFFFFF"/>
+                </a:highlight>
+                <a:latin typeface="Consolas"/>
+                <a:ea typeface="Consolas"/>
+                <a:cs typeface="Consolas"/>
+                <a:sym typeface="Consolas"/>
+              </a:rPr>
+              <a:t>for</a:t>
+            </a:r>
+            <a:r>
+              <a:rPr lang="en-GB" sz="1200">
+                <a:solidFill>
+                  <a:srgbClr val="24292E"/>
+                </a:solidFill>
+                <a:highlight>
+                  <a:srgbClr val="FFFFFF"/>
+                </a:highlight>
+                <a:latin typeface="Consolas"/>
+                <a:ea typeface="Consolas"/>
+                <a:cs typeface="Consolas"/>
+                <a:sym typeface="Consolas"/>
+              </a:rPr>
+              <a:t> v1,v2 </a:t>
+            </a:r>
+            <a:r>
+              <a:rPr lang="en-GB" sz="1200">
+                <a:solidFill>
+                  <a:srgbClr val="D73A49"/>
+                </a:solidFill>
+                <a:highlight>
+                  <a:srgbClr val="FFFFFF"/>
+                </a:highlight>
+                <a:latin typeface="Consolas"/>
+                <a:ea typeface="Consolas"/>
+                <a:cs typeface="Consolas"/>
+                <a:sym typeface="Consolas"/>
+              </a:rPr>
+              <a:t>in</a:t>
+            </a:r>
+            <a:r>
+              <a:rPr lang="en-GB" sz="1200">
+                <a:solidFill>
+                  <a:srgbClr val="24292E"/>
+                </a:solidFill>
+                <a:highlight>
+                  <a:srgbClr val="FFFFFF"/>
+                </a:highlight>
+                <a:latin typeface="Consolas"/>
+                <a:ea typeface="Consolas"/>
+                <a:cs typeface="Consolas"/>
+                <a:sym typeface="Consolas"/>
+              </a:rPr>
+              <a:t> edges:</a:t>
+            </a:r>
+            <a:endParaRPr sz="1200">
+              <a:solidFill>
+                <a:srgbClr val="24292E"/>
+              </a:solidFill>
+              <a:highlight>
+                <a:srgbClr val="FFFFFF"/>
+              </a:highlight>
+              <a:latin typeface="Consolas"/>
+              <a:ea typeface="Consolas"/>
+              <a:cs typeface="Consolas"/>
+              <a:sym typeface="Consolas"/>
+            </a:endParaRPr>
+          </a:p>
+          <a:p>
+            <a:pPr indent="0" lvl="0" marL="0" rtl="0" algn="l">
+              <a:lnSpc>
+                <a:spcPct val="150000"/>
+              </a:lnSpc>
+              <a:spcBef>
+                <a:spcPts val="0"/>
+              </a:spcBef>
+              <a:spcAft>
+                <a:spcPts val="0"/>
+              </a:spcAft>
+              <a:buClr>
+                <a:schemeClr val="dk1"/>
+              </a:buClr>
+              <a:buSzPts val="1100"/>
+              <a:buFont typeface="Arial"/>
+              <a:buNone/>
+            </a:pPr>
+            <a:r>
+              <a:rPr lang="en-GB" sz="1200">
+                <a:solidFill>
+                  <a:srgbClr val="24292E"/>
+                </a:solidFill>
+                <a:highlight>
+                  <a:srgbClr val="FFFFFF"/>
+                </a:highlight>
+                <a:latin typeface="Consolas"/>
+                <a:ea typeface="Consolas"/>
+                <a:cs typeface="Consolas"/>
+                <a:sym typeface="Consolas"/>
+              </a:rPr>
+              <a:t>       </a:t>
+            </a:r>
+            <a:r>
+              <a:rPr lang="en-GB" sz="1200">
+                <a:solidFill>
+                  <a:srgbClr val="D73A49"/>
+                </a:solidFill>
+                <a:highlight>
+                  <a:srgbClr val="FFFFFF"/>
+                </a:highlight>
+                <a:latin typeface="Consolas"/>
+                <a:ea typeface="Consolas"/>
+                <a:cs typeface="Consolas"/>
+                <a:sym typeface="Consolas"/>
+              </a:rPr>
+              <a:t>if</a:t>
+            </a:r>
+            <a:r>
+              <a:rPr lang="en-GB" sz="1200">
+                <a:solidFill>
+                  <a:srgbClr val="24292E"/>
+                </a:solidFill>
+                <a:highlight>
+                  <a:srgbClr val="FFFFFF"/>
+                </a:highlight>
+                <a:latin typeface="Consolas"/>
+                <a:ea typeface="Consolas"/>
+                <a:cs typeface="Consolas"/>
+                <a:sym typeface="Consolas"/>
+              </a:rPr>
+              <a:t> coloring[v1]</a:t>
+            </a:r>
+            <a:r>
+              <a:rPr lang="en-GB" sz="1200">
+                <a:solidFill>
+                  <a:srgbClr val="D73A49"/>
+                </a:solidFill>
+                <a:highlight>
+                  <a:srgbClr val="FFFFFF"/>
+                </a:highlight>
+                <a:latin typeface="Consolas"/>
+                <a:ea typeface="Consolas"/>
+                <a:cs typeface="Consolas"/>
+                <a:sym typeface="Consolas"/>
+              </a:rPr>
+              <a:t>==</a:t>
+            </a:r>
+            <a:r>
+              <a:rPr lang="en-GB" sz="1200">
+                <a:solidFill>
+                  <a:srgbClr val="24292E"/>
+                </a:solidFill>
+                <a:highlight>
+                  <a:srgbClr val="FFFFFF"/>
+                </a:highlight>
+                <a:latin typeface="Consolas"/>
+                <a:ea typeface="Consolas"/>
+                <a:cs typeface="Consolas"/>
+                <a:sym typeface="Consolas"/>
+              </a:rPr>
+              <a:t>coloring[v2]:</a:t>
+            </a:r>
+            <a:endParaRPr sz="1200">
+              <a:solidFill>
+                <a:srgbClr val="24292E"/>
+              </a:solidFill>
+              <a:highlight>
+                <a:srgbClr val="FFFFFF"/>
+              </a:highlight>
+              <a:latin typeface="Consolas"/>
+              <a:ea typeface="Consolas"/>
+              <a:cs typeface="Consolas"/>
+              <a:sym typeface="Consolas"/>
+            </a:endParaRPr>
+          </a:p>
+          <a:p>
+            <a:pPr indent="0" lvl="0" marL="0" rtl="0" algn="l">
+              <a:lnSpc>
+                <a:spcPct val="150000"/>
+              </a:lnSpc>
+              <a:spcBef>
+                <a:spcPts val="0"/>
+              </a:spcBef>
+              <a:spcAft>
+                <a:spcPts val="0"/>
+              </a:spcAft>
+              <a:buClr>
+                <a:schemeClr val="dk1"/>
+              </a:buClr>
+              <a:buSzPts val="1100"/>
+              <a:buFont typeface="Arial"/>
+              <a:buNone/>
+            </a:pPr>
+            <a:r>
+              <a:rPr lang="en-GB" sz="1200">
+                <a:solidFill>
+                  <a:srgbClr val="24292E"/>
+                </a:solidFill>
+                <a:highlight>
+                  <a:srgbClr val="FFFFFF"/>
+                </a:highlight>
+                <a:latin typeface="Consolas"/>
+                <a:ea typeface="Consolas"/>
+                <a:cs typeface="Consolas"/>
+                <a:sym typeface="Consolas"/>
+              </a:rPr>
+              <a:t>           </a:t>
+            </a:r>
+            <a:r>
+              <a:rPr lang="en-GB" sz="1200">
+                <a:solidFill>
+                  <a:srgbClr val="D73A49"/>
+                </a:solidFill>
+                <a:highlight>
+                  <a:srgbClr val="FFFFFF"/>
+                </a:highlight>
+                <a:latin typeface="Consolas"/>
+                <a:ea typeface="Consolas"/>
+                <a:cs typeface="Consolas"/>
+                <a:sym typeface="Consolas"/>
+              </a:rPr>
+              <a:t>return</a:t>
+            </a:r>
+            <a:r>
+              <a:rPr lang="en-GB" sz="1200">
+                <a:solidFill>
+                  <a:srgbClr val="24292E"/>
+                </a:solidFill>
+                <a:highlight>
+                  <a:srgbClr val="FFFFFF"/>
+                </a:highlight>
+                <a:latin typeface="Consolas"/>
+                <a:ea typeface="Consolas"/>
+                <a:cs typeface="Consolas"/>
+                <a:sym typeface="Consolas"/>
+              </a:rPr>
+              <a:t> </a:t>
+            </a:r>
+            <a:r>
+              <a:rPr lang="en-GB" sz="1200">
+                <a:solidFill>
+                  <a:srgbClr val="005CC5"/>
+                </a:solidFill>
+                <a:highlight>
+                  <a:srgbClr val="FFFFFF"/>
+                </a:highlight>
+                <a:latin typeface="Consolas"/>
+                <a:ea typeface="Consolas"/>
+                <a:cs typeface="Consolas"/>
+                <a:sym typeface="Consolas"/>
+              </a:rPr>
+              <a:t>False</a:t>
+            </a:r>
+            <a:endParaRPr sz="1200">
+              <a:solidFill>
+                <a:srgbClr val="005CC5"/>
+              </a:solidFill>
+              <a:highlight>
+                <a:srgbClr val="FFFFFF"/>
+              </a:highlight>
+              <a:latin typeface="Consolas"/>
+              <a:ea typeface="Consolas"/>
+              <a:cs typeface="Consolas"/>
+              <a:sym typeface="Consolas"/>
+            </a:endParaRPr>
+          </a:p>
+          <a:p>
+            <a:pPr indent="0" lvl="0" marL="0" rtl="0" algn="l">
+              <a:lnSpc>
+                <a:spcPct val="150000"/>
+              </a:lnSpc>
+              <a:spcBef>
+                <a:spcPts val="0"/>
+              </a:spcBef>
+              <a:spcAft>
+                <a:spcPts val="0"/>
+              </a:spcAft>
+              <a:buClr>
+                <a:schemeClr val="dk1"/>
+              </a:buClr>
+              <a:buSzPts val="1100"/>
+              <a:buFont typeface="Arial"/>
+              <a:buNone/>
+            </a:pPr>
+            <a:r>
+              <a:rPr lang="en-GB" sz="1200">
+                <a:solidFill>
+                  <a:srgbClr val="24292E"/>
+                </a:solidFill>
+                <a:highlight>
+                  <a:srgbClr val="FFFFFF"/>
+                </a:highlight>
+                <a:latin typeface="Consolas"/>
+                <a:ea typeface="Consolas"/>
+                <a:cs typeface="Consolas"/>
+                <a:sym typeface="Consolas"/>
+              </a:rPr>
+              <a:t>   </a:t>
+            </a:r>
+            <a:r>
+              <a:rPr lang="en-GB" sz="1200">
+                <a:solidFill>
+                  <a:srgbClr val="D73A49"/>
+                </a:solidFill>
+                <a:highlight>
+                  <a:srgbClr val="FFFFFF"/>
+                </a:highlight>
+                <a:latin typeface="Consolas"/>
+                <a:ea typeface="Consolas"/>
+                <a:cs typeface="Consolas"/>
+                <a:sym typeface="Consolas"/>
+              </a:rPr>
+              <a:t>return</a:t>
+            </a:r>
+            <a:r>
+              <a:rPr lang="en-GB" sz="1200">
+                <a:solidFill>
+                  <a:srgbClr val="24292E"/>
+                </a:solidFill>
+                <a:highlight>
+                  <a:srgbClr val="FFFFFF"/>
+                </a:highlight>
+                <a:latin typeface="Consolas"/>
+                <a:ea typeface="Consolas"/>
+                <a:cs typeface="Consolas"/>
+                <a:sym typeface="Consolas"/>
+              </a:rPr>
+              <a:t> </a:t>
+            </a:r>
+            <a:r>
+              <a:rPr lang="en-GB" sz="1200">
+                <a:solidFill>
+                  <a:srgbClr val="005CC5"/>
+                </a:solidFill>
+                <a:highlight>
+                  <a:srgbClr val="FFFFFF"/>
+                </a:highlight>
+                <a:latin typeface="Consolas"/>
+                <a:ea typeface="Consolas"/>
+                <a:cs typeface="Consolas"/>
+                <a:sym typeface="Consolas"/>
+              </a:rPr>
+              <a:t>True</a:t>
+            </a:r>
+            <a:endParaRPr sz="1200">
+              <a:solidFill>
+                <a:srgbClr val="005CC5"/>
+              </a:solidFill>
+              <a:highlight>
+                <a:srgbClr val="FFFFFF"/>
+              </a:highlight>
+              <a:latin typeface="Consolas"/>
+              <a:ea typeface="Consolas"/>
+              <a:cs typeface="Consolas"/>
+              <a:sym typeface="Consolas"/>
+            </a:endParaRPr>
+          </a:p>
+          <a:p>
+            <a:pPr indent="0" lvl="0" marL="0" rtl="0" algn="l">
+              <a:spcBef>
+                <a:spcPts val="0"/>
+              </a:spcBef>
+              <a:spcAft>
+                <a:spcPts val="1200"/>
+              </a:spcAft>
+              <a:buNone/>
+            </a:pPr>
+            <a:r>
+              <a:t/>
+            </a:r>
+            <a:endParaRPr>
+              <a:latin typeface="Consolas"/>
+              <a:ea typeface="Consolas"/>
+              <a:cs typeface="Consolas"/>
+              <a:sym typeface="Consolas"/>
+            </a:endParaRPr>
+          </a:p>
+        </p:txBody>
+      </p:sp>
+    </p:spTree>
+  </p:cSld>
+  <p:clrMapOvr>
+    <a:masterClrMapping/>
+  </p:clrMapOvr>
+</p:sld>
+</file>
+
+<file path=ppt/slides/slide12.xml><?xml version="1.0" encoding="utf-8"?>
+<p:sld xmlns:a="http://schemas.openxmlformats.org/drawingml/2006/main" xmlns:r="http://schemas.openxmlformats.org/officeDocument/2006/relationships" xmlns:mc="http://schemas.openxmlformats.org/markup-compatibility/2006" xmlns:mv="urn:schemas-microsoft-com:mac:vml" xmlns:p="http://schemas.openxmlformats.org/presentationml/2006/main" xmlns:c="http://schemas.openxmlformats.org/drawingml/2006/chart" xmlns:dgm="http://schemas.openxmlformats.org/drawingml/2006/diagram" xmlns:o="urn:schemas-microsoft-com:office:office" xmlns:v="urn:schemas-microsoft-com:vml" xmlns:pvml="urn:schemas-microsoft-com:office:powerpoint" xmlns:com="http://schemas.openxmlformats.org/drawingml/2006/compatibility" xmlns:p14="http://schemas.microsoft.com/office/powerpoint/2010/main" xmlns:p15="http://schemas.microsoft.com/office/powerpoint/2012/main" xmlns:ahyp="http://schemas.microsoft.com/office/drawing/2018/hyperlinkcolor">
+  <p:cSld>
+    <p:spTree>
+      <p:nvGrpSpPr>
+        <p:cNvPr id="178" name="Shape 178"/>
+        <p:cNvGrpSpPr/>
+        <p:nvPr/>
+      </p:nvGrpSpPr>
+      <p:grpSpPr>
+        <a:xfrm>
+          <a:off x="0" y="0"/>
+          <a:ext cx="0" cy="0"/>
+          <a:chOff x="0" y="0"/>
+          <a:chExt cx="0" cy="0"/>
+        </a:xfrm>
+      </p:grpSpPr>
+      <p:sp>
+        <p:nvSpPr>
+          <p:cNvPr id="179" name="Google Shape;179;p24"/>
+          <p:cNvSpPr txBox="1"/>
+          <p:nvPr>
+            <p:ph type="title"/>
+          </p:nvPr>
+        </p:nvSpPr>
+        <p:spPr>
+          <a:xfrm>
+            <a:off x="311700" y="445025"/>
+            <a:ext cx="8520600" cy="572700"/>
+          </a:xfrm>
+          <a:prstGeom prst="rect">
+            <a:avLst/>
+          </a:prstGeom>
+        </p:spPr>
+        <p:txBody>
+          <a:bodyPr anchorCtr="0" anchor="t" bIns="91425" lIns="91425" spcFirstLastPara="1" rIns="91425" wrap="square" tIns="91425">
+            <a:normAutofit fontScale="90000"/>
+          </a:bodyPr>
+          <a:lstStyle/>
+          <a:p>
+            <a:pPr indent="0" lvl="0" marL="0" rtl="0" algn="l">
+              <a:spcBef>
+                <a:spcPts val="0"/>
+              </a:spcBef>
+              <a:spcAft>
+                <a:spcPts val="0"/>
+              </a:spcAft>
+              <a:buNone/>
+            </a:pPr>
+            <a:r>
+              <a:rPr lang="en-GB"/>
+              <a:t>Exact Solution</a:t>
+            </a:r>
+            <a:endParaRPr/>
+          </a:p>
+        </p:txBody>
+      </p:sp>
+      <p:sp>
+        <p:nvSpPr>
+          <p:cNvPr id="180" name="Google Shape;180;p24"/>
+          <p:cNvSpPr txBox="1"/>
+          <p:nvPr/>
+        </p:nvSpPr>
+        <p:spPr>
+          <a:xfrm>
+            <a:off x="311700" y="1069575"/>
+            <a:ext cx="8520600" cy="3694200"/>
+          </a:xfrm>
+          <a:prstGeom prst="rect">
+            <a:avLst/>
+          </a:prstGeom>
+          <a:noFill/>
+          <a:ln cap="flat" cmpd="sng" w="9525">
+            <a:solidFill>
+              <a:srgbClr val="B7B7B7"/>
+            </a:solidFill>
+            <a:prstDash val="solid"/>
+            <a:round/>
+            <a:headEnd len="sm" w="sm" type="none"/>
+            <a:tailEnd len="sm" w="sm" type="none"/>
+          </a:ln>
+        </p:spPr>
+        <p:txBody>
+          <a:bodyPr anchorCtr="0" anchor="t" bIns="91425" lIns="91425" spcFirstLastPara="1" rIns="91425" wrap="square" tIns="91425">
+            <a:spAutoFit/>
+          </a:bodyPr>
+          <a:lstStyle/>
+          <a:p>
+            <a:pPr indent="0" lvl="0" marL="0" rtl="0" algn="l">
+              <a:lnSpc>
+                <a:spcPct val="150000"/>
+              </a:lnSpc>
+              <a:spcBef>
+                <a:spcPts val="0"/>
+              </a:spcBef>
+              <a:spcAft>
+                <a:spcPts val="0"/>
+              </a:spcAft>
+              <a:buNone/>
+            </a:pPr>
+            <a:r>
+              <a:rPr lang="en-GB" sz="1200">
+                <a:solidFill>
+                  <a:srgbClr val="D73A49"/>
+                </a:solidFill>
+                <a:highlight>
+                  <a:srgbClr val="FFFFFF"/>
+                </a:highlight>
+                <a:latin typeface="Consolas"/>
+                <a:ea typeface="Consolas"/>
+                <a:cs typeface="Consolas"/>
+                <a:sym typeface="Consolas"/>
+              </a:rPr>
+              <a:t>def</a:t>
+            </a:r>
+            <a:r>
+              <a:rPr lang="en-GB" sz="1200">
+                <a:solidFill>
+                  <a:srgbClr val="24292E"/>
+                </a:solidFill>
+                <a:highlight>
+                  <a:srgbClr val="FFFFFF"/>
+                </a:highlight>
+                <a:latin typeface="Consolas"/>
+                <a:ea typeface="Consolas"/>
+                <a:cs typeface="Consolas"/>
+                <a:sym typeface="Consolas"/>
+              </a:rPr>
+              <a:t> </a:t>
+            </a:r>
+            <a:r>
+              <a:rPr lang="en-GB" sz="1200">
+                <a:solidFill>
+                  <a:srgbClr val="6F42C1"/>
+                </a:solidFill>
+                <a:highlight>
+                  <a:srgbClr val="FFFFFF"/>
+                </a:highlight>
+                <a:latin typeface="Consolas"/>
+                <a:ea typeface="Consolas"/>
+                <a:cs typeface="Consolas"/>
+                <a:sym typeface="Consolas"/>
+              </a:rPr>
+              <a:t>colorings</a:t>
+            </a:r>
+            <a:r>
+              <a:rPr lang="en-GB" sz="1200">
+                <a:solidFill>
+                  <a:srgbClr val="24292E"/>
+                </a:solidFill>
+                <a:highlight>
+                  <a:srgbClr val="FFFFFF"/>
+                </a:highlight>
+                <a:latin typeface="Consolas"/>
+                <a:ea typeface="Consolas"/>
+                <a:cs typeface="Consolas"/>
+                <a:sym typeface="Consolas"/>
+              </a:rPr>
+              <a:t>(graph):</a:t>
+            </a:r>
+            <a:endParaRPr sz="1200">
+              <a:solidFill>
+                <a:srgbClr val="24292E"/>
+              </a:solidFill>
+              <a:highlight>
+                <a:srgbClr val="FFFFFF"/>
+              </a:highlight>
+              <a:latin typeface="Consolas"/>
+              <a:ea typeface="Consolas"/>
+              <a:cs typeface="Consolas"/>
+              <a:sym typeface="Consolas"/>
+            </a:endParaRPr>
+          </a:p>
+          <a:p>
+            <a:pPr indent="0" lvl="0" marL="0" rtl="0" algn="l">
+              <a:lnSpc>
+                <a:spcPct val="150000"/>
+              </a:lnSpc>
+              <a:spcBef>
+                <a:spcPts val="0"/>
+              </a:spcBef>
+              <a:spcAft>
+                <a:spcPts val="0"/>
+              </a:spcAft>
+              <a:buNone/>
+            </a:pPr>
+            <a:r>
+              <a:rPr lang="en-GB" sz="1200">
+                <a:solidFill>
+                  <a:srgbClr val="24292E"/>
+                </a:solidFill>
+                <a:highlight>
+                  <a:srgbClr val="FFFFFF"/>
+                </a:highlight>
+                <a:latin typeface="Consolas"/>
+                <a:ea typeface="Consolas"/>
+                <a:cs typeface="Consolas"/>
+                <a:sym typeface="Consolas"/>
+              </a:rPr>
+              <a:t>   </a:t>
+            </a:r>
+            <a:r>
+              <a:rPr lang="en-GB" sz="1200">
+                <a:solidFill>
+                  <a:srgbClr val="D73A49"/>
+                </a:solidFill>
+                <a:highlight>
+                  <a:srgbClr val="FFFFFF"/>
+                </a:highlight>
+                <a:latin typeface="Consolas"/>
+                <a:ea typeface="Consolas"/>
+                <a:cs typeface="Consolas"/>
+                <a:sym typeface="Consolas"/>
+              </a:rPr>
+              <a:t>for</a:t>
+            </a:r>
+            <a:r>
+              <a:rPr lang="en-GB" sz="1200">
+                <a:solidFill>
+                  <a:srgbClr val="24292E"/>
+                </a:solidFill>
+                <a:highlight>
+                  <a:srgbClr val="FFFFFF"/>
+                </a:highlight>
+                <a:latin typeface="Consolas"/>
+                <a:ea typeface="Consolas"/>
+                <a:cs typeface="Consolas"/>
+                <a:sym typeface="Consolas"/>
+              </a:rPr>
+              <a:t> permutation </a:t>
+            </a:r>
+            <a:r>
+              <a:rPr lang="en-GB" sz="1200">
+                <a:solidFill>
+                  <a:srgbClr val="D73A49"/>
+                </a:solidFill>
+                <a:highlight>
+                  <a:srgbClr val="FFFFFF"/>
+                </a:highlight>
+                <a:latin typeface="Consolas"/>
+                <a:ea typeface="Consolas"/>
+                <a:cs typeface="Consolas"/>
+                <a:sym typeface="Consolas"/>
+              </a:rPr>
+              <a:t>in</a:t>
+            </a:r>
+            <a:r>
+              <a:rPr lang="en-GB" sz="1200">
+                <a:solidFill>
+                  <a:srgbClr val="24292E"/>
+                </a:solidFill>
+                <a:highlight>
+                  <a:srgbClr val="FFFFFF"/>
+                </a:highlight>
+                <a:latin typeface="Consolas"/>
+                <a:ea typeface="Consolas"/>
+                <a:cs typeface="Consolas"/>
+                <a:sym typeface="Consolas"/>
+              </a:rPr>
+              <a:t> permutations(graph.keys()):  </a:t>
+            </a:r>
+            <a:r>
+              <a:rPr lang="en-GB" sz="1200">
+                <a:solidFill>
+                  <a:srgbClr val="6A737D"/>
+                </a:solidFill>
+                <a:highlight>
+                  <a:srgbClr val="FFFFFF"/>
+                </a:highlight>
+                <a:latin typeface="Consolas"/>
+                <a:ea typeface="Consolas"/>
+                <a:cs typeface="Consolas"/>
+                <a:sym typeface="Consolas"/>
+              </a:rPr>
+              <a:t># O(V!)</a:t>
+            </a:r>
+            <a:endParaRPr sz="1200">
+              <a:solidFill>
+                <a:srgbClr val="6A737D"/>
+              </a:solidFill>
+              <a:highlight>
+                <a:srgbClr val="FFFFFF"/>
+              </a:highlight>
+              <a:latin typeface="Consolas"/>
+              <a:ea typeface="Consolas"/>
+              <a:cs typeface="Consolas"/>
+              <a:sym typeface="Consolas"/>
+            </a:endParaRPr>
+          </a:p>
+          <a:p>
+            <a:pPr indent="0" lvl="0" marL="0" rtl="0" algn="l">
+              <a:lnSpc>
+                <a:spcPct val="150000"/>
+              </a:lnSpc>
+              <a:spcBef>
+                <a:spcPts val="0"/>
+              </a:spcBef>
+              <a:spcAft>
+                <a:spcPts val="0"/>
+              </a:spcAft>
+              <a:buNone/>
+            </a:pPr>
+            <a:r>
+              <a:rPr lang="en-GB" sz="1200">
+                <a:solidFill>
+                  <a:srgbClr val="24292E"/>
+                </a:solidFill>
+                <a:highlight>
+                  <a:srgbClr val="FFFFFF"/>
+                </a:highlight>
+                <a:latin typeface="Consolas"/>
+                <a:ea typeface="Consolas"/>
+                <a:cs typeface="Consolas"/>
+                <a:sym typeface="Consolas"/>
+              </a:rPr>
+              <a:t>       coloring </a:t>
+            </a:r>
+            <a:r>
+              <a:rPr lang="en-GB" sz="1200">
+                <a:solidFill>
+                  <a:srgbClr val="D73A49"/>
+                </a:solidFill>
+                <a:highlight>
+                  <a:srgbClr val="FFFFFF"/>
+                </a:highlight>
+                <a:latin typeface="Consolas"/>
+                <a:ea typeface="Consolas"/>
+                <a:cs typeface="Consolas"/>
+                <a:sym typeface="Consolas"/>
+              </a:rPr>
+              <a:t>=</a:t>
+            </a:r>
+            <a:r>
+              <a:rPr lang="en-GB" sz="1200">
+                <a:solidFill>
+                  <a:srgbClr val="24292E"/>
+                </a:solidFill>
+                <a:highlight>
+                  <a:srgbClr val="FFFFFF"/>
+                </a:highlight>
+                <a:latin typeface="Consolas"/>
+                <a:ea typeface="Consolas"/>
+                <a:cs typeface="Consolas"/>
+                <a:sym typeface="Consolas"/>
+              </a:rPr>
+              <a:t> </a:t>
+            </a:r>
+            <a:r>
+              <a:rPr lang="en-GB" sz="1200">
+                <a:solidFill>
+                  <a:srgbClr val="005CC5"/>
+                </a:solidFill>
+                <a:highlight>
+                  <a:srgbClr val="FFFFFF"/>
+                </a:highlight>
+                <a:latin typeface="Consolas"/>
+                <a:ea typeface="Consolas"/>
+                <a:cs typeface="Consolas"/>
+                <a:sym typeface="Consolas"/>
+              </a:rPr>
+              <a:t>dict</a:t>
+            </a:r>
+            <a:r>
+              <a:rPr lang="en-GB" sz="1200">
+                <a:solidFill>
+                  <a:srgbClr val="24292E"/>
+                </a:solidFill>
+                <a:highlight>
+                  <a:srgbClr val="FFFFFF"/>
+                </a:highlight>
+                <a:latin typeface="Consolas"/>
+                <a:ea typeface="Consolas"/>
+                <a:cs typeface="Consolas"/>
+                <a:sym typeface="Consolas"/>
+              </a:rPr>
+              <a:t>([(v, </a:t>
+            </a:r>
+            <a:r>
+              <a:rPr lang="en-GB" sz="1200">
+                <a:solidFill>
+                  <a:srgbClr val="D73A49"/>
+                </a:solidFill>
+                <a:highlight>
+                  <a:srgbClr val="FFFFFF"/>
+                </a:highlight>
+                <a:latin typeface="Consolas"/>
+                <a:ea typeface="Consolas"/>
+                <a:cs typeface="Consolas"/>
+                <a:sym typeface="Consolas"/>
+              </a:rPr>
+              <a:t>-</a:t>
+            </a:r>
+            <a:r>
+              <a:rPr lang="en-GB" sz="1200">
+                <a:solidFill>
+                  <a:srgbClr val="005CC5"/>
+                </a:solidFill>
+                <a:highlight>
+                  <a:srgbClr val="FFFFFF"/>
+                </a:highlight>
+                <a:latin typeface="Consolas"/>
+                <a:ea typeface="Consolas"/>
+                <a:cs typeface="Consolas"/>
+                <a:sym typeface="Consolas"/>
+              </a:rPr>
+              <a:t>1</a:t>
+            </a:r>
+            <a:r>
+              <a:rPr lang="en-GB" sz="1200">
+                <a:solidFill>
+                  <a:srgbClr val="24292E"/>
+                </a:solidFill>
+                <a:highlight>
+                  <a:srgbClr val="FFFFFF"/>
+                </a:highlight>
+                <a:latin typeface="Consolas"/>
+                <a:ea typeface="Consolas"/>
+                <a:cs typeface="Consolas"/>
+                <a:sym typeface="Consolas"/>
+              </a:rPr>
+              <a:t>) </a:t>
+            </a:r>
+            <a:r>
+              <a:rPr lang="en-GB" sz="1200">
+                <a:solidFill>
+                  <a:srgbClr val="D73A49"/>
+                </a:solidFill>
+                <a:highlight>
+                  <a:srgbClr val="FFFFFF"/>
+                </a:highlight>
+                <a:latin typeface="Consolas"/>
+                <a:ea typeface="Consolas"/>
+                <a:cs typeface="Consolas"/>
+                <a:sym typeface="Consolas"/>
+              </a:rPr>
+              <a:t>for</a:t>
+            </a:r>
+            <a:r>
+              <a:rPr lang="en-GB" sz="1200">
+                <a:solidFill>
+                  <a:srgbClr val="24292E"/>
+                </a:solidFill>
+                <a:highlight>
+                  <a:srgbClr val="FFFFFF"/>
+                </a:highlight>
+                <a:latin typeface="Consolas"/>
+                <a:ea typeface="Consolas"/>
+                <a:cs typeface="Consolas"/>
+                <a:sym typeface="Consolas"/>
+              </a:rPr>
+              <a:t> v </a:t>
+            </a:r>
+            <a:r>
+              <a:rPr lang="en-GB" sz="1200">
+                <a:solidFill>
+                  <a:srgbClr val="D73A49"/>
+                </a:solidFill>
+                <a:highlight>
+                  <a:srgbClr val="FFFFFF"/>
+                </a:highlight>
+                <a:latin typeface="Consolas"/>
+                <a:ea typeface="Consolas"/>
+                <a:cs typeface="Consolas"/>
+                <a:sym typeface="Consolas"/>
+              </a:rPr>
+              <a:t>in</a:t>
+            </a:r>
+            <a:r>
+              <a:rPr lang="en-GB" sz="1200">
+                <a:solidFill>
+                  <a:srgbClr val="24292E"/>
+                </a:solidFill>
+                <a:highlight>
+                  <a:srgbClr val="FFFFFF"/>
+                </a:highlight>
+                <a:latin typeface="Consolas"/>
+                <a:ea typeface="Consolas"/>
+                <a:cs typeface="Consolas"/>
+                <a:sym typeface="Consolas"/>
+              </a:rPr>
+              <a:t> permutation])</a:t>
+            </a:r>
+            <a:endParaRPr sz="1200">
+              <a:solidFill>
+                <a:srgbClr val="24292E"/>
+              </a:solidFill>
+              <a:highlight>
+                <a:srgbClr val="FFFFFF"/>
+              </a:highlight>
+              <a:latin typeface="Consolas"/>
+              <a:ea typeface="Consolas"/>
+              <a:cs typeface="Consolas"/>
+              <a:sym typeface="Consolas"/>
+            </a:endParaRPr>
+          </a:p>
+          <a:p>
+            <a:pPr indent="0" lvl="0" marL="0" rtl="0" algn="l">
+              <a:lnSpc>
+                <a:spcPct val="150000"/>
+              </a:lnSpc>
+              <a:spcBef>
+                <a:spcPts val="0"/>
+              </a:spcBef>
+              <a:spcAft>
+                <a:spcPts val="0"/>
+              </a:spcAft>
+              <a:buNone/>
+            </a:pPr>
+            <a:r>
+              <a:rPr lang="en-GB" sz="1200">
+                <a:solidFill>
+                  <a:srgbClr val="24292E"/>
+                </a:solidFill>
+                <a:highlight>
+                  <a:srgbClr val="FFFFFF"/>
+                </a:highlight>
+                <a:latin typeface="Consolas"/>
+                <a:ea typeface="Consolas"/>
+                <a:cs typeface="Consolas"/>
+                <a:sym typeface="Consolas"/>
+              </a:rPr>
+              <a:t>       </a:t>
+            </a:r>
+            <a:r>
+              <a:rPr lang="en-GB" sz="1200">
+                <a:solidFill>
+                  <a:srgbClr val="D73A49"/>
+                </a:solidFill>
+                <a:highlight>
+                  <a:srgbClr val="FFFFFF"/>
+                </a:highlight>
+                <a:latin typeface="Consolas"/>
+                <a:ea typeface="Consolas"/>
+                <a:cs typeface="Consolas"/>
+                <a:sym typeface="Consolas"/>
+              </a:rPr>
+              <a:t>for</a:t>
+            </a:r>
+            <a:r>
+              <a:rPr lang="en-GB" sz="1200">
+                <a:solidFill>
+                  <a:srgbClr val="24292E"/>
+                </a:solidFill>
+                <a:highlight>
+                  <a:srgbClr val="FFFFFF"/>
+                </a:highlight>
+                <a:latin typeface="Consolas"/>
+                <a:ea typeface="Consolas"/>
+                <a:cs typeface="Consolas"/>
+                <a:sym typeface="Consolas"/>
+              </a:rPr>
+              <a:t> v </a:t>
+            </a:r>
+            <a:r>
+              <a:rPr lang="en-GB" sz="1200">
+                <a:solidFill>
+                  <a:srgbClr val="D73A49"/>
+                </a:solidFill>
+                <a:highlight>
+                  <a:srgbClr val="FFFFFF"/>
+                </a:highlight>
+                <a:latin typeface="Consolas"/>
+                <a:ea typeface="Consolas"/>
+                <a:cs typeface="Consolas"/>
+                <a:sym typeface="Consolas"/>
+              </a:rPr>
+              <a:t>in</a:t>
+            </a:r>
+            <a:r>
+              <a:rPr lang="en-GB" sz="1200">
+                <a:solidFill>
+                  <a:srgbClr val="24292E"/>
+                </a:solidFill>
+                <a:highlight>
+                  <a:srgbClr val="FFFFFF"/>
+                </a:highlight>
+                <a:latin typeface="Consolas"/>
+                <a:ea typeface="Consolas"/>
+                <a:cs typeface="Consolas"/>
+                <a:sym typeface="Consolas"/>
+              </a:rPr>
+              <a:t> permutation:  </a:t>
+            </a:r>
+            <a:r>
+              <a:rPr lang="en-GB" sz="1200">
+                <a:solidFill>
+                  <a:srgbClr val="6A737D"/>
+                </a:solidFill>
+                <a:highlight>
+                  <a:srgbClr val="FFFFFF"/>
+                </a:highlight>
+                <a:latin typeface="Consolas"/>
+                <a:ea typeface="Consolas"/>
+                <a:cs typeface="Consolas"/>
+                <a:sym typeface="Consolas"/>
+              </a:rPr>
+              <a:t># O(V)</a:t>
+            </a:r>
+            <a:endParaRPr sz="1200">
+              <a:solidFill>
+                <a:srgbClr val="6A737D"/>
+              </a:solidFill>
+              <a:highlight>
+                <a:srgbClr val="FFFFFF"/>
+              </a:highlight>
+              <a:latin typeface="Consolas"/>
+              <a:ea typeface="Consolas"/>
+              <a:cs typeface="Consolas"/>
+              <a:sym typeface="Consolas"/>
+            </a:endParaRPr>
+          </a:p>
+          <a:p>
+            <a:pPr indent="0" lvl="0" marL="0" rtl="0" algn="l">
+              <a:lnSpc>
+                <a:spcPct val="150000"/>
+              </a:lnSpc>
+              <a:spcBef>
+                <a:spcPts val="0"/>
+              </a:spcBef>
+              <a:spcAft>
+                <a:spcPts val="0"/>
+              </a:spcAft>
+              <a:buNone/>
+            </a:pPr>
+            <a:r>
+              <a:rPr lang="en-GB" sz="1200">
+                <a:solidFill>
+                  <a:srgbClr val="24292E"/>
+                </a:solidFill>
+                <a:highlight>
+                  <a:srgbClr val="FFFFFF"/>
+                </a:highlight>
+                <a:latin typeface="Consolas"/>
+                <a:ea typeface="Consolas"/>
+                <a:cs typeface="Consolas"/>
+                <a:sym typeface="Consolas"/>
+              </a:rPr>
+              <a:t>           </a:t>
+            </a:r>
+            <a:r>
+              <a:rPr lang="en-GB" sz="1200">
+                <a:solidFill>
+                  <a:srgbClr val="D73A49"/>
+                </a:solidFill>
+                <a:highlight>
+                  <a:srgbClr val="FFFFFF"/>
+                </a:highlight>
+                <a:latin typeface="Consolas"/>
+                <a:ea typeface="Consolas"/>
+                <a:cs typeface="Consolas"/>
+                <a:sym typeface="Consolas"/>
+              </a:rPr>
+              <a:t>for</a:t>
+            </a:r>
+            <a:r>
+              <a:rPr lang="en-GB" sz="1200">
+                <a:solidFill>
+                  <a:srgbClr val="24292E"/>
+                </a:solidFill>
+                <a:highlight>
+                  <a:srgbClr val="FFFFFF"/>
+                </a:highlight>
+                <a:latin typeface="Consolas"/>
+                <a:ea typeface="Consolas"/>
+                <a:cs typeface="Consolas"/>
+                <a:sym typeface="Consolas"/>
+              </a:rPr>
+              <a:t> color </a:t>
+            </a:r>
+            <a:r>
+              <a:rPr lang="en-GB" sz="1200">
+                <a:solidFill>
+                  <a:srgbClr val="D73A49"/>
+                </a:solidFill>
+                <a:highlight>
+                  <a:srgbClr val="FFFFFF"/>
+                </a:highlight>
+                <a:latin typeface="Consolas"/>
+                <a:ea typeface="Consolas"/>
+                <a:cs typeface="Consolas"/>
+                <a:sym typeface="Consolas"/>
+              </a:rPr>
+              <a:t>in</a:t>
+            </a:r>
+            <a:r>
+              <a:rPr lang="en-GB" sz="1200">
+                <a:solidFill>
+                  <a:srgbClr val="24292E"/>
+                </a:solidFill>
+                <a:highlight>
+                  <a:srgbClr val="FFFFFF"/>
+                </a:highlight>
+                <a:latin typeface="Consolas"/>
+                <a:ea typeface="Consolas"/>
+                <a:cs typeface="Consolas"/>
+                <a:sym typeface="Consolas"/>
+              </a:rPr>
+              <a:t> </a:t>
+            </a:r>
+            <a:r>
+              <a:rPr lang="en-GB" sz="1200">
+                <a:solidFill>
+                  <a:srgbClr val="005CC5"/>
+                </a:solidFill>
+                <a:highlight>
+                  <a:srgbClr val="FFFFFF"/>
+                </a:highlight>
+                <a:latin typeface="Consolas"/>
+                <a:ea typeface="Consolas"/>
+                <a:cs typeface="Consolas"/>
+                <a:sym typeface="Consolas"/>
+              </a:rPr>
+              <a:t>range</a:t>
+            </a:r>
+            <a:r>
+              <a:rPr lang="en-GB" sz="1200">
+                <a:solidFill>
+                  <a:srgbClr val="24292E"/>
+                </a:solidFill>
+                <a:highlight>
+                  <a:srgbClr val="FFFFFF"/>
+                </a:highlight>
+                <a:latin typeface="Consolas"/>
+                <a:ea typeface="Consolas"/>
+                <a:cs typeface="Consolas"/>
+                <a:sym typeface="Consolas"/>
+              </a:rPr>
+              <a:t>(</a:t>
+            </a:r>
+            <a:r>
+              <a:rPr lang="en-GB" sz="1200">
+                <a:solidFill>
+                  <a:srgbClr val="005CC5"/>
+                </a:solidFill>
+                <a:highlight>
+                  <a:srgbClr val="FFFFFF"/>
+                </a:highlight>
+                <a:latin typeface="Consolas"/>
+                <a:ea typeface="Consolas"/>
+                <a:cs typeface="Consolas"/>
+                <a:sym typeface="Consolas"/>
+              </a:rPr>
+              <a:t>len</a:t>
+            </a:r>
+            <a:r>
+              <a:rPr lang="en-GB" sz="1200">
+                <a:solidFill>
+                  <a:srgbClr val="24292E"/>
+                </a:solidFill>
+                <a:highlight>
+                  <a:srgbClr val="FFFFFF"/>
+                </a:highlight>
+                <a:latin typeface="Consolas"/>
+                <a:ea typeface="Consolas"/>
+                <a:cs typeface="Consolas"/>
+                <a:sym typeface="Consolas"/>
+              </a:rPr>
+              <a:t>(coloring)):  </a:t>
+            </a:r>
+            <a:r>
+              <a:rPr lang="en-GB" sz="1200">
+                <a:solidFill>
+                  <a:srgbClr val="6A737D"/>
+                </a:solidFill>
+                <a:highlight>
+                  <a:srgbClr val="FFFFFF"/>
+                </a:highlight>
+                <a:latin typeface="Consolas"/>
+                <a:ea typeface="Consolas"/>
+                <a:cs typeface="Consolas"/>
+                <a:sym typeface="Consolas"/>
+              </a:rPr>
+              <a:t># O(V)</a:t>
+            </a:r>
+            <a:endParaRPr sz="1200">
+              <a:solidFill>
+                <a:srgbClr val="6A737D"/>
+              </a:solidFill>
+              <a:highlight>
+                <a:srgbClr val="FFFFFF"/>
+              </a:highlight>
+              <a:latin typeface="Consolas"/>
+              <a:ea typeface="Consolas"/>
+              <a:cs typeface="Consolas"/>
+              <a:sym typeface="Consolas"/>
+            </a:endParaRPr>
+          </a:p>
+          <a:p>
+            <a:pPr indent="0" lvl="0" marL="0" rtl="0" algn="l">
+              <a:lnSpc>
+                <a:spcPct val="150000"/>
+              </a:lnSpc>
+              <a:spcBef>
+                <a:spcPts val="0"/>
+              </a:spcBef>
+              <a:spcAft>
+                <a:spcPts val="0"/>
+              </a:spcAft>
+              <a:buNone/>
+            </a:pPr>
+            <a:r>
+              <a:rPr lang="en-GB" sz="1200">
+                <a:solidFill>
+                  <a:srgbClr val="24292E"/>
+                </a:solidFill>
+                <a:highlight>
+                  <a:srgbClr val="FFFFFF"/>
+                </a:highlight>
+                <a:latin typeface="Consolas"/>
+                <a:ea typeface="Consolas"/>
+                <a:cs typeface="Consolas"/>
+                <a:sym typeface="Consolas"/>
+              </a:rPr>
+              <a:t>               adjacent_colors </a:t>
+            </a:r>
+            <a:r>
+              <a:rPr lang="en-GB" sz="1200">
+                <a:solidFill>
+                  <a:srgbClr val="D73A49"/>
+                </a:solidFill>
+                <a:highlight>
+                  <a:srgbClr val="FFFFFF"/>
+                </a:highlight>
+                <a:latin typeface="Consolas"/>
+                <a:ea typeface="Consolas"/>
+                <a:cs typeface="Consolas"/>
+                <a:sym typeface="Consolas"/>
+              </a:rPr>
+              <a:t>=</a:t>
+            </a:r>
+            <a:r>
+              <a:rPr lang="en-GB" sz="1200">
+                <a:solidFill>
+                  <a:srgbClr val="24292E"/>
+                </a:solidFill>
+                <a:highlight>
+                  <a:srgbClr val="FFFFFF"/>
+                </a:highlight>
+                <a:latin typeface="Consolas"/>
+                <a:ea typeface="Consolas"/>
+                <a:cs typeface="Consolas"/>
+                <a:sym typeface="Consolas"/>
+              </a:rPr>
+              <a:t> </a:t>
+            </a:r>
+            <a:r>
+              <a:rPr lang="en-GB" sz="1200">
+                <a:solidFill>
+                  <a:srgbClr val="005CC5"/>
+                </a:solidFill>
+                <a:highlight>
+                  <a:srgbClr val="FFFFFF"/>
+                </a:highlight>
+                <a:latin typeface="Consolas"/>
+                <a:ea typeface="Consolas"/>
+                <a:cs typeface="Consolas"/>
+                <a:sym typeface="Consolas"/>
+              </a:rPr>
+              <a:t>map</a:t>
+            </a:r>
+            <a:r>
+              <a:rPr lang="en-GB" sz="1200">
+                <a:solidFill>
+                  <a:srgbClr val="24292E"/>
+                </a:solidFill>
+                <a:highlight>
+                  <a:srgbClr val="FFFFFF"/>
+                </a:highlight>
+                <a:latin typeface="Consolas"/>
+                <a:ea typeface="Consolas"/>
+                <a:cs typeface="Consolas"/>
+                <a:sym typeface="Consolas"/>
+              </a:rPr>
+              <a:t>(coloring.</a:t>
+            </a:r>
+            <a:r>
+              <a:rPr lang="en-GB" sz="1200">
+                <a:solidFill>
+                  <a:srgbClr val="005CC5"/>
+                </a:solidFill>
+                <a:highlight>
+                  <a:srgbClr val="FFFFFF"/>
+                </a:highlight>
+                <a:latin typeface="Consolas"/>
+                <a:ea typeface="Consolas"/>
+                <a:cs typeface="Consolas"/>
+                <a:sym typeface="Consolas"/>
+              </a:rPr>
+              <a:t>__getitem__</a:t>
+            </a:r>
+            <a:r>
+              <a:rPr lang="en-GB" sz="1200">
+                <a:solidFill>
+                  <a:srgbClr val="24292E"/>
+                </a:solidFill>
+                <a:highlight>
+                  <a:srgbClr val="FFFFFF"/>
+                </a:highlight>
+                <a:latin typeface="Consolas"/>
+                <a:ea typeface="Consolas"/>
+                <a:cs typeface="Consolas"/>
+                <a:sym typeface="Consolas"/>
+              </a:rPr>
+              <a:t>, graph[v])  </a:t>
+            </a:r>
+            <a:r>
+              <a:rPr lang="en-GB" sz="1200">
+                <a:solidFill>
+                  <a:srgbClr val="6A737D"/>
+                </a:solidFill>
+                <a:highlight>
+                  <a:srgbClr val="FFFFFF"/>
+                </a:highlight>
+                <a:latin typeface="Consolas"/>
+                <a:ea typeface="Consolas"/>
+                <a:cs typeface="Consolas"/>
+                <a:sym typeface="Consolas"/>
+              </a:rPr>
+              <a:t># O(V)</a:t>
+            </a:r>
+            <a:endParaRPr sz="1200">
+              <a:solidFill>
+                <a:srgbClr val="6A737D"/>
+              </a:solidFill>
+              <a:highlight>
+                <a:srgbClr val="FFFFFF"/>
+              </a:highlight>
+              <a:latin typeface="Consolas"/>
+              <a:ea typeface="Consolas"/>
+              <a:cs typeface="Consolas"/>
+              <a:sym typeface="Consolas"/>
+            </a:endParaRPr>
+          </a:p>
+          <a:p>
+            <a:pPr indent="0" lvl="0" marL="0" rtl="0" algn="l">
+              <a:lnSpc>
+                <a:spcPct val="150000"/>
+              </a:lnSpc>
+              <a:spcBef>
+                <a:spcPts val="0"/>
+              </a:spcBef>
+              <a:spcAft>
+                <a:spcPts val="0"/>
+              </a:spcAft>
+              <a:buNone/>
+            </a:pPr>
+            <a:r>
+              <a:rPr lang="en-GB" sz="1200">
+                <a:solidFill>
+                  <a:srgbClr val="24292E"/>
+                </a:solidFill>
+                <a:highlight>
+                  <a:srgbClr val="FFFFFF"/>
+                </a:highlight>
+                <a:latin typeface="Consolas"/>
+                <a:ea typeface="Consolas"/>
+                <a:cs typeface="Consolas"/>
+                <a:sym typeface="Consolas"/>
+              </a:rPr>
+              <a:t>               </a:t>
+            </a:r>
+            <a:r>
+              <a:rPr lang="en-GB" sz="1200">
+                <a:solidFill>
+                  <a:srgbClr val="D73A49"/>
+                </a:solidFill>
+                <a:highlight>
+                  <a:srgbClr val="FFFFFF"/>
+                </a:highlight>
+                <a:latin typeface="Consolas"/>
+                <a:ea typeface="Consolas"/>
+                <a:cs typeface="Consolas"/>
+                <a:sym typeface="Consolas"/>
+              </a:rPr>
+              <a:t>if</a:t>
+            </a:r>
+            <a:r>
+              <a:rPr lang="en-GB" sz="1200">
+                <a:solidFill>
+                  <a:srgbClr val="24292E"/>
+                </a:solidFill>
+                <a:highlight>
+                  <a:srgbClr val="FFFFFF"/>
+                </a:highlight>
+                <a:latin typeface="Consolas"/>
+                <a:ea typeface="Consolas"/>
+                <a:cs typeface="Consolas"/>
+                <a:sym typeface="Consolas"/>
+              </a:rPr>
+              <a:t> color </a:t>
+            </a:r>
+            <a:r>
+              <a:rPr lang="en-GB" sz="1200">
+                <a:solidFill>
+                  <a:srgbClr val="D73A49"/>
+                </a:solidFill>
+                <a:highlight>
+                  <a:srgbClr val="FFFFFF"/>
+                </a:highlight>
+                <a:latin typeface="Consolas"/>
+                <a:ea typeface="Consolas"/>
+                <a:cs typeface="Consolas"/>
+                <a:sym typeface="Consolas"/>
+              </a:rPr>
+              <a:t>not</a:t>
+            </a:r>
+            <a:r>
+              <a:rPr lang="en-GB" sz="1200">
+                <a:solidFill>
+                  <a:srgbClr val="24292E"/>
+                </a:solidFill>
+                <a:highlight>
+                  <a:srgbClr val="FFFFFF"/>
+                </a:highlight>
+                <a:latin typeface="Consolas"/>
+                <a:ea typeface="Consolas"/>
+                <a:cs typeface="Consolas"/>
+                <a:sym typeface="Consolas"/>
+              </a:rPr>
+              <a:t> </a:t>
+            </a:r>
+            <a:r>
+              <a:rPr lang="en-GB" sz="1200">
+                <a:solidFill>
+                  <a:srgbClr val="D73A49"/>
+                </a:solidFill>
+                <a:highlight>
+                  <a:srgbClr val="FFFFFF"/>
+                </a:highlight>
+                <a:latin typeface="Consolas"/>
+                <a:ea typeface="Consolas"/>
+                <a:cs typeface="Consolas"/>
+                <a:sym typeface="Consolas"/>
+              </a:rPr>
+              <a:t>in</a:t>
+            </a:r>
+            <a:r>
+              <a:rPr lang="en-GB" sz="1200">
+                <a:solidFill>
+                  <a:srgbClr val="24292E"/>
+                </a:solidFill>
+                <a:highlight>
+                  <a:srgbClr val="FFFFFF"/>
+                </a:highlight>
+                <a:latin typeface="Consolas"/>
+                <a:ea typeface="Consolas"/>
+                <a:cs typeface="Consolas"/>
+                <a:sym typeface="Consolas"/>
+              </a:rPr>
+              <a:t> adjacent_colors:  </a:t>
+            </a:r>
+            <a:r>
+              <a:rPr lang="en-GB" sz="1200">
+                <a:solidFill>
+                  <a:srgbClr val="6A737D"/>
+                </a:solidFill>
+                <a:highlight>
+                  <a:srgbClr val="FFFFFF"/>
+                </a:highlight>
+                <a:latin typeface="Consolas"/>
+                <a:ea typeface="Consolas"/>
+                <a:cs typeface="Consolas"/>
+                <a:sym typeface="Consolas"/>
+              </a:rPr>
+              <a:t># O(1)</a:t>
+            </a:r>
+            <a:endParaRPr sz="1200">
+              <a:solidFill>
+                <a:srgbClr val="6A737D"/>
+              </a:solidFill>
+              <a:highlight>
+                <a:srgbClr val="FFFFFF"/>
+              </a:highlight>
+              <a:latin typeface="Consolas"/>
+              <a:ea typeface="Consolas"/>
+              <a:cs typeface="Consolas"/>
+              <a:sym typeface="Consolas"/>
+            </a:endParaRPr>
+          </a:p>
+          <a:p>
+            <a:pPr indent="0" lvl="0" marL="0" rtl="0" algn="l">
+              <a:lnSpc>
+                <a:spcPct val="150000"/>
+              </a:lnSpc>
+              <a:spcBef>
+                <a:spcPts val="0"/>
+              </a:spcBef>
+              <a:spcAft>
+                <a:spcPts val="0"/>
+              </a:spcAft>
+              <a:buNone/>
+            </a:pPr>
+            <a:r>
+              <a:rPr lang="en-GB" sz="1200">
+                <a:solidFill>
+                  <a:srgbClr val="24292E"/>
+                </a:solidFill>
+                <a:highlight>
+                  <a:srgbClr val="FFFFFF"/>
+                </a:highlight>
+                <a:latin typeface="Consolas"/>
+                <a:ea typeface="Consolas"/>
+                <a:cs typeface="Consolas"/>
+                <a:sym typeface="Consolas"/>
+              </a:rPr>
+              <a:t>                   coloring[v] </a:t>
+            </a:r>
+            <a:r>
+              <a:rPr lang="en-GB" sz="1200">
+                <a:solidFill>
+                  <a:srgbClr val="D73A49"/>
+                </a:solidFill>
+                <a:highlight>
+                  <a:srgbClr val="FFFFFF"/>
+                </a:highlight>
+                <a:latin typeface="Consolas"/>
+                <a:ea typeface="Consolas"/>
+                <a:cs typeface="Consolas"/>
+                <a:sym typeface="Consolas"/>
+              </a:rPr>
+              <a:t>=</a:t>
+            </a:r>
+            <a:r>
+              <a:rPr lang="en-GB" sz="1200">
+                <a:solidFill>
+                  <a:srgbClr val="24292E"/>
+                </a:solidFill>
+                <a:highlight>
+                  <a:srgbClr val="FFFFFF"/>
+                </a:highlight>
+                <a:latin typeface="Consolas"/>
+                <a:ea typeface="Consolas"/>
+                <a:cs typeface="Consolas"/>
+                <a:sym typeface="Consolas"/>
+              </a:rPr>
+              <a:t> color</a:t>
+            </a:r>
+            <a:endParaRPr sz="1200">
+              <a:solidFill>
+                <a:srgbClr val="24292E"/>
+              </a:solidFill>
+              <a:highlight>
+                <a:srgbClr val="FFFFFF"/>
+              </a:highlight>
+              <a:latin typeface="Consolas"/>
+              <a:ea typeface="Consolas"/>
+              <a:cs typeface="Consolas"/>
+              <a:sym typeface="Consolas"/>
+            </a:endParaRPr>
+          </a:p>
+          <a:p>
+            <a:pPr indent="0" lvl="0" marL="0" rtl="0" algn="l">
+              <a:lnSpc>
+                <a:spcPct val="150000"/>
+              </a:lnSpc>
+              <a:spcBef>
+                <a:spcPts val="0"/>
+              </a:spcBef>
+              <a:spcAft>
+                <a:spcPts val="0"/>
+              </a:spcAft>
+              <a:buNone/>
+            </a:pPr>
+            <a:r>
+              <a:rPr lang="en-GB" sz="1200">
+                <a:solidFill>
+                  <a:srgbClr val="24292E"/>
+                </a:solidFill>
+                <a:highlight>
+                  <a:srgbClr val="FFFFFF"/>
+                </a:highlight>
+                <a:latin typeface="Consolas"/>
+                <a:ea typeface="Consolas"/>
+                <a:cs typeface="Consolas"/>
+                <a:sym typeface="Consolas"/>
+              </a:rPr>
+              <a:t>                   </a:t>
+            </a:r>
+            <a:r>
+              <a:rPr lang="en-GB" sz="1200">
+                <a:solidFill>
+                  <a:srgbClr val="D73A49"/>
+                </a:solidFill>
+                <a:highlight>
+                  <a:srgbClr val="FFFFFF"/>
+                </a:highlight>
+                <a:latin typeface="Consolas"/>
+                <a:ea typeface="Consolas"/>
+                <a:cs typeface="Consolas"/>
+                <a:sym typeface="Consolas"/>
+              </a:rPr>
+              <a:t>break</a:t>
+            </a:r>
+            <a:endParaRPr sz="1200">
+              <a:solidFill>
+                <a:srgbClr val="D73A49"/>
+              </a:solidFill>
+              <a:highlight>
+                <a:srgbClr val="FFFFFF"/>
+              </a:highlight>
+              <a:latin typeface="Consolas"/>
+              <a:ea typeface="Consolas"/>
+              <a:cs typeface="Consolas"/>
+              <a:sym typeface="Consolas"/>
+            </a:endParaRPr>
+          </a:p>
+          <a:p>
+            <a:pPr indent="0" lvl="0" marL="0" rtl="0" algn="l">
+              <a:lnSpc>
+                <a:spcPct val="150000"/>
+              </a:lnSpc>
+              <a:spcBef>
+                <a:spcPts val="0"/>
+              </a:spcBef>
+              <a:spcAft>
+                <a:spcPts val="0"/>
+              </a:spcAft>
+              <a:buNone/>
+            </a:pPr>
+            <a:r>
+              <a:rPr lang="en-GB" sz="1200">
+                <a:solidFill>
+                  <a:srgbClr val="24292E"/>
+                </a:solidFill>
+                <a:highlight>
+                  <a:srgbClr val="FFFFFF"/>
+                </a:highlight>
+                <a:latin typeface="Consolas"/>
+                <a:ea typeface="Consolas"/>
+                <a:cs typeface="Consolas"/>
+                <a:sym typeface="Consolas"/>
+              </a:rPr>
+              <a:t>       </a:t>
+            </a:r>
+            <a:r>
+              <a:rPr lang="en-GB" sz="1200">
+                <a:solidFill>
+                  <a:srgbClr val="D73A49"/>
+                </a:solidFill>
+                <a:highlight>
+                  <a:srgbClr val="FFFFFF"/>
+                </a:highlight>
+                <a:latin typeface="Consolas"/>
+                <a:ea typeface="Consolas"/>
+                <a:cs typeface="Consolas"/>
+                <a:sym typeface="Consolas"/>
+              </a:rPr>
+              <a:t>yield</a:t>
+            </a:r>
+            <a:r>
+              <a:rPr lang="en-GB" sz="1200">
+                <a:solidFill>
+                  <a:srgbClr val="24292E"/>
+                </a:solidFill>
+                <a:highlight>
+                  <a:srgbClr val="FFFFFF"/>
+                </a:highlight>
+                <a:latin typeface="Consolas"/>
+                <a:ea typeface="Consolas"/>
+                <a:cs typeface="Consolas"/>
+                <a:sym typeface="Consolas"/>
+              </a:rPr>
+              <a:t> coloring</a:t>
+            </a:r>
+            <a:endParaRPr sz="1200">
+              <a:solidFill>
+                <a:srgbClr val="24292E"/>
+              </a:solidFill>
+              <a:highlight>
+                <a:srgbClr val="FFFFFF"/>
+              </a:highlight>
+              <a:latin typeface="Consolas"/>
+              <a:ea typeface="Consolas"/>
+              <a:cs typeface="Consolas"/>
+              <a:sym typeface="Consolas"/>
+            </a:endParaRPr>
+          </a:p>
+          <a:p>
+            <a:pPr indent="0" lvl="0" marL="0" rtl="0" algn="l">
+              <a:lnSpc>
+                <a:spcPct val="150000"/>
+              </a:lnSpc>
+              <a:spcBef>
+                <a:spcPts val="0"/>
+              </a:spcBef>
+              <a:spcAft>
+                <a:spcPts val="0"/>
+              </a:spcAft>
+              <a:buNone/>
+            </a:pPr>
+            <a:r>
+              <a:t/>
+            </a:r>
+            <a:endParaRPr sz="1200">
+              <a:solidFill>
+                <a:srgbClr val="24292E"/>
+              </a:solidFill>
+              <a:highlight>
+                <a:srgbClr val="FFFFFF"/>
+              </a:highlight>
+              <a:latin typeface="Consolas"/>
+              <a:ea typeface="Consolas"/>
+              <a:cs typeface="Consolas"/>
+              <a:sym typeface="Consolas"/>
+            </a:endParaRPr>
+          </a:p>
+          <a:p>
+            <a:pPr indent="0" lvl="0" marL="0" rtl="0" algn="l">
+              <a:lnSpc>
+                <a:spcPct val="150000"/>
+              </a:lnSpc>
+              <a:spcBef>
+                <a:spcPts val="0"/>
+              </a:spcBef>
+              <a:spcAft>
+                <a:spcPts val="0"/>
+              </a:spcAft>
+              <a:buNone/>
+            </a:pPr>
+            <a:r>
+              <a:rPr lang="en-GB" sz="1200">
+                <a:solidFill>
+                  <a:srgbClr val="D73A49"/>
+                </a:solidFill>
+                <a:highlight>
+                  <a:srgbClr val="FFFFFF"/>
+                </a:highlight>
+                <a:latin typeface="Consolas"/>
+                <a:ea typeface="Consolas"/>
+                <a:cs typeface="Consolas"/>
+                <a:sym typeface="Consolas"/>
+              </a:rPr>
+              <a:t>def</a:t>
+            </a:r>
+            <a:r>
+              <a:rPr lang="en-GB" sz="1200">
+                <a:solidFill>
+                  <a:srgbClr val="24292E"/>
+                </a:solidFill>
+                <a:highlight>
+                  <a:srgbClr val="FFFFFF"/>
+                </a:highlight>
+                <a:latin typeface="Consolas"/>
+                <a:ea typeface="Consolas"/>
+                <a:cs typeface="Consolas"/>
+                <a:sym typeface="Consolas"/>
+              </a:rPr>
+              <a:t> </a:t>
+            </a:r>
+            <a:r>
+              <a:rPr lang="en-GB" sz="1200">
+                <a:solidFill>
+                  <a:srgbClr val="6F42C1"/>
+                </a:solidFill>
+                <a:highlight>
+                  <a:srgbClr val="FFFFFF"/>
+                </a:highlight>
+                <a:latin typeface="Consolas"/>
+                <a:ea typeface="Consolas"/>
+                <a:cs typeface="Consolas"/>
+                <a:sym typeface="Consolas"/>
+              </a:rPr>
+              <a:t>min_coloring</a:t>
+            </a:r>
+            <a:r>
+              <a:rPr lang="en-GB" sz="1200">
+                <a:solidFill>
+                  <a:srgbClr val="24292E"/>
+                </a:solidFill>
+                <a:highlight>
+                  <a:srgbClr val="FFFFFF"/>
+                </a:highlight>
+                <a:latin typeface="Consolas"/>
+                <a:ea typeface="Consolas"/>
+                <a:cs typeface="Consolas"/>
+                <a:sym typeface="Consolas"/>
+              </a:rPr>
+              <a:t>(graph):</a:t>
+            </a:r>
+            <a:endParaRPr sz="1200">
+              <a:solidFill>
+                <a:srgbClr val="24292E"/>
+              </a:solidFill>
+              <a:highlight>
+                <a:srgbClr val="FFFFFF"/>
+              </a:highlight>
+              <a:latin typeface="Consolas"/>
+              <a:ea typeface="Consolas"/>
+              <a:cs typeface="Consolas"/>
+              <a:sym typeface="Consolas"/>
+            </a:endParaRPr>
+          </a:p>
+          <a:p>
+            <a:pPr indent="0" lvl="0" marL="0" rtl="0" algn="l">
+              <a:lnSpc>
+                <a:spcPct val="150000"/>
+              </a:lnSpc>
+              <a:spcBef>
+                <a:spcPts val="0"/>
+              </a:spcBef>
+              <a:spcAft>
+                <a:spcPts val="0"/>
+              </a:spcAft>
+              <a:buNone/>
+            </a:pPr>
+            <a:r>
+              <a:rPr lang="en-GB" sz="1200">
+                <a:solidFill>
+                  <a:srgbClr val="24292E"/>
+                </a:solidFill>
+                <a:highlight>
+                  <a:srgbClr val="FFFFFF"/>
+                </a:highlight>
+                <a:latin typeface="Consolas"/>
+                <a:ea typeface="Consolas"/>
+                <a:cs typeface="Consolas"/>
+                <a:sym typeface="Consolas"/>
+              </a:rPr>
+              <a:t>   </a:t>
+            </a:r>
+            <a:r>
+              <a:rPr lang="en-GB" sz="1200">
+                <a:solidFill>
+                  <a:srgbClr val="D73A49"/>
+                </a:solidFill>
+                <a:highlight>
+                  <a:srgbClr val="FFFFFF"/>
+                </a:highlight>
+                <a:latin typeface="Consolas"/>
+                <a:ea typeface="Consolas"/>
+                <a:cs typeface="Consolas"/>
+                <a:sym typeface="Consolas"/>
+              </a:rPr>
+              <a:t>return</a:t>
+            </a:r>
+            <a:r>
+              <a:rPr lang="en-GB" sz="1200">
+                <a:solidFill>
+                  <a:srgbClr val="24292E"/>
+                </a:solidFill>
+                <a:highlight>
+                  <a:srgbClr val="FFFFFF"/>
+                </a:highlight>
+                <a:latin typeface="Consolas"/>
+                <a:ea typeface="Consolas"/>
+                <a:cs typeface="Consolas"/>
+                <a:sym typeface="Consolas"/>
+              </a:rPr>
+              <a:t> </a:t>
+            </a:r>
+            <a:r>
+              <a:rPr lang="en-GB" sz="1200">
+                <a:solidFill>
+                  <a:srgbClr val="005CC5"/>
+                </a:solidFill>
+                <a:highlight>
+                  <a:srgbClr val="FFFFFF"/>
+                </a:highlight>
+                <a:latin typeface="Consolas"/>
+                <a:ea typeface="Consolas"/>
+                <a:cs typeface="Consolas"/>
+                <a:sym typeface="Consolas"/>
+              </a:rPr>
+              <a:t>min</a:t>
+            </a:r>
+            <a:r>
+              <a:rPr lang="en-GB" sz="1200">
+                <a:solidFill>
+                  <a:srgbClr val="24292E"/>
+                </a:solidFill>
+                <a:highlight>
+                  <a:srgbClr val="FFFFFF"/>
+                </a:highlight>
+                <a:latin typeface="Consolas"/>
+                <a:ea typeface="Consolas"/>
+                <a:cs typeface="Consolas"/>
+                <a:sym typeface="Consolas"/>
+              </a:rPr>
+              <a:t>(colorings(graph), </a:t>
+            </a:r>
+            <a:r>
+              <a:rPr lang="en-GB" sz="1200">
+                <a:solidFill>
+                  <a:srgbClr val="E36209"/>
+                </a:solidFill>
+                <a:highlight>
+                  <a:srgbClr val="FFFFFF"/>
+                </a:highlight>
+                <a:latin typeface="Consolas"/>
+                <a:ea typeface="Consolas"/>
+                <a:cs typeface="Consolas"/>
+                <a:sym typeface="Consolas"/>
+              </a:rPr>
+              <a:t>key</a:t>
+            </a:r>
+            <a:r>
+              <a:rPr lang="en-GB" sz="1200">
+                <a:solidFill>
+                  <a:srgbClr val="D73A49"/>
+                </a:solidFill>
+                <a:highlight>
+                  <a:srgbClr val="FFFFFF"/>
+                </a:highlight>
+                <a:latin typeface="Consolas"/>
+                <a:ea typeface="Consolas"/>
+                <a:cs typeface="Consolas"/>
+                <a:sym typeface="Consolas"/>
+              </a:rPr>
+              <a:t>=lambda</a:t>
+            </a:r>
+            <a:r>
+              <a:rPr lang="en-GB" sz="1200">
+                <a:solidFill>
+                  <a:srgbClr val="24292E"/>
+                </a:solidFill>
+                <a:highlight>
+                  <a:srgbClr val="FFFFFF"/>
+                </a:highlight>
+                <a:latin typeface="Consolas"/>
+                <a:ea typeface="Consolas"/>
+                <a:cs typeface="Consolas"/>
+                <a:sym typeface="Consolas"/>
+              </a:rPr>
+              <a:t> c: </a:t>
+            </a:r>
+            <a:r>
+              <a:rPr lang="en-GB" sz="1200">
+                <a:solidFill>
+                  <a:srgbClr val="005CC5"/>
+                </a:solidFill>
+                <a:highlight>
+                  <a:srgbClr val="FFFFFF"/>
+                </a:highlight>
+                <a:latin typeface="Consolas"/>
+                <a:ea typeface="Consolas"/>
+                <a:cs typeface="Consolas"/>
+                <a:sym typeface="Consolas"/>
+              </a:rPr>
+              <a:t>max</a:t>
+            </a:r>
+            <a:r>
+              <a:rPr lang="en-GB" sz="1200">
+                <a:solidFill>
+                  <a:srgbClr val="24292E"/>
+                </a:solidFill>
+                <a:highlight>
+                  <a:srgbClr val="FFFFFF"/>
+                </a:highlight>
+                <a:latin typeface="Consolas"/>
+                <a:ea typeface="Consolas"/>
+                <a:cs typeface="Consolas"/>
+                <a:sym typeface="Consolas"/>
+              </a:rPr>
+              <a:t>(c.values()))  </a:t>
+            </a:r>
+            <a:r>
+              <a:rPr lang="en-GB" sz="1200">
+                <a:solidFill>
+                  <a:srgbClr val="6A737D"/>
+                </a:solidFill>
+                <a:highlight>
+                  <a:srgbClr val="FFFFFF"/>
+                </a:highlight>
+                <a:latin typeface="Consolas"/>
+                <a:ea typeface="Consolas"/>
+                <a:cs typeface="Consolas"/>
+                <a:sym typeface="Consolas"/>
+              </a:rPr>
+              <a:t># O(V^2)</a:t>
+            </a:r>
+            <a:endParaRPr sz="1200">
+              <a:solidFill>
+                <a:srgbClr val="6A737D"/>
+              </a:solidFill>
+              <a:highlight>
+                <a:srgbClr val="FFFFFF"/>
+              </a:highlight>
+              <a:latin typeface="Consolas"/>
+              <a:ea typeface="Consolas"/>
+              <a:cs typeface="Consolas"/>
+              <a:sym typeface="Consolas"/>
+            </a:endParaRPr>
+          </a:p>
+        </p:txBody>
+      </p:sp>
+    </p:spTree>
+  </p:cSld>
+  <p:clrMapOvr>
+    <a:masterClrMapping/>
+  </p:clrMapOvr>
+</p:sld>
+</file>
+
+<file path=ppt/slides/slide13.xml><?xml version="1.0" encoding="utf-8"?>
+<p:sld xmlns:a="http://schemas.openxmlformats.org/drawingml/2006/main" xmlns:r="http://schemas.openxmlformats.org/officeDocument/2006/relationships" xmlns:mc="http://schemas.openxmlformats.org/markup-compatibility/2006" xmlns:mv="urn:schemas-microsoft-com:mac:vml" xmlns:p="http://schemas.openxmlformats.org/presentationml/2006/main" xmlns:c="http://schemas.openxmlformats.org/drawingml/2006/chart" xmlns:dgm="http://schemas.openxmlformats.org/drawingml/2006/diagram" xmlns:o="urn:schemas-microsoft-com:office:office" xmlns:v="urn:schemas-microsoft-com:vml" xmlns:pvml="urn:schemas-microsoft-com:office:powerpoint" xmlns:com="http://schemas.openxmlformats.org/drawingml/2006/compatibility" xmlns:p14="http://schemas.microsoft.com/office/powerpoint/2010/main" xmlns:p15="http://schemas.microsoft.com/office/powerpoint/2012/main" xmlns:ahyp="http://schemas.microsoft.com/office/drawing/2018/hyperlinkcolor">
+  <p:cSld>
+    <p:spTree>
+      <p:nvGrpSpPr>
+        <p:cNvPr id="184" name="Shape 184"/>
+        <p:cNvGrpSpPr/>
+        <p:nvPr/>
+      </p:nvGrpSpPr>
+      <p:grpSpPr>
+        <a:xfrm>
+          <a:off x="0" y="0"/>
+          <a:ext cx="0" cy="0"/>
+          <a:chOff x="0" y="0"/>
+          <a:chExt cx="0" cy="0"/>
+        </a:xfrm>
+      </p:grpSpPr>
+      <p:sp>
+        <p:nvSpPr>
+          <p:cNvPr id="185" name="Google Shape;185;p25"/>
+          <p:cNvSpPr txBox="1"/>
+          <p:nvPr>
+            <p:ph type="title"/>
+          </p:nvPr>
+        </p:nvSpPr>
+        <p:spPr>
+          <a:xfrm>
+            <a:off x="311700" y="445025"/>
+            <a:ext cx="8520600" cy="572700"/>
+          </a:xfrm>
+          <a:prstGeom prst="rect">
+            <a:avLst/>
+          </a:prstGeom>
+        </p:spPr>
+        <p:txBody>
+          <a:bodyPr anchorCtr="0" anchor="t" bIns="91425" lIns="91425" spcFirstLastPara="1" rIns="91425" wrap="square" tIns="91425">
+            <a:normAutofit fontScale="90000"/>
+          </a:bodyPr>
+          <a:lstStyle/>
+          <a:p>
+            <a:pPr indent="0" lvl="0" marL="0" rtl="0" algn="l">
+              <a:spcBef>
+                <a:spcPts val="0"/>
+              </a:spcBef>
+              <a:spcAft>
+                <a:spcPts val="0"/>
+              </a:spcAft>
+              <a:buNone/>
+            </a:pPr>
+            <a:r>
+              <a:rPr lang="en-GB"/>
+              <a:t>Runtime Analysis</a:t>
+            </a:r>
+            <a:endParaRPr/>
+          </a:p>
+        </p:txBody>
+      </p:sp>
+      <p:pic>
+        <p:nvPicPr>
+          <p:cNvPr id="186" name="Google Shape;186;p25"/>
+          <p:cNvPicPr preferRelativeResize="0"/>
+          <p:nvPr/>
+        </p:nvPicPr>
+        <p:blipFill>
+          <a:blip r:embed="rId3">
+            <a:alphaModFix/>
+          </a:blip>
+          <a:stretch>
+            <a:fillRect/>
+          </a:stretch>
+        </p:blipFill>
+        <p:spPr>
+          <a:xfrm>
+            <a:off x="424000" y="1152025"/>
+            <a:ext cx="6324600" cy="3486150"/>
+          </a:xfrm>
+          <a:prstGeom prst="rect">
+            <a:avLst/>
+          </a:prstGeom>
+          <a:noFill/>
+          <a:ln>
+            <a:noFill/>
+          </a:ln>
+        </p:spPr>
+      </p:pic>
+      <p:sp>
+        <p:nvSpPr>
+          <p:cNvPr id="187" name="Google Shape;187;p25"/>
+          <p:cNvSpPr txBox="1"/>
+          <p:nvPr/>
+        </p:nvSpPr>
+        <p:spPr>
+          <a:xfrm>
+            <a:off x="6980225" y="1901225"/>
+            <a:ext cx="1683900" cy="400200"/>
+          </a:xfrm>
+          <a:prstGeom prst="rect">
+            <a:avLst/>
+          </a:prstGeom>
+          <a:noFill/>
+          <a:ln>
+            <a:noFill/>
+          </a:ln>
+        </p:spPr>
+        <p:txBody>
+          <a:bodyPr anchorCtr="0" anchor="t" bIns="91425" lIns="91425" spcFirstLastPara="1" rIns="91425" wrap="square" tIns="91425">
+            <a:spAutoFit/>
+          </a:bodyPr>
+          <a:lstStyle/>
+          <a:p>
+            <a:pPr indent="0" lvl="0" marL="0" rtl="0" algn="l">
+              <a:spcBef>
+                <a:spcPts val="0"/>
+              </a:spcBef>
+              <a:spcAft>
+                <a:spcPts val="0"/>
+              </a:spcAft>
+              <a:buNone/>
+            </a:pPr>
+            <a:r>
+              <a:t/>
+            </a:r>
+            <a:endParaRPr/>
+          </a:p>
+        </p:txBody>
+      </p:sp>
+      <p:graphicFrame>
+        <p:nvGraphicFramePr>
+          <p:cNvPr id="188" name="Google Shape;188;p25"/>
+          <p:cNvGraphicFramePr/>
+          <p:nvPr/>
+        </p:nvGraphicFramePr>
+        <p:xfrm>
+          <a:off x="7086175" y="1428750"/>
+          <a:ext cx="3000000" cy="3000000"/>
+        </p:xfrm>
+        <a:graphic>
+          <a:graphicData uri="http://schemas.openxmlformats.org/drawingml/2006/table">
+            <a:tbl>
+              <a:tblPr>
+                <a:noFill/>
+                <a:tableStyleId>{E6DCD378-5C5B-4953-BEB7-50233AEDD8E7}</a:tableStyleId>
+              </a:tblPr>
+              <a:tblGrid>
+                <a:gridCol w="937425"/>
+                <a:gridCol w="937425"/>
+              </a:tblGrid>
+              <a:tr h="381000">
+                <a:tc>
+                  <a:txBody>
+                    <a:bodyPr/>
+                    <a:lstStyle/>
+                    <a:p>
+                      <a:pPr indent="0" lvl="0" marL="0" rtl="0" algn="l">
+                        <a:spcBef>
+                          <a:spcPts val="0"/>
+                        </a:spcBef>
+                        <a:spcAft>
+                          <a:spcPts val="0"/>
+                        </a:spcAft>
+                        <a:buNone/>
+                      </a:pPr>
+                      <a:r>
+                        <a:rPr lang="en-GB"/>
+                        <a:t>|V|</a:t>
+                      </a:r>
+                      <a:endParaRPr/>
+                    </a:p>
+                  </a:txBody>
+                  <a:tcPr marT="91425" marB="91425" marR="91425" marL="91425"/>
+                </a:tc>
+                <a:tc>
+                  <a:txBody>
+                    <a:bodyPr/>
+                    <a:lstStyle/>
+                    <a:p>
+                      <a:pPr indent="0" lvl="0" marL="0" rtl="0" algn="l">
+                        <a:spcBef>
+                          <a:spcPts val="0"/>
+                        </a:spcBef>
+                        <a:spcAft>
+                          <a:spcPts val="0"/>
+                        </a:spcAft>
+                        <a:buNone/>
+                      </a:pPr>
+                      <a:r>
+                        <a:rPr lang="en-GB"/>
+                        <a:t>Time</a:t>
+                      </a:r>
+                      <a:endParaRPr/>
+                    </a:p>
+                  </a:txBody>
+                  <a:tcPr marT="91425" marB="91425" marR="91425" marL="91425"/>
+                </a:tc>
+              </a:tr>
+              <a:tr h="381000">
+                <a:tc>
+                  <a:txBody>
+                    <a:bodyPr/>
+                    <a:lstStyle/>
+                    <a:p>
+                      <a:pPr indent="0" lvl="0" marL="0" rtl="0" algn="l">
+                        <a:spcBef>
+                          <a:spcPts val="0"/>
+                        </a:spcBef>
+                        <a:spcAft>
+                          <a:spcPts val="0"/>
+                        </a:spcAft>
+                        <a:buNone/>
+                      </a:pPr>
+                      <a:r>
+                        <a:rPr lang="en-GB"/>
+                        <a:t>2-7</a:t>
+                      </a:r>
+                      <a:endParaRPr/>
+                    </a:p>
+                  </a:txBody>
+                  <a:tcPr marT="91425" marB="91425" marR="91425" marL="91425"/>
+                </a:tc>
+                <a:tc>
+                  <a:txBody>
+                    <a:bodyPr/>
+                    <a:lstStyle/>
+                    <a:p>
+                      <a:pPr indent="0" lvl="0" marL="0" rtl="0" algn="l">
+                        <a:spcBef>
+                          <a:spcPts val="0"/>
+                        </a:spcBef>
+                        <a:spcAft>
+                          <a:spcPts val="0"/>
+                        </a:spcAft>
+                        <a:buNone/>
+                      </a:pPr>
+                      <a:r>
+                        <a:rPr lang="en-GB"/>
+                        <a:t>&lt;0.1s</a:t>
+                      </a:r>
+                      <a:endParaRPr/>
+                    </a:p>
+                  </a:txBody>
+                  <a:tcPr marT="91425" marB="91425" marR="91425" marL="91425"/>
+                </a:tc>
+              </a:tr>
+              <a:tr h="381000">
+                <a:tc>
+                  <a:txBody>
+                    <a:bodyPr/>
+                    <a:lstStyle/>
+                    <a:p>
+                      <a:pPr indent="0" lvl="0" marL="0" rtl="0" algn="l">
+                        <a:spcBef>
+                          <a:spcPts val="0"/>
+                        </a:spcBef>
+                        <a:spcAft>
+                          <a:spcPts val="0"/>
+                        </a:spcAft>
+                        <a:buNone/>
+                      </a:pPr>
+                      <a:r>
+                        <a:rPr lang="en-GB"/>
+                        <a:t>8</a:t>
+                      </a:r>
+                      <a:endParaRPr/>
+                    </a:p>
+                  </a:txBody>
+                  <a:tcPr marT="91425" marB="91425" marR="91425" marL="91425"/>
+                </a:tc>
+                <a:tc>
+                  <a:txBody>
+                    <a:bodyPr/>
+                    <a:lstStyle/>
+                    <a:p>
+                      <a:pPr indent="0" lvl="0" marL="0" rtl="0" algn="l">
+                        <a:spcBef>
+                          <a:spcPts val="0"/>
+                        </a:spcBef>
+                        <a:spcAft>
+                          <a:spcPts val="0"/>
+                        </a:spcAft>
+                        <a:buNone/>
+                      </a:pPr>
+                      <a:r>
+                        <a:rPr lang="en-GB"/>
+                        <a:t>0.2s</a:t>
+                      </a:r>
+                      <a:endParaRPr/>
+                    </a:p>
+                  </a:txBody>
+                  <a:tcPr marT="91425" marB="91425" marR="91425" marL="91425"/>
+                </a:tc>
+              </a:tr>
+              <a:tr h="381000">
+                <a:tc>
+                  <a:txBody>
+                    <a:bodyPr/>
+                    <a:lstStyle/>
+                    <a:p>
+                      <a:pPr indent="0" lvl="0" marL="0" rtl="0" algn="l">
+                        <a:spcBef>
+                          <a:spcPts val="0"/>
+                        </a:spcBef>
+                        <a:spcAft>
+                          <a:spcPts val="0"/>
+                        </a:spcAft>
+                        <a:buNone/>
+                      </a:pPr>
+                      <a:r>
+                        <a:rPr lang="en-GB"/>
+                        <a:t>9</a:t>
+                      </a:r>
+                      <a:endParaRPr/>
+                    </a:p>
+                  </a:txBody>
+                  <a:tcPr marT="91425" marB="91425" marR="91425" marL="91425"/>
+                </a:tc>
+                <a:tc>
+                  <a:txBody>
+                    <a:bodyPr/>
+                    <a:lstStyle/>
+                    <a:p>
+                      <a:pPr indent="0" lvl="0" marL="0" rtl="0" algn="l">
+                        <a:spcBef>
+                          <a:spcPts val="0"/>
+                        </a:spcBef>
+                        <a:spcAft>
+                          <a:spcPts val="0"/>
+                        </a:spcAft>
+                        <a:buNone/>
+                      </a:pPr>
+                      <a:r>
+                        <a:rPr lang="en-GB"/>
+                        <a:t>1.7s</a:t>
+                      </a:r>
+                      <a:endParaRPr/>
+                    </a:p>
+                  </a:txBody>
+                  <a:tcPr marT="91425" marB="91425" marR="91425" marL="91425"/>
+                </a:tc>
+              </a:tr>
+              <a:tr h="381000">
+                <a:tc>
+                  <a:txBody>
+                    <a:bodyPr/>
+                    <a:lstStyle/>
+                    <a:p>
+                      <a:pPr indent="0" lvl="0" marL="0" rtl="0" algn="l">
+                        <a:spcBef>
+                          <a:spcPts val="0"/>
+                        </a:spcBef>
+                        <a:spcAft>
+                          <a:spcPts val="0"/>
+                        </a:spcAft>
+                        <a:buNone/>
+                      </a:pPr>
+                      <a:r>
+                        <a:rPr lang="en-GB"/>
+                        <a:t>10</a:t>
+                      </a:r>
+                      <a:endParaRPr/>
+                    </a:p>
+                  </a:txBody>
+                  <a:tcPr marT="91425" marB="91425" marR="91425" marL="91425"/>
+                </a:tc>
+                <a:tc>
+                  <a:txBody>
+                    <a:bodyPr/>
+                    <a:lstStyle/>
+                    <a:p>
+                      <a:pPr indent="0" lvl="0" marL="0" rtl="0" algn="l">
+                        <a:spcBef>
+                          <a:spcPts val="0"/>
+                        </a:spcBef>
+                        <a:spcAft>
+                          <a:spcPts val="0"/>
+                        </a:spcAft>
+                        <a:buNone/>
+                      </a:pPr>
+                      <a:r>
+                        <a:rPr lang="en-GB"/>
+                        <a:t>18.5s</a:t>
+                      </a:r>
+                      <a:endParaRPr/>
+                    </a:p>
+                  </a:txBody>
+                  <a:tcPr marT="91425" marB="91425" marR="91425" marL="91425"/>
+                </a:tc>
+              </a:tr>
+              <a:tr h="381000">
+                <a:tc>
+                  <a:txBody>
+                    <a:bodyPr/>
+                    <a:lstStyle/>
+                    <a:p>
+                      <a:pPr indent="0" lvl="0" marL="0" rtl="0" algn="l">
+                        <a:spcBef>
+                          <a:spcPts val="0"/>
+                        </a:spcBef>
+                        <a:spcAft>
+                          <a:spcPts val="0"/>
+                        </a:spcAft>
+                        <a:buNone/>
+                      </a:pPr>
+                      <a:r>
+                        <a:rPr lang="en-GB"/>
+                        <a:t>11</a:t>
+                      </a:r>
+                      <a:endParaRPr/>
+                    </a:p>
+                  </a:txBody>
+                  <a:tcPr marT="91425" marB="91425" marR="91425" marL="91425"/>
+                </a:tc>
+                <a:tc>
+                  <a:txBody>
+                    <a:bodyPr/>
+                    <a:lstStyle/>
+                    <a:p>
+                      <a:pPr indent="0" lvl="0" marL="0" rtl="0" algn="l">
+                        <a:spcBef>
+                          <a:spcPts val="0"/>
+                        </a:spcBef>
+                        <a:spcAft>
+                          <a:spcPts val="0"/>
+                        </a:spcAft>
+                        <a:buNone/>
+                      </a:pPr>
+                      <a:r>
+                        <a:rPr lang="en-GB"/>
+                        <a:t>3.8min</a:t>
+                      </a:r>
+                      <a:endParaRPr/>
+                    </a:p>
+                  </a:txBody>
+                  <a:tcPr marT="91425" marB="91425" marR="91425" marL="91425"/>
+                </a:tc>
+              </a:tr>
+              <a:tr h="381000">
+                <a:tc>
+                  <a:txBody>
+                    <a:bodyPr/>
+                    <a:lstStyle/>
+                    <a:p>
+                      <a:pPr indent="0" lvl="0" marL="0" rtl="0" algn="l">
+                        <a:spcBef>
+                          <a:spcPts val="0"/>
+                        </a:spcBef>
+                        <a:spcAft>
+                          <a:spcPts val="0"/>
+                        </a:spcAft>
+                        <a:buNone/>
+                      </a:pPr>
+                      <a:r>
+                        <a:rPr lang="en-GB"/>
+                        <a:t>12</a:t>
+                      </a:r>
+                      <a:endParaRPr/>
+                    </a:p>
+                  </a:txBody>
+                  <a:tcPr marT="91425" marB="91425" marR="91425" marL="91425"/>
+                </a:tc>
+                <a:tc>
+                  <a:txBody>
+                    <a:bodyPr/>
+                    <a:lstStyle/>
+                    <a:p>
+                      <a:pPr indent="0" lvl="0" marL="0" rtl="0" algn="l">
+                        <a:spcBef>
+                          <a:spcPts val="0"/>
+                        </a:spcBef>
+                        <a:spcAft>
+                          <a:spcPts val="0"/>
+                        </a:spcAft>
+                        <a:buNone/>
+                      </a:pPr>
+                      <a:r>
+                        <a:rPr lang="en-GB"/>
+                        <a:t>46min</a:t>
+                      </a:r>
+                      <a:endParaRPr/>
+                    </a:p>
+                  </a:txBody>
+                  <a:tcPr marT="91425" marB="91425" marR="91425" marL="91425"/>
+                </a:tc>
+              </a:tr>
+            </a:tbl>
+          </a:graphicData>
+        </a:graphic>
+      </p:graphicFrame>
+    </p:spTree>
+  </p:cSld>
+  <p:clrMapOvr>
+    <a:masterClrMapping/>
+  </p:clrMapOvr>
+</p:sld>
+</file>
+
 <file path=ppt/slides/slide2.xml><?xml version="1.0" encoding="utf-8"?>
 <p:sld xmlns:a="http://schemas.openxmlformats.org/drawingml/2006/main" xmlns:r="http://schemas.openxmlformats.org/officeDocument/2006/relationships" xmlns:mc="http://schemas.openxmlformats.org/markup-compatibility/2006" xmlns:mv="urn:schemas-microsoft-com:mac:vml" xmlns:p="http://schemas.openxmlformats.org/presentationml/2006/main" xmlns:c="http://schemas.openxmlformats.org/drawingml/2006/chart" xmlns:dgm="http://schemas.openxmlformats.org/drawingml/2006/diagram" xmlns:o="urn:schemas-microsoft-com:office:office" xmlns:v="urn:schemas-microsoft-com:vml" xmlns:pvml="urn:schemas-microsoft-com:office:powerpoint" xmlns:com="http://schemas.openxmlformats.org/drawingml/2006/compatibility" xmlns:p14="http://schemas.microsoft.com/office/powerpoint/2010/main" xmlns:p15="http://schemas.microsoft.com/office/powerpoint/2012/main" xmlns:ahyp="http://schemas.microsoft.com/office/drawing/2018/hyperlinkcolor">
   <p:cSld>
@@ -5990,7 +11195,7 @@
             </a:pPr>
             <a:r>
               <a:rPr lang="en-GB"/>
-              <a:t>Problem</a:t>
+              <a:t>Min Graph Coloring</a:t>
             </a:r>
             <a:endParaRPr/>
           </a:p>
@@ -6019,57 +11224,101 @@
           </a:bodyPr>
           <a:lstStyle/>
           <a:p>
-            <a:pPr indent="-342900" lvl="0" marL="457200" rtl="0" algn="l">
-              <a:spcBef>
-                <a:spcPts val="0"/>
-              </a:spcBef>
-              <a:spcAft>
-                <a:spcPts val="0"/>
-              </a:spcAft>
-              <a:buSzPts val="1800"/>
-              <a:buChar char="-"/>
+            <a:pPr indent="0" lvl="0" marL="0" rtl="0" algn="l">
+              <a:spcBef>
+                <a:spcPts val="0"/>
+              </a:spcBef>
+              <a:spcAft>
+                <a:spcPts val="0"/>
+              </a:spcAft>
+              <a:buNone/>
             </a:pPr>
             <a:r>
               <a:rPr lang="en-GB"/>
-              <a:t>A coloring assigns a color to each vertex so that no </a:t>
+              <a:t>A </a:t>
+            </a:r>
+            <a:r>
+              <a:rPr b="1" lang="en-GB"/>
+              <a:t>coloring</a:t>
             </a:r>
             <a:r>
               <a:rPr lang="en-GB"/>
-              <a:t>two vertices that share an edge have the same color.</a:t>
+              <a:t> of a graph is an assignment of “colors” to each vertex, so that every edge has two different colors at its </a:t>
+            </a:r>
+            <a:r>
+              <a:rPr lang="en-GB"/>
+              <a:t>endpoints.</a:t>
             </a:r>
             <a:endParaRPr/>
           </a:p>
           <a:p>
-            <a:pPr indent="-342900" lvl="0" marL="457200" rtl="0" algn="l">
-              <a:spcBef>
-                <a:spcPts val="0"/>
-              </a:spcBef>
-              <a:spcAft>
-                <a:spcPts val="0"/>
-              </a:spcAft>
-              <a:buSzPts val="1800"/>
-              <a:buChar char="-"/>
+            <a:pPr indent="0" lvl="0" marL="0" rtl="0" algn="l">
+              <a:spcBef>
+                <a:spcPts val="1200"/>
+              </a:spcBef>
+              <a:spcAft>
+                <a:spcPts val="0"/>
+              </a:spcAft>
+              <a:buNone/>
             </a:pPr>
             <a:r>
+              <a:rPr lang="en-GB"/>
+              <a:t>A </a:t>
+            </a:r>
+            <a:r>
               <a:rPr b="1" lang="en-GB"/>
-              <a:t>Optimization Problem: </a:t>
+              <a:t>min coloring</a:t>
             </a:r>
             <a:r>
               <a:rPr lang="en-GB"/>
-              <a:t>What is the minimum coloring in graph G?</a:t>
+              <a:t> of a graph is coloring of the graph, where no coloring with less colors exists.</a:t>
             </a:r>
             <a:endParaRPr/>
           </a:p>
           <a:p>
-            <a:pPr indent="-342900" lvl="0" marL="457200" rtl="0" algn="l">
-              <a:spcBef>
-                <a:spcPts val="0"/>
-              </a:spcBef>
-              <a:spcAft>
-                <a:spcPts val="0"/>
-              </a:spcAft>
-              <a:buSzPts val="1800"/>
-              <a:buChar char="-"/>
+            <a:pPr indent="0" lvl="0" marL="0" rtl="0" algn="l">
+              <a:spcBef>
+                <a:spcPts val="1200"/>
+              </a:spcBef>
+              <a:spcAft>
+                <a:spcPts val="0"/>
+              </a:spcAft>
+              <a:buNone/>
+            </a:pPr>
+            <a:r>
+              <a:t/>
+            </a:r>
+            <a:endParaRPr/>
+          </a:p>
+          <a:p>
+            <a:pPr indent="0" lvl="0" marL="0" rtl="0" algn="l">
+              <a:spcBef>
+                <a:spcPts val="1200"/>
+              </a:spcBef>
+              <a:spcAft>
+                <a:spcPts val="0"/>
+              </a:spcAft>
+              <a:buNone/>
+            </a:pPr>
+            <a:r>
+              <a:rPr b="1" lang="en-GB"/>
+              <a:t>Optimization Problem: </a:t>
+            </a:r>
+            <a:r>
+              <a:rPr lang="en-GB"/>
+              <a:t>What is the min coloring in graph G?</a:t>
+            </a:r>
+            <a:endParaRPr/>
+          </a:p>
+          <a:p>
+            <a:pPr indent="0" lvl="0" marL="0" rtl="0" algn="l">
+              <a:spcBef>
+                <a:spcPts val="1200"/>
+              </a:spcBef>
+              <a:spcAft>
+                <a:spcPts val="1200"/>
+              </a:spcAft>
+              <a:buNone/>
             </a:pPr>
             <a:r>
               <a:rPr b="1" lang="en-GB"/>
@@ -6142,7 +11391,1169 @@
             </a:pPr>
             <a:r>
               <a:rPr lang="en-GB"/>
-              <a:t>Example Input &amp; Output</a:t>
+              <a:t>Example</a:t>
+            </a:r>
+            <a:endParaRPr/>
+          </a:p>
+        </p:txBody>
+      </p:sp>
+      <p:grpSp>
+        <p:nvGrpSpPr>
+          <p:cNvPr id="67" name="Google Shape;67;p15"/>
+          <p:cNvGrpSpPr/>
+          <p:nvPr/>
+        </p:nvGrpSpPr>
+        <p:grpSpPr>
+          <a:xfrm>
+            <a:off x="1129777" y="1957538"/>
+            <a:ext cx="2864802" cy="1733049"/>
+            <a:chOff x="3988925" y="3454225"/>
+            <a:chExt cx="2328350" cy="1408525"/>
+          </a:xfrm>
+        </p:grpSpPr>
+        <p:sp>
+          <p:nvSpPr>
+            <p:cNvPr id="68" name="Google Shape;68;p15"/>
+            <p:cNvSpPr/>
+            <p:nvPr/>
+          </p:nvSpPr>
+          <p:spPr>
+            <a:xfrm>
+              <a:off x="3988925" y="3454225"/>
+              <a:ext cx="572700" cy="572700"/>
+            </a:xfrm>
+            <a:prstGeom prst="ellipse">
+              <a:avLst/>
+            </a:prstGeom>
+            <a:solidFill>
+              <a:schemeClr val="lt2"/>
+            </a:solidFill>
+            <a:ln cap="flat" cmpd="sng" w="9525">
+              <a:solidFill>
+                <a:schemeClr val="dk2"/>
+              </a:solidFill>
+              <a:prstDash val="solid"/>
+              <a:round/>
+              <a:headEnd len="sm" w="sm" type="none"/>
+              <a:tailEnd len="sm" w="sm" type="none"/>
+            </a:ln>
+          </p:spPr>
+          <p:txBody>
+            <a:bodyPr anchorCtr="0" anchor="ctr" bIns="91425" lIns="91425" spcFirstLastPara="1" rIns="91425" wrap="square" tIns="91425">
+              <a:noAutofit/>
+            </a:bodyPr>
+            <a:lstStyle/>
+            <a:p>
+              <a:pPr indent="0" lvl="0" marL="0" rtl="0" algn="ctr">
+                <a:spcBef>
+                  <a:spcPts val="0"/>
+                </a:spcBef>
+                <a:spcAft>
+                  <a:spcPts val="0"/>
+                </a:spcAft>
+                <a:buNone/>
+              </a:pPr>
+              <a:r>
+                <a:rPr lang="en-GB" sz="1600"/>
+                <a:t>A</a:t>
+              </a:r>
+              <a:endParaRPr sz="1600"/>
+            </a:p>
+          </p:txBody>
+        </p:sp>
+        <p:sp>
+          <p:nvSpPr>
+            <p:cNvPr id="69" name="Google Shape;69;p15"/>
+            <p:cNvSpPr/>
+            <p:nvPr/>
+          </p:nvSpPr>
+          <p:spPr>
+            <a:xfrm>
+              <a:off x="4866750" y="3454225"/>
+              <a:ext cx="572700" cy="572700"/>
+            </a:xfrm>
+            <a:prstGeom prst="ellipse">
+              <a:avLst/>
+            </a:prstGeom>
+            <a:solidFill>
+              <a:schemeClr val="lt2"/>
+            </a:solidFill>
+            <a:ln cap="flat" cmpd="sng" w="9525">
+              <a:solidFill>
+                <a:schemeClr val="dk2"/>
+              </a:solidFill>
+              <a:prstDash val="solid"/>
+              <a:round/>
+              <a:headEnd len="sm" w="sm" type="none"/>
+              <a:tailEnd len="sm" w="sm" type="none"/>
+            </a:ln>
+          </p:spPr>
+          <p:txBody>
+            <a:bodyPr anchorCtr="0" anchor="ctr" bIns="91425" lIns="91425" spcFirstLastPara="1" rIns="91425" wrap="square" tIns="91425">
+              <a:noAutofit/>
+            </a:bodyPr>
+            <a:lstStyle/>
+            <a:p>
+              <a:pPr indent="0" lvl="0" marL="0" rtl="0" algn="ctr">
+                <a:spcBef>
+                  <a:spcPts val="0"/>
+                </a:spcBef>
+                <a:spcAft>
+                  <a:spcPts val="0"/>
+                </a:spcAft>
+                <a:buNone/>
+              </a:pPr>
+              <a:r>
+                <a:rPr lang="en-GB" sz="1600"/>
+                <a:t>B</a:t>
+              </a:r>
+              <a:endParaRPr sz="1600"/>
+            </a:p>
+          </p:txBody>
+        </p:sp>
+        <p:sp>
+          <p:nvSpPr>
+            <p:cNvPr id="70" name="Google Shape;70;p15"/>
+            <p:cNvSpPr/>
+            <p:nvPr/>
+          </p:nvSpPr>
+          <p:spPr>
+            <a:xfrm>
+              <a:off x="5744575" y="3454225"/>
+              <a:ext cx="572700" cy="572700"/>
+            </a:xfrm>
+            <a:prstGeom prst="ellipse">
+              <a:avLst/>
+            </a:prstGeom>
+            <a:solidFill>
+              <a:schemeClr val="lt2"/>
+            </a:solidFill>
+            <a:ln cap="flat" cmpd="sng" w="9525">
+              <a:solidFill>
+                <a:schemeClr val="dk2"/>
+              </a:solidFill>
+              <a:prstDash val="solid"/>
+              <a:round/>
+              <a:headEnd len="sm" w="sm" type="none"/>
+              <a:tailEnd len="sm" w="sm" type="none"/>
+            </a:ln>
+          </p:spPr>
+          <p:txBody>
+            <a:bodyPr anchorCtr="0" anchor="ctr" bIns="91425" lIns="91425" spcFirstLastPara="1" rIns="91425" wrap="square" tIns="91425">
+              <a:noAutofit/>
+            </a:bodyPr>
+            <a:lstStyle/>
+            <a:p>
+              <a:pPr indent="0" lvl="0" marL="0" rtl="0" algn="ctr">
+                <a:spcBef>
+                  <a:spcPts val="0"/>
+                </a:spcBef>
+                <a:spcAft>
+                  <a:spcPts val="0"/>
+                </a:spcAft>
+                <a:buNone/>
+              </a:pPr>
+              <a:r>
+                <a:rPr lang="en-GB" sz="1600"/>
+                <a:t>C</a:t>
+              </a:r>
+              <a:endParaRPr sz="1600"/>
+            </a:p>
+          </p:txBody>
+        </p:sp>
+        <p:sp>
+          <p:nvSpPr>
+            <p:cNvPr id="71" name="Google Shape;71;p15"/>
+            <p:cNvSpPr/>
+            <p:nvPr/>
+          </p:nvSpPr>
+          <p:spPr>
+            <a:xfrm>
+              <a:off x="3988925" y="4290050"/>
+              <a:ext cx="572700" cy="572700"/>
+            </a:xfrm>
+            <a:prstGeom prst="ellipse">
+              <a:avLst/>
+            </a:prstGeom>
+            <a:solidFill>
+              <a:schemeClr val="lt2"/>
+            </a:solidFill>
+            <a:ln cap="flat" cmpd="sng" w="9525">
+              <a:solidFill>
+                <a:schemeClr val="dk2"/>
+              </a:solidFill>
+              <a:prstDash val="solid"/>
+              <a:round/>
+              <a:headEnd len="sm" w="sm" type="none"/>
+              <a:tailEnd len="sm" w="sm" type="none"/>
+            </a:ln>
+          </p:spPr>
+          <p:txBody>
+            <a:bodyPr anchorCtr="0" anchor="ctr" bIns="91425" lIns="91425" spcFirstLastPara="1" rIns="91425" wrap="square" tIns="91425">
+              <a:noAutofit/>
+            </a:bodyPr>
+            <a:lstStyle/>
+            <a:p>
+              <a:pPr indent="0" lvl="0" marL="0" rtl="0" algn="ctr">
+                <a:spcBef>
+                  <a:spcPts val="0"/>
+                </a:spcBef>
+                <a:spcAft>
+                  <a:spcPts val="0"/>
+                </a:spcAft>
+                <a:buNone/>
+              </a:pPr>
+              <a:r>
+                <a:rPr lang="en-GB" sz="1600"/>
+                <a:t>D</a:t>
+              </a:r>
+              <a:endParaRPr sz="1600"/>
+            </a:p>
+          </p:txBody>
+        </p:sp>
+        <p:sp>
+          <p:nvSpPr>
+            <p:cNvPr id="72" name="Google Shape;72;p15"/>
+            <p:cNvSpPr/>
+            <p:nvPr/>
+          </p:nvSpPr>
+          <p:spPr>
+            <a:xfrm>
+              <a:off x="4866750" y="4290050"/>
+              <a:ext cx="572700" cy="572700"/>
+            </a:xfrm>
+            <a:prstGeom prst="ellipse">
+              <a:avLst/>
+            </a:prstGeom>
+            <a:solidFill>
+              <a:schemeClr val="lt2"/>
+            </a:solidFill>
+            <a:ln cap="flat" cmpd="sng" w="9525">
+              <a:solidFill>
+                <a:schemeClr val="dk2"/>
+              </a:solidFill>
+              <a:prstDash val="solid"/>
+              <a:round/>
+              <a:headEnd len="sm" w="sm" type="none"/>
+              <a:tailEnd len="sm" w="sm" type="none"/>
+            </a:ln>
+          </p:spPr>
+          <p:txBody>
+            <a:bodyPr anchorCtr="0" anchor="ctr" bIns="91425" lIns="91425" spcFirstLastPara="1" rIns="91425" wrap="square" tIns="91425">
+              <a:noAutofit/>
+            </a:bodyPr>
+            <a:lstStyle/>
+            <a:p>
+              <a:pPr indent="0" lvl="0" marL="0" rtl="0" algn="ctr">
+                <a:spcBef>
+                  <a:spcPts val="0"/>
+                </a:spcBef>
+                <a:spcAft>
+                  <a:spcPts val="0"/>
+                </a:spcAft>
+                <a:buNone/>
+              </a:pPr>
+              <a:r>
+                <a:rPr lang="en-GB" sz="1600"/>
+                <a:t>E</a:t>
+              </a:r>
+              <a:endParaRPr sz="1600"/>
+            </a:p>
+          </p:txBody>
+        </p:sp>
+        <p:sp>
+          <p:nvSpPr>
+            <p:cNvPr id="73" name="Google Shape;73;p15"/>
+            <p:cNvSpPr/>
+            <p:nvPr/>
+          </p:nvSpPr>
+          <p:spPr>
+            <a:xfrm>
+              <a:off x="5744575" y="4290050"/>
+              <a:ext cx="572700" cy="572700"/>
+            </a:xfrm>
+            <a:prstGeom prst="ellipse">
+              <a:avLst/>
+            </a:prstGeom>
+            <a:solidFill>
+              <a:schemeClr val="lt2"/>
+            </a:solidFill>
+            <a:ln cap="flat" cmpd="sng" w="9525">
+              <a:solidFill>
+                <a:schemeClr val="dk2"/>
+              </a:solidFill>
+              <a:prstDash val="solid"/>
+              <a:round/>
+              <a:headEnd len="sm" w="sm" type="none"/>
+              <a:tailEnd len="sm" w="sm" type="none"/>
+            </a:ln>
+          </p:spPr>
+          <p:txBody>
+            <a:bodyPr anchorCtr="0" anchor="ctr" bIns="91425" lIns="91425" spcFirstLastPara="1" rIns="91425" wrap="square" tIns="91425">
+              <a:noAutofit/>
+            </a:bodyPr>
+            <a:lstStyle/>
+            <a:p>
+              <a:pPr indent="0" lvl="0" marL="0" rtl="0" algn="ctr">
+                <a:spcBef>
+                  <a:spcPts val="0"/>
+                </a:spcBef>
+                <a:spcAft>
+                  <a:spcPts val="0"/>
+                </a:spcAft>
+                <a:buNone/>
+              </a:pPr>
+              <a:r>
+                <a:rPr lang="en-GB" sz="1600"/>
+                <a:t>F</a:t>
+              </a:r>
+              <a:endParaRPr sz="1600"/>
+            </a:p>
+          </p:txBody>
+        </p:sp>
+        <p:cxnSp>
+          <p:nvCxnSpPr>
+            <p:cNvPr id="74" name="Google Shape;74;p15"/>
+            <p:cNvCxnSpPr>
+              <a:stCxn id="68" idx="6"/>
+              <a:endCxn id="69" idx="2"/>
+            </p:cNvCxnSpPr>
+            <p:nvPr/>
+          </p:nvCxnSpPr>
+          <p:spPr>
+            <a:xfrm>
+              <a:off x="4561625" y="3740575"/>
+              <a:ext cx="305100" cy="0"/>
+            </a:xfrm>
+            <a:prstGeom prst="straightConnector1">
+              <a:avLst/>
+            </a:prstGeom>
+            <a:noFill/>
+            <a:ln cap="flat" cmpd="sng" w="38100">
+              <a:solidFill>
+                <a:schemeClr val="dk2"/>
+              </a:solidFill>
+              <a:prstDash val="solid"/>
+              <a:round/>
+              <a:headEnd len="med" w="med" type="none"/>
+              <a:tailEnd len="med" w="med" type="none"/>
+            </a:ln>
+          </p:spPr>
+        </p:cxnSp>
+        <p:cxnSp>
+          <p:nvCxnSpPr>
+            <p:cNvPr id="75" name="Google Shape;75;p15"/>
+            <p:cNvCxnSpPr>
+              <a:stCxn id="68" idx="4"/>
+              <a:endCxn id="71" idx="0"/>
+            </p:cNvCxnSpPr>
+            <p:nvPr/>
+          </p:nvCxnSpPr>
+          <p:spPr>
+            <a:xfrm>
+              <a:off x="4275275" y="4026925"/>
+              <a:ext cx="0" cy="263100"/>
+            </a:xfrm>
+            <a:prstGeom prst="straightConnector1">
+              <a:avLst/>
+            </a:prstGeom>
+            <a:noFill/>
+            <a:ln cap="flat" cmpd="sng" w="38100">
+              <a:solidFill>
+                <a:schemeClr val="dk2"/>
+              </a:solidFill>
+              <a:prstDash val="solid"/>
+              <a:round/>
+              <a:headEnd len="med" w="med" type="none"/>
+              <a:tailEnd len="med" w="med" type="none"/>
+            </a:ln>
+          </p:spPr>
+        </p:cxnSp>
+        <p:cxnSp>
+          <p:nvCxnSpPr>
+            <p:cNvPr id="76" name="Google Shape;76;p15"/>
+            <p:cNvCxnSpPr>
+              <a:endCxn id="72" idx="2"/>
+            </p:cNvCxnSpPr>
+            <p:nvPr/>
+          </p:nvCxnSpPr>
+          <p:spPr>
+            <a:xfrm>
+              <a:off x="4561650" y="4576400"/>
+              <a:ext cx="305100" cy="0"/>
+            </a:xfrm>
+            <a:prstGeom prst="straightConnector1">
+              <a:avLst/>
+            </a:prstGeom>
+            <a:noFill/>
+            <a:ln cap="flat" cmpd="sng" w="38100">
+              <a:solidFill>
+                <a:schemeClr val="dk2"/>
+              </a:solidFill>
+              <a:prstDash val="solid"/>
+              <a:round/>
+              <a:headEnd len="med" w="med" type="none"/>
+              <a:tailEnd len="med" w="med" type="none"/>
+            </a:ln>
+          </p:spPr>
+        </p:cxnSp>
+        <p:cxnSp>
+          <p:nvCxnSpPr>
+            <p:cNvPr id="77" name="Google Shape;77;p15"/>
+            <p:cNvCxnSpPr>
+              <a:stCxn id="69" idx="4"/>
+              <a:endCxn id="72" idx="0"/>
+            </p:cNvCxnSpPr>
+            <p:nvPr/>
+          </p:nvCxnSpPr>
+          <p:spPr>
+            <a:xfrm>
+              <a:off x="5153100" y="4026925"/>
+              <a:ext cx="0" cy="263100"/>
+            </a:xfrm>
+            <a:prstGeom prst="straightConnector1">
+              <a:avLst/>
+            </a:prstGeom>
+            <a:noFill/>
+            <a:ln cap="flat" cmpd="sng" w="38100">
+              <a:solidFill>
+                <a:schemeClr val="dk2"/>
+              </a:solidFill>
+              <a:prstDash val="solid"/>
+              <a:round/>
+              <a:headEnd len="med" w="med" type="none"/>
+              <a:tailEnd len="med" w="med" type="none"/>
+            </a:ln>
+          </p:spPr>
+        </p:cxnSp>
+        <p:cxnSp>
+          <p:nvCxnSpPr>
+            <p:cNvPr id="78" name="Google Shape;78;p15"/>
+            <p:cNvCxnSpPr>
+              <a:stCxn id="68" idx="5"/>
+              <a:endCxn id="72" idx="1"/>
+            </p:cNvCxnSpPr>
+            <p:nvPr/>
+          </p:nvCxnSpPr>
+          <p:spPr>
+            <a:xfrm>
+              <a:off x="4477755" y="3943055"/>
+              <a:ext cx="472800" cy="430800"/>
+            </a:xfrm>
+            <a:prstGeom prst="straightConnector1">
+              <a:avLst/>
+            </a:prstGeom>
+            <a:noFill/>
+            <a:ln cap="flat" cmpd="sng" w="38100">
+              <a:solidFill>
+                <a:schemeClr val="dk2"/>
+              </a:solidFill>
+              <a:prstDash val="solid"/>
+              <a:round/>
+              <a:headEnd len="med" w="med" type="none"/>
+              <a:tailEnd len="med" w="med" type="none"/>
+            </a:ln>
+          </p:spPr>
+        </p:cxnSp>
+        <p:cxnSp>
+          <p:nvCxnSpPr>
+            <p:cNvPr id="79" name="Google Shape;79;p15"/>
+            <p:cNvCxnSpPr>
+              <a:stCxn id="69" idx="5"/>
+              <a:endCxn id="73" idx="1"/>
+            </p:cNvCxnSpPr>
+            <p:nvPr/>
+          </p:nvCxnSpPr>
+          <p:spPr>
+            <a:xfrm>
+              <a:off x="5355580" y="3943055"/>
+              <a:ext cx="472800" cy="430800"/>
+            </a:xfrm>
+            <a:prstGeom prst="straightConnector1">
+              <a:avLst/>
+            </a:prstGeom>
+            <a:noFill/>
+            <a:ln cap="flat" cmpd="sng" w="38100">
+              <a:solidFill>
+                <a:schemeClr val="dk2"/>
+              </a:solidFill>
+              <a:prstDash val="solid"/>
+              <a:round/>
+              <a:headEnd len="med" w="med" type="none"/>
+              <a:tailEnd len="med" w="med" type="none"/>
+            </a:ln>
+          </p:spPr>
+        </p:cxnSp>
+        <p:cxnSp>
+          <p:nvCxnSpPr>
+            <p:cNvPr id="80" name="Google Shape;80;p15"/>
+            <p:cNvCxnSpPr>
+              <a:endCxn id="70" idx="3"/>
+            </p:cNvCxnSpPr>
+            <p:nvPr/>
+          </p:nvCxnSpPr>
+          <p:spPr>
+            <a:xfrm flipH="1" rot="10800000">
+              <a:off x="5355645" y="3943055"/>
+              <a:ext cx="472800" cy="430800"/>
+            </a:xfrm>
+            <a:prstGeom prst="straightConnector1">
+              <a:avLst/>
+            </a:prstGeom>
+            <a:noFill/>
+            <a:ln cap="flat" cmpd="sng" w="38100">
+              <a:solidFill>
+                <a:schemeClr val="dk2"/>
+              </a:solidFill>
+              <a:prstDash val="solid"/>
+              <a:round/>
+              <a:headEnd len="med" w="med" type="none"/>
+              <a:tailEnd len="med" w="med" type="none"/>
+            </a:ln>
+          </p:spPr>
+        </p:cxnSp>
+        <p:cxnSp>
+          <p:nvCxnSpPr>
+            <p:cNvPr id="81" name="Google Shape;81;p15"/>
+            <p:cNvCxnSpPr>
+              <a:stCxn id="70" idx="4"/>
+              <a:endCxn id="73" idx="0"/>
+            </p:cNvCxnSpPr>
+            <p:nvPr/>
+          </p:nvCxnSpPr>
+          <p:spPr>
+            <a:xfrm>
+              <a:off x="6030925" y="4026925"/>
+              <a:ext cx="0" cy="263100"/>
+            </a:xfrm>
+            <a:prstGeom prst="straightConnector1">
+              <a:avLst/>
+            </a:prstGeom>
+            <a:noFill/>
+            <a:ln cap="flat" cmpd="sng" w="38100">
+              <a:solidFill>
+                <a:schemeClr val="dk2"/>
+              </a:solidFill>
+              <a:prstDash val="solid"/>
+              <a:round/>
+              <a:headEnd len="med" w="med" type="none"/>
+              <a:tailEnd len="med" w="med" type="none"/>
+            </a:ln>
+          </p:spPr>
+        </p:cxnSp>
+      </p:grpSp>
+      <p:grpSp>
+        <p:nvGrpSpPr>
+          <p:cNvPr id="82" name="Google Shape;82;p15"/>
+          <p:cNvGrpSpPr/>
+          <p:nvPr/>
+        </p:nvGrpSpPr>
+        <p:grpSpPr>
+          <a:xfrm>
+            <a:off x="5149414" y="1957541"/>
+            <a:ext cx="2864802" cy="1733049"/>
+            <a:chOff x="3988925" y="3454225"/>
+            <a:chExt cx="2328350" cy="1408525"/>
+          </a:xfrm>
+        </p:grpSpPr>
+        <p:sp>
+          <p:nvSpPr>
+            <p:cNvPr id="83" name="Google Shape;83;p15"/>
+            <p:cNvSpPr/>
+            <p:nvPr/>
+          </p:nvSpPr>
+          <p:spPr>
+            <a:xfrm>
+              <a:off x="3988925" y="3454225"/>
+              <a:ext cx="572700" cy="572700"/>
+            </a:xfrm>
+            <a:prstGeom prst="ellipse">
+              <a:avLst/>
+            </a:prstGeom>
+            <a:solidFill>
+              <a:srgbClr val="C9DAF8"/>
+            </a:solidFill>
+            <a:ln cap="flat" cmpd="sng" w="9525">
+              <a:solidFill>
+                <a:schemeClr val="dk2"/>
+              </a:solidFill>
+              <a:prstDash val="solid"/>
+              <a:round/>
+              <a:headEnd len="sm" w="sm" type="none"/>
+              <a:tailEnd len="sm" w="sm" type="none"/>
+            </a:ln>
+          </p:spPr>
+          <p:txBody>
+            <a:bodyPr anchorCtr="0" anchor="ctr" bIns="91425" lIns="91425" spcFirstLastPara="1" rIns="91425" wrap="square" tIns="91425">
+              <a:noAutofit/>
+            </a:bodyPr>
+            <a:lstStyle/>
+            <a:p>
+              <a:pPr indent="0" lvl="0" marL="0" rtl="0" algn="ctr">
+                <a:spcBef>
+                  <a:spcPts val="0"/>
+                </a:spcBef>
+                <a:spcAft>
+                  <a:spcPts val="0"/>
+                </a:spcAft>
+                <a:buNone/>
+              </a:pPr>
+              <a:r>
+                <a:rPr lang="en-GB" sz="1600"/>
+                <a:t>A</a:t>
+              </a:r>
+              <a:endParaRPr sz="1600"/>
+            </a:p>
+          </p:txBody>
+        </p:sp>
+        <p:sp>
+          <p:nvSpPr>
+            <p:cNvPr id="84" name="Google Shape;84;p15"/>
+            <p:cNvSpPr/>
+            <p:nvPr/>
+          </p:nvSpPr>
+          <p:spPr>
+            <a:xfrm>
+              <a:off x="4866750" y="3454225"/>
+              <a:ext cx="572700" cy="572700"/>
+            </a:xfrm>
+            <a:prstGeom prst="ellipse">
+              <a:avLst/>
+            </a:prstGeom>
+            <a:solidFill>
+              <a:srgbClr val="D9EAD3"/>
+            </a:solidFill>
+            <a:ln cap="flat" cmpd="sng" w="9525">
+              <a:solidFill>
+                <a:schemeClr val="dk2"/>
+              </a:solidFill>
+              <a:prstDash val="solid"/>
+              <a:round/>
+              <a:headEnd len="sm" w="sm" type="none"/>
+              <a:tailEnd len="sm" w="sm" type="none"/>
+            </a:ln>
+          </p:spPr>
+          <p:txBody>
+            <a:bodyPr anchorCtr="0" anchor="ctr" bIns="91425" lIns="91425" spcFirstLastPara="1" rIns="91425" wrap="square" tIns="91425">
+              <a:noAutofit/>
+            </a:bodyPr>
+            <a:lstStyle/>
+            <a:p>
+              <a:pPr indent="0" lvl="0" marL="0" rtl="0" algn="ctr">
+                <a:spcBef>
+                  <a:spcPts val="0"/>
+                </a:spcBef>
+                <a:spcAft>
+                  <a:spcPts val="0"/>
+                </a:spcAft>
+                <a:buNone/>
+              </a:pPr>
+              <a:r>
+                <a:rPr lang="en-GB" sz="1600"/>
+                <a:t>B</a:t>
+              </a:r>
+              <a:endParaRPr sz="1600"/>
+            </a:p>
+          </p:txBody>
+        </p:sp>
+        <p:sp>
+          <p:nvSpPr>
+            <p:cNvPr id="85" name="Google Shape;85;p15"/>
+            <p:cNvSpPr/>
+            <p:nvPr/>
+          </p:nvSpPr>
+          <p:spPr>
+            <a:xfrm>
+              <a:off x="5744575" y="3454225"/>
+              <a:ext cx="572700" cy="572700"/>
+            </a:xfrm>
+            <a:prstGeom prst="ellipse">
+              <a:avLst/>
+            </a:prstGeom>
+            <a:solidFill>
+              <a:srgbClr val="D9EAD3"/>
+            </a:solidFill>
+            <a:ln cap="flat" cmpd="sng" w="9525">
+              <a:solidFill>
+                <a:schemeClr val="dk2"/>
+              </a:solidFill>
+              <a:prstDash val="solid"/>
+              <a:round/>
+              <a:headEnd len="sm" w="sm" type="none"/>
+              <a:tailEnd len="sm" w="sm" type="none"/>
+            </a:ln>
+          </p:spPr>
+          <p:txBody>
+            <a:bodyPr anchorCtr="0" anchor="ctr" bIns="91425" lIns="91425" spcFirstLastPara="1" rIns="91425" wrap="square" tIns="91425">
+              <a:noAutofit/>
+            </a:bodyPr>
+            <a:lstStyle/>
+            <a:p>
+              <a:pPr indent="0" lvl="0" marL="0" rtl="0" algn="ctr">
+                <a:spcBef>
+                  <a:spcPts val="0"/>
+                </a:spcBef>
+                <a:spcAft>
+                  <a:spcPts val="0"/>
+                </a:spcAft>
+                <a:buNone/>
+              </a:pPr>
+              <a:r>
+                <a:rPr lang="en-GB" sz="1600"/>
+                <a:t>C</a:t>
+              </a:r>
+              <a:endParaRPr sz="1600"/>
+            </a:p>
+          </p:txBody>
+        </p:sp>
+        <p:sp>
+          <p:nvSpPr>
+            <p:cNvPr id="86" name="Google Shape;86;p15"/>
+            <p:cNvSpPr/>
+            <p:nvPr/>
+          </p:nvSpPr>
+          <p:spPr>
+            <a:xfrm>
+              <a:off x="3988925" y="4290050"/>
+              <a:ext cx="572700" cy="572700"/>
+            </a:xfrm>
+            <a:prstGeom prst="ellipse">
+              <a:avLst/>
+            </a:prstGeom>
+            <a:solidFill>
+              <a:srgbClr val="D9EAD3"/>
+            </a:solidFill>
+            <a:ln cap="flat" cmpd="sng" w="9525">
+              <a:solidFill>
+                <a:schemeClr val="dk2"/>
+              </a:solidFill>
+              <a:prstDash val="solid"/>
+              <a:round/>
+              <a:headEnd len="sm" w="sm" type="none"/>
+              <a:tailEnd len="sm" w="sm" type="none"/>
+            </a:ln>
+          </p:spPr>
+          <p:txBody>
+            <a:bodyPr anchorCtr="0" anchor="ctr" bIns="91425" lIns="91425" spcFirstLastPara="1" rIns="91425" wrap="square" tIns="91425">
+              <a:noAutofit/>
+            </a:bodyPr>
+            <a:lstStyle/>
+            <a:p>
+              <a:pPr indent="0" lvl="0" marL="0" rtl="0" algn="ctr">
+                <a:spcBef>
+                  <a:spcPts val="0"/>
+                </a:spcBef>
+                <a:spcAft>
+                  <a:spcPts val="0"/>
+                </a:spcAft>
+                <a:buNone/>
+              </a:pPr>
+              <a:r>
+                <a:rPr lang="en-GB" sz="1600"/>
+                <a:t>D</a:t>
+              </a:r>
+              <a:endParaRPr sz="1600"/>
+            </a:p>
+          </p:txBody>
+        </p:sp>
+        <p:sp>
+          <p:nvSpPr>
+            <p:cNvPr id="87" name="Google Shape;87;p15"/>
+            <p:cNvSpPr/>
+            <p:nvPr/>
+          </p:nvSpPr>
+          <p:spPr>
+            <a:xfrm>
+              <a:off x="4866750" y="4290050"/>
+              <a:ext cx="572700" cy="572700"/>
+            </a:xfrm>
+            <a:prstGeom prst="ellipse">
+              <a:avLst/>
+            </a:prstGeom>
+            <a:solidFill>
+              <a:srgbClr val="FFF2CC"/>
+            </a:solidFill>
+            <a:ln cap="flat" cmpd="sng" w="9525">
+              <a:solidFill>
+                <a:schemeClr val="dk2"/>
+              </a:solidFill>
+              <a:prstDash val="solid"/>
+              <a:round/>
+              <a:headEnd len="sm" w="sm" type="none"/>
+              <a:tailEnd len="sm" w="sm" type="none"/>
+            </a:ln>
+          </p:spPr>
+          <p:txBody>
+            <a:bodyPr anchorCtr="0" anchor="ctr" bIns="91425" lIns="91425" spcFirstLastPara="1" rIns="91425" wrap="square" tIns="91425">
+              <a:noAutofit/>
+            </a:bodyPr>
+            <a:lstStyle/>
+            <a:p>
+              <a:pPr indent="0" lvl="0" marL="0" rtl="0" algn="ctr">
+                <a:spcBef>
+                  <a:spcPts val="0"/>
+                </a:spcBef>
+                <a:spcAft>
+                  <a:spcPts val="0"/>
+                </a:spcAft>
+                <a:buNone/>
+              </a:pPr>
+              <a:r>
+                <a:rPr lang="en-GB" sz="1600"/>
+                <a:t>E</a:t>
+              </a:r>
+              <a:endParaRPr sz="1600"/>
+            </a:p>
+          </p:txBody>
+        </p:sp>
+        <p:sp>
+          <p:nvSpPr>
+            <p:cNvPr id="88" name="Google Shape;88;p15"/>
+            <p:cNvSpPr/>
+            <p:nvPr/>
+          </p:nvSpPr>
+          <p:spPr>
+            <a:xfrm>
+              <a:off x="5744575" y="4290050"/>
+              <a:ext cx="572700" cy="572700"/>
+            </a:xfrm>
+            <a:prstGeom prst="ellipse">
+              <a:avLst/>
+            </a:prstGeom>
+            <a:solidFill>
+              <a:srgbClr val="C9DAF8"/>
+            </a:solidFill>
+            <a:ln cap="flat" cmpd="sng" w="9525">
+              <a:solidFill>
+                <a:schemeClr val="dk2"/>
+              </a:solidFill>
+              <a:prstDash val="solid"/>
+              <a:round/>
+              <a:headEnd len="sm" w="sm" type="none"/>
+              <a:tailEnd len="sm" w="sm" type="none"/>
+            </a:ln>
+          </p:spPr>
+          <p:txBody>
+            <a:bodyPr anchorCtr="0" anchor="ctr" bIns="91425" lIns="91425" spcFirstLastPara="1" rIns="91425" wrap="square" tIns="91425">
+              <a:noAutofit/>
+            </a:bodyPr>
+            <a:lstStyle/>
+            <a:p>
+              <a:pPr indent="0" lvl="0" marL="0" rtl="0" algn="ctr">
+                <a:spcBef>
+                  <a:spcPts val="0"/>
+                </a:spcBef>
+                <a:spcAft>
+                  <a:spcPts val="0"/>
+                </a:spcAft>
+                <a:buNone/>
+              </a:pPr>
+              <a:r>
+                <a:rPr lang="en-GB" sz="1600"/>
+                <a:t>F</a:t>
+              </a:r>
+              <a:endParaRPr sz="1600"/>
+            </a:p>
+          </p:txBody>
+        </p:sp>
+        <p:cxnSp>
+          <p:nvCxnSpPr>
+            <p:cNvPr id="89" name="Google Shape;89;p15"/>
+            <p:cNvCxnSpPr>
+              <a:stCxn id="83" idx="6"/>
+              <a:endCxn id="84" idx="2"/>
+            </p:cNvCxnSpPr>
+            <p:nvPr/>
+          </p:nvCxnSpPr>
+          <p:spPr>
+            <a:xfrm>
+              <a:off x="4561625" y="3740575"/>
+              <a:ext cx="305100" cy="0"/>
+            </a:xfrm>
+            <a:prstGeom prst="straightConnector1">
+              <a:avLst/>
+            </a:prstGeom>
+            <a:noFill/>
+            <a:ln cap="flat" cmpd="sng" w="9525">
+              <a:solidFill>
+                <a:srgbClr val="B7B7B7"/>
+              </a:solidFill>
+              <a:prstDash val="lgDash"/>
+              <a:round/>
+              <a:headEnd len="med" w="med" type="none"/>
+              <a:tailEnd len="med" w="med" type="none"/>
+            </a:ln>
+          </p:spPr>
+        </p:cxnSp>
+        <p:cxnSp>
+          <p:nvCxnSpPr>
+            <p:cNvPr id="90" name="Google Shape;90;p15"/>
+            <p:cNvCxnSpPr>
+              <a:stCxn id="83" idx="4"/>
+              <a:endCxn id="86" idx="0"/>
+            </p:cNvCxnSpPr>
+            <p:nvPr/>
+          </p:nvCxnSpPr>
+          <p:spPr>
+            <a:xfrm>
+              <a:off x="4275275" y="4026925"/>
+              <a:ext cx="0" cy="263100"/>
+            </a:xfrm>
+            <a:prstGeom prst="straightConnector1">
+              <a:avLst/>
+            </a:prstGeom>
+            <a:noFill/>
+            <a:ln cap="flat" cmpd="sng" w="9525">
+              <a:solidFill>
+                <a:srgbClr val="B7B7B7"/>
+              </a:solidFill>
+              <a:prstDash val="lgDash"/>
+              <a:round/>
+              <a:headEnd len="med" w="med" type="none"/>
+              <a:tailEnd len="med" w="med" type="none"/>
+            </a:ln>
+          </p:spPr>
+        </p:cxnSp>
+        <p:cxnSp>
+          <p:nvCxnSpPr>
+            <p:cNvPr id="91" name="Google Shape;91;p15"/>
+            <p:cNvCxnSpPr>
+              <a:endCxn id="87" idx="2"/>
+            </p:cNvCxnSpPr>
+            <p:nvPr/>
+          </p:nvCxnSpPr>
+          <p:spPr>
+            <a:xfrm>
+              <a:off x="4561650" y="4576400"/>
+              <a:ext cx="305100" cy="0"/>
+            </a:xfrm>
+            <a:prstGeom prst="straightConnector1">
+              <a:avLst/>
+            </a:prstGeom>
+            <a:noFill/>
+            <a:ln cap="flat" cmpd="sng" w="9525">
+              <a:solidFill>
+                <a:srgbClr val="B7B7B7"/>
+              </a:solidFill>
+              <a:prstDash val="lgDash"/>
+              <a:round/>
+              <a:headEnd len="med" w="med" type="none"/>
+              <a:tailEnd len="med" w="med" type="none"/>
+            </a:ln>
+          </p:spPr>
+        </p:cxnSp>
+        <p:cxnSp>
+          <p:nvCxnSpPr>
+            <p:cNvPr id="92" name="Google Shape;92;p15"/>
+            <p:cNvCxnSpPr>
+              <a:stCxn id="84" idx="4"/>
+              <a:endCxn id="87" idx="0"/>
+            </p:cNvCxnSpPr>
+            <p:nvPr/>
+          </p:nvCxnSpPr>
+          <p:spPr>
+            <a:xfrm>
+              <a:off x="5153100" y="4026925"/>
+              <a:ext cx="0" cy="263100"/>
+            </a:xfrm>
+            <a:prstGeom prst="straightConnector1">
+              <a:avLst/>
+            </a:prstGeom>
+            <a:noFill/>
+            <a:ln cap="flat" cmpd="sng" w="9525">
+              <a:solidFill>
+                <a:srgbClr val="B7B7B7"/>
+              </a:solidFill>
+              <a:prstDash val="lgDash"/>
+              <a:round/>
+              <a:headEnd len="med" w="med" type="none"/>
+              <a:tailEnd len="med" w="med" type="none"/>
+            </a:ln>
+          </p:spPr>
+        </p:cxnSp>
+        <p:cxnSp>
+          <p:nvCxnSpPr>
+            <p:cNvPr id="93" name="Google Shape;93;p15"/>
+            <p:cNvCxnSpPr>
+              <a:stCxn id="83" idx="5"/>
+              <a:endCxn id="87" idx="1"/>
+            </p:cNvCxnSpPr>
+            <p:nvPr/>
+          </p:nvCxnSpPr>
+          <p:spPr>
+            <a:xfrm>
+              <a:off x="4477755" y="3943055"/>
+              <a:ext cx="472800" cy="430800"/>
+            </a:xfrm>
+            <a:prstGeom prst="straightConnector1">
+              <a:avLst/>
+            </a:prstGeom>
+            <a:noFill/>
+            <a:ln cap="flat" cmpd="sng" w="9525">
+              <a:solidFill>
+                <a:srgbClr val="B7B7B7"/>
+              </a:solidFill>
+              <a:prstDash val="lgDash"/>
+              <a:round/>
+              <a:headEnd len="med" w="med" type="none"/>
+              <a:tailEnd len="med" w="med" type="none"/>
+            </a:ln>
+          </p:spPr>
+        </p:cxnSp>
+        <p:cxnSp>
+          <p:nvCxnSpPr>
+            <p:cNvPr id="94" name="Google Shape;94;p15"/>
+            <p:cNvCxnSpPr>
+              <a:stCxn id="84" idx="5"/>
+              <a:endCxn id="88" idx="1"/>
+            </p:cNvCxnSpPr>
+            <p:nvPr/>
+          </p:nvCxnSpPr>
+          <p:spPr>
+            <a:xfrm>
+              <a:off x="5355580" y="3943055"/>
+              <a:ext cx="472800" cy="430800"/>
+            </a:xfrm>
+            <a:prstGeom prst="straightConnector1">
+              <a:avLst/>
+            </a:prstGeom>
+            <a:noFill/>
+            <a:ln cap="flat" cmpd="sng" w="9525">
+              <a:solidFill>
+                <a:srgbClr val="B7B7B7"/>
+              </a:solidFill>
+              <a:prstDash val="lgDash"/>
+              <a:round/>
+              <a:headEnd len="med" w="med" type="none"/>
+              <a:tailEnd len="med" w="med" type="none"/>
+            </a:ln>
+          </p:spPr>
+        </p:cxnSp>
+        <p:cxnSp>
+          <p:nvCxnSpPr>
+            <p:cNvPr id="95" name="Google Shape;95;p15"/>
+            <p:cNvCxnSpPr>
+              <a:endCxn id="85" idx="3"/>
+            </p:cNvCxnSpPr>
+            <p:nvPr/>
+          </p:nvCxnSpPr>
+          <p:spPr>
+            <a:xfrm flipH="1" rot="10800000">
+              <a:off x="5355645" y="3943055"/>
+              <a:ext cx="472800" cy="430800"/>
+            </a:xfrm>
+            <a:prstGeom prst="straightConnector1">
+              <a:avLst/>
+            </a:prstGeom>
+            <a:noFill/>
+            <a:ln cap="flat" cmpd="sng" w="9525">
+              <a:solidFill>
+                <a:srgbClr val="B7B7B7"/>
+              </a:solidFill>
+              <a:prstDash val="lgDash"/>
+              <a:round/>
+              <a:headEnd len="med" w="med" type="none"/>
+              <a:tailEnd len="med" w="med" type="none"/>
+            </a:ln>
+          </p:spPr>
+        </p:cxnSp>
+        <p:cxnSp>
+          <p:nvCxnSpPr>
+            <p:cNvPr id="96" name="Google Shape;96;p15"/>
+            <p:cNvCxnSpPr>
+              <a:stCxn id="85" idx="4"/>
+              <a:endCxn id="88" idx="0"/>
+            </p:cNvCxnSpPr>
+            <p:nvPr/>
+          </p:nvCxnSpPr>
+          <p:spPr>
+            <a:xfrm>
+              <a:off x="6030925" y="4026925"/>
+              <a:ext cx="0" cy="263100"/>
+            </a:xfrm>
+            <a:prstGeom prst="straightConnector1">
+              <a:avLst/>
+            </a:prstGeom>
+            <a:noFill/>
+            <a:ln cap="flat" cmpd="sng" w="9525">
+              <a:solidFill>
+                <a:srgbClr val="B7B7B7"/>
+              </a:solidFill>
+              <a:prstDash val="lgDash"/>
+              <a:round/>
+              <a:headEnd len="med" w="med" type="none"/>
+              <a:tailEnd len="med" w="med" type="none"/>
+            </a:ln>
+          </p:spPr>
+        </p:cxnSp>
+      </p:grpSp>
+      <p:cxnSp>
+        <p:nvCxnSpPr>
+          <p:cNvPr id="97" name="Google Shape;97;p15"/>
+          <p:cNvCxnSpPr/>
+          <p:nvPr/>
+        </p:nvCxnSpPr>
+        <p:spPr>
+          <a:xfrm>
+            <a:off x="4136400" y="2824050"/>
+            <a:ext cx="871200" cy="0"/>
+          </a:xfrm>
+          <a:prstGeom prst="straightConnector1">
+            <a:avLst/>
+          </a:prstGeom>
+          <a:noFill/>
+          <a:ln cap="flat" cmpd="sng" w="38100">
+            <a:solidFill>
+              <a:schemeClr val="dk2"/>
+            </a:solidFill>
+            <a:prstDash val="solid"/>
+            <a:round/>
+            <a:headEnd len="med" w="med" type="none"/>
+            <a:tailEnd len="med" w="med" type="triangle"/>
+          </a:ln>
+        </p:spPr>
+      </p:cxnSp>
+      <p:sp>
+        <p:nvSpPr>
+          <p:cNvPr id="98" name="Google Shape;98;p15"/>
+          <p:cNvSpPr txBox="1"/>
+          <p:nvPr/>
+        </p:nvSpPr>
+        <p:spPr>
+          <a:xfrm>
+            <a:off x="1370425" y="1452900"/>
+            <a:ext cx="2383500" cy="400200"/>
+          </a:xfrm>
+          <a:prstGeom prst="rect">
+            <a:avLst/>
+          </a:prstGeom>
+          <a:noFill/>
+          <a:ln>
+            <a:noFill/>
+          </a:ln>
+        </p:spPr>
+        <p:txBody>
+          <a:bodyPr anchorCtr="0" anchor="t" bIns="91425" lIns="91425" spcFirstLastPara="1" rIns="91425" wrap="square" tIns="91425">
+            <a:spAutoFit/>
+          </a:bodyPr>
+          <a:lstStyle/>
+          <a:p>
+            <a:pPr indent="0" lvl="0" marL="0" rtl="0" algn="ctr">
+              <a:spcBef>
+                <a:spcPts val="0"/>
+              </a:spcBef>
+              <a:spcAft>
+                <a:spcPts val="0"/>
+              </a:spcAft>
+              <a:buNone/>
+            </a:pPr>
+            <a:r>
+              <a:rPr b="1" lang="en-GB"/>
+              <a:t>Input</a:t>
+            </a:r>
+            <a:r>
+              <a:rPr lang="en-GB"/>
+              <a:t>: Undirected Graph</a:t>
             </a:r>
             <a:endParaRPr/>
           </a:p>
@@ -6150,39 +12561,87 @@
       </p:sp>
       <p:sp>
         <p:nvSpPr>
-          <p:cNvPr id="67" name="Google Shape;67;p15"/>
+          <p:cNvPr id="99" name="Google Shape;99;p15"/>
           <p:cNvSpPr txBox="1"/>
-          <p:nvPr>
-            <p:ph idx="1" type="body"/>
-          </p:nvPr>
+          <p:nvPr/>
         </p:nvSpPr>
         <p:spPr>
           <a:xfrm>
-            <a:off x="311700" y="1152475"/>
-            <a:ext cx="8520600" cy="3416400"/>
+            <a:off x="5459075" y="1452900"/>
+            <a:ext cx="2245500" cy="400200"/>
           </a:xfrm>
           <a:prstGeom prst="rect">
             <a:avLst/>
           </a:prstGeom>
+          <a:noFill/>
+          <a:ln>
+            <a:noFill/>
+          </a:ln>
         </p:spPr>
         <p:txBody>
           <a:bodyPr anchorCtr="0" anchor="t" bIns="91425" lIns="91425" spcFirstLastPara="1" rIns="91425" wrap="square" tIns="91425">
-            <a:normAutofit/>
+            <a:spAutoFit/>
           </a:bodyPr>
           <a:lstStyle/>
           <a:p>
-            <a:pPr indent="0" lvl="0" marL="0" rtl="0" algn="l">
-              <a:spcBef>
-                <a:spcPts val="0"/>
-              </a:spcBef>
-              <a:spcAft>
-                <a:spcPts val="1200"/>
+            <a:pPr indent="0" lvl="0" marL="0" rtl="0" algn="ctr">
+              <a:spcBef>
+                <a:spcPts val="0"/>
+              </a:spcBef>
+              <a:spcAft>
+                <a:spcPts val="0"/>
               </a:spcAft>
               <a:buNone/>
             </a:pPr>
             <a:r>
+              <a:rPr b="1" lang="en-GB"/>
+              <a:t>Output</a:t>
+            </a:r>
+            <a:r>
               <a:rPr lang="en-GB"/>
-              <a:t>Put some screenshots here</a:t>
+              <a:t>: Min Coloring</a:t>
+            </a:r>
+            <a:endParaRPr/>
+          </a:p>
+        </p:txBody>
+      </p:sp>
+      <p:sp>
+        <p:nvSpPr>
+          <p:cNvPr id="100" name="Google Shape;100;p15"/>
+          <p:cNvSpPr txBox="1"/>
+          <p:nvPr/>
+        </p:nvSpPr>
+        <p:spPr>
+          <a:xfrm>
+            <a:off x="5856875" y="3795050"/>
+            <a:ext cx="1449900" cy="400200"/>
+          </a:xfrm>
+          <a:prstGeom prst="rect">
+            <a:avLst/>
+          </a:prstGeom>
+          <a:noFill/>
+          <a:ln>
+            <a:noFill/>
+          </a:ln>
+        </p:spPr>
+        <p:txBody>
+          <a:bodyPr anchorCtr="0" anchor="t" bIns="91425" lIns="91425" spcFirstLastPara="1" rIns="91425" wrap="square" tIns="91425">
+            <a:spAutoFit/>
+          </a:bodyPr>
+          <a:lstStyle/>
+          <a:p>
+            <a:pPr indent="0" lvl="0" marL="0" rtl="0" algn="ctr">
+              <a:spcBef>
+                <a:spcPts val="0"/>
+              </a:spcBef>
+              <a:spcAft>
+                <a:spcPts val="0"/>
+              </a:spcAft>
+              <a:buNone/>
+            </a:pPr>
+            <a:r>
+              <a:rPr lang="en-GB"/>
+              <a:t># of colors = 3</a:t>
             </a:r>
             <a:endParaRPr/>
           </a:p>
@@ -6201,7 +12660,7 @@
   <p:cSld>
     <p:spTree>
       <p:nvGrpSpPr>
-        <p:cNvPr id="71" name="Shape 71"/>
+        <p:cNvPr id="104" name="Shape 104"/>
         <p:cNvGrpSpPr/>
         <p:nvPr/>
       </p:nvGrpSpPr>
@@ -6215,7 +12674,7 @@
       </p:grpSpPr>
       <p:sp>
         <p:nvSpPr>
-          <p:cNvPr id="72" name="Google Shape;72;p16"/>
+          <p:cNvPr id="105" name="Google Shape;105;p16"/>
           <p:cNvSpPr txBox="1"/>
           <p:nvPr>
             <p:ph type="title"/>
@@ -6247,7 +12706,7 @@
             </a:pPr>
             <a:r>
               <a:rPr lang="en-GB"/>
-              <a:t>Importance</a:t>
+              <a:t>Importance / Applications</a:t>
             </a:r>
             <a:endParaRPr/>
           </a:p>
@@ -6255,7 +12714,7 @@
       </p:sp>
       <p:sp>
         <p:nvSpPr>
-          <p:cNvPr id="73" name="Google Shape;73;p16"/>
+          <p:cNvPr id="106" name="Google Shape;106;p16"/>
           <p:cNvSpPr txBox="1"/>
           <p:nvPr>
             <p:ph idx="1" type="body"/>
@@ -6276,23 +12735,70 @@
           </a:bodyPr>
           <a:lstStyle/>
           <a:p>
-            <a:pPr indent="0" lvl="0" marL="0" rtl="0" algn="l">
-              <a:spcBef>
-                <a:spcPts val="0"/>
-              </a:spcBef>
-              <a:spcAft>
-                <a:spcPts val="0"/>
-              </a:spcAft>
-              <a:buNone/>
+            <a:pPr indent="-342900" lvl="0" marL="457200" rtl="0" algn="l">
+              <a:spcBef>
+                <a:spcPts val="0"/>
+              </a:spcBef>
+              <a:spcAft>
+                <a:spcPts val="0"/>
+              </a:spcAft>
+              <a:buSzPts val="1800"/>
+              <a:buChar char="●"/>
             </a:pPr>
             <a:r>
-              <a:rPr lang="en-GB" u="sng">
-                <a:solidFill>
-                  <a:schemeClr val="hlink"/>
-                </a:solidFill>
-                <a:hlinkClick r:id="rId3"/>
-              </a:rPr>
-              <a:t>https://www.quora.com/Why-is-graph-coloring-important</a:t>
+              <a:rPr lang="en-GB"/>
+              <a:t>Conflict Free Schedule </a:t>
+            </a:r>
+            <a:endParaRPr/>
+          </a:p>
+          <a:p>
+            <a:pPr indent="-342900" lvl="0" marL="457200" rtl="0" algn="l">
+              <a:spcBef>
+                <a:spcPts val="0"/>
+              </a:spcBef>
+              <a:spcAft>
+                <a:spcPts val="0"/>
+              </a:spcAft>
+              <a:buSzPts val="1800"/>
+              <a:buChar char="●"/>
+            </a:pPr>
+            <a:r>
+              <a:rPr lang="en-GB"/>
+              <a:t>Mobile Radio Frequency Assignment</a:t>
+            </a:r>
+            <a:endParaRPr/>
+          </a:p>
+          <a:p>
+            <a:pPr indent="-342900" lvl="0" marL="457200" rtl="0" algn="l">
+              <a:spcBef>
+                <a:spcPts val="0"/>
+              </a:spcBef>
+              <a:spcAft>
+                <a:spcPts val="0"/>
+              </a:spcAft>
+              <a:buSzPts val="1800"/>
+              <a:buChar char="●"/>
+            </a:pPr>
+            <a:r>
+              <a:rPr lang="en-GB"/>
+              <a:t>Register Allocation</a:t>
+            </a:r>
+            <a:endParaRPr/>
+          </a:p>
+          <a:p>
+            <a:pPr indent="-342900" lvl="0" marL="457200" rtl="0" algn="l">
+              <a:spcBef>
+                <a:spcPts val="0"/>
+              </a:spcBef>
+              <a:spcAft>
+                <a:spcPts val="0"/>
+              </a:spcAft>
+              <a:buSzPts val="1800"/>
+              <a:buChar char="●"/>
+            </a:pPr>
+            <a:r>
+              <a:rPr lang="en-GB"/>
+              <a:t>Sudoku</a:t>
             </a:r>
             <a:endParaRPr/>
           </a:p>
@@ -6307,7 +12813,26 @@
               <a:buNone/>
             </a:pPr>
             <a:r>
-              <a:t/>
+              <a:rPr lang="en-GB" u="sng">
+                <a:solidFill>
+                  <a:schemeClr val="hlink"/>
+                </a:solidFill>
+                <a:hlinkClick r:id="rId3"/>
+              </a:rPr>
+              <a:t>GFG</a:t>
+            </a:r>
+            <a:r>
+              <a:rPr lang="en-GB"/>
+              <a:t>, </a:t>
+            </a:r>
+            <a:r>
+              <a:rPr lang="en-GB" u="sng">
+                <a:solidFill>
+                  <a:schemeClr val="hlink"/>
+                </a:solidFill>
+                <a:hlinkClick r:id="rId4"/>
+              </a:rPr>
+              <a:t>ResearchGate</a:t>
             </a:r>
             <a:endParaRPr/>
           </a:p>
@@ -6326,7 +12851,7 @@
   <p:cSld>
     <p:spTree>
       <p:nvGrpSpPr>
-        <p:cNvPr id="77" name="Shape 77"/>
+        <p:cNvPr id="110" name="Shape 110"/>
         <p:cNvGrpSpPr/>
         <p:nvPr/>
       </p:nvGrpSpPr>
@@ -6340,7 +12865,150 @@
       </p:grpSpPr>
       <p:sp>
         <p:nvSpPr>
-          <p:cNvPr id="78" name="Google Shape;78;p17"/>
+          <p:cNvPr id="111" name="Google Shape;111;p17"/>
+          <p:cNvSpPr/>
+          <p:nvPr/>
+        </p:nvSpPr>
+        <p:spPr>
+          <a:xfrm>
+            <a:off x="1365125" y="1484100"/>
+            <a:ext cx="6402900" cy="2175300"/>
+          </a:xfrm>
+          <a:prstGeom prst="rect">
+            <a:avLst/>
+          </a:prstGeom>
+          <a:solidFill>
+            <a:srgbClr val="F3F3F3"/>
+          </a:solidFill>
+          <a:ln cap="flat" cmpd="sng" w="9525">
+            <a:solidFill>
+              <a:schemeClr val="dk2"/>
+            </a:solidFill>
+            <a:prstDash val="solid"/>
+            <a:round/>
+            <a:headEnd len="sm" w="sm" type="none"/>
+            <a:tailEnd len="sm" w="sm" type="none"/>
+          </a:ln>
+        </p:spPr>
+        <p:txBody>
+          <a:bodyPr anchorCtr="0" anchor="t" bIns="91425" lIns="91425" spcFirstLastPara="1" rIns="91425" wrap="square" tIns="91425">
+            <a:noAutofit/>
+          </a:bodyPr>
+          <a:lstStyle/>
+          <a:p>
+            <a:pPr indent="0" lvl="0" marL="0" rtl="0" algn="l">
+              <a:spcBef>
+                <a:spcPts val="0"/>
+              </a:spcBef>
+              <a:spcAft>
+                <a:spcPts val="0"/>
+              </a:spcAft>
+              <a:buNone/>
+            </a:pPr>
+            <a:r>
+              <a:rPr b="1" lang="en-GB" sz="1600"/>
+              <a:t>3SAT</a:t>
+            </a:r>
+            <a:endParaRPr b="1" sz="1600"/>
+          </a:p>
+        </p:txBody>
+      </p:sp>
+      <p:sp>
+        <p:nvSpPr>
+          <p:cNvPr id="112" name="Google Shape;112;p17"/>
+          <p:cNvSpPr txBox="1"/>
+          <p:nvPr/>
+        </p:nvSpPr>
+        <p:spPr>
+          <a:xfrm>
+            <a:off x="6385275" y="2248500"/>
+            <a:ext cx="1446300" cy="884100"/>
+          </a:xfrm>
+          <a:prstGeom prst="rect">
+            <a:avLst/>
+          </a:prstGeom>
+          <a:noFill/>
+          <a:ln>
+            <a:noFill/>
+          </a:ln>
+        </p:spPr>
+        <p:txBody>
+          <a:bodyPr anchorCtr="0" anchor="ctr" bIns="91425" lIns="91425" spcFirstLastPara="1" rIns="91425" wrap="square" tIns="91425">
+            <a:noAutofit/>
+          </a:bodyPr>
+          <a:lstStyle/>
+          <a:p>
+            <a:pPr indent="0" lvl="0" marL="0" rtl="0" algn="ctr">
+              <a:spcBef>
+                <a:spcPts val="0"/>
+              </a:spcBef>
+              <a:spcAft>
+                <a:spcPts val="0"/>
+              </a:spcAft>
+              <a:buNone/>
+            </a:pPr>
+            <a:r>
+              <a:rPr lang="en-GB" sz="1500"/>
+              <a:t>Yes/No</a:t>
+            </a:r>
+            <a:endParaRPr sz="1500"/>
+          </a:p>
+          <a:p>
+            <a:pPr indent="0" lvl="0" marL="0" rtl="0" algn="ctr">
+              <a:spcBef>
+                <a:spcPts val="0"/>
+              </a:spcBef>
+              <a:spcAft>
+                <a:spcPts val="0"/>
+              </a:spcAft>
+              <a:buNone/>
+            </a:pPr>
+            <a:r>
+              <a:t/>
+            </a:r>
+            <a:endParaRPr sz="500"/>
+          </a:p>
+          <a:p>
+            <a:pPr indent="0" lvl="0" marL="0" rtl="0" algn="ctr">
+              <a:spcBef>
+                <a:spcPts val="0"/>
+              </a:spcBef>
+              <a:spcAft>
+                <a:spcPts val="0"/>
+              </a:spcAft>
+              <a:buNone/>
+            </a:pPr>
+            <a:r>
+              <a:rPr b="1" lang="en-GB" sz="1500"/>
+              <a:t>G</a:t>
+            </a:r>
+            <a:r>
+              <a:rPr lang="en-GB" sz="1500"/>
+              <a:t> is</a:t>
+            </a:r>
+            <a:endParaRPr sz="1500"/>
+          </a:p>
+          <a:p>
+            <a:pPr indent="0" lvl="0" marL="0" rtl="0" algn="ctr">
+              <a:spcBef>
+                <a:spcPts val="0"/>
+              </a:spcBef>
+              <a:spcAft>
+                <a:spcPts val="0"/>
+              </a:spcAft>
+              <a:buNone/>
+            </a:pPr>
+            <a:r>
+              <a:rPr lang="en-GB" sz="1500"/>
+              <a:t>K Colorable</a:t>
+            </a:r>
+            <a:endParaRPr sz="1500"/>
+          </a:p>
+        </p:txBody>
+      </p:sp>
+      <p:sp>
+        <p:nvSpPr>
+          <p:cNvPr id="113" name="Google Shape;113;p17"/>
           <p:cNvSpPr txBox="1"/>
           <p:nvPr>
             <p:ph type="title"/>
@@ -6378,40 +13046,541 @@
           </a:p>
         </p:txBody>
       </p:sp>
+      <p:cxnSp>
+        <p:nvCxnSpPr>
+          <p:cNvPr id="114" name="Google Shape;114;p17"/>
+          <p:cNvCxnSpPr>
+            <a:endCxn id="115" idx="1"/>
+          </p:cNvCxnSpPr>
+          <p:nvPr/>
+        </p:nvCxnSpPr>
+        <p:spPr>
+          <a:xfrm>
+            <a:off x="166650" y="2571750"/>
+            <a:ext cx="1875900" cy="0"/>
+          </a:xfrm>
+          <a:prstGeom prst="straightConnector1">
+            <a:avLst/>
+          </a:prstGeom>
+          <a:noFill/>
+          <a:ln cap="flat" cmpd="sng" w="28575">
+            <a:solidFill>
+              <a:schemeClr val="dk2"/>
+            </a:solidFill>
+            <a:prstDash val="solid"/>
+            <a:round/>
+            <a:headEnd len="med" w="med" type="none"/>
+            <a:tailEnd len="med" w="med" type="triangle"/>
+          </a:ln>
+        </p:spPr>
+      </p:cxnSp>
+      <p:cxnSp>
+        <p:nvCxnSpPr>
+          <p:cNvPr id="116" name="Google Shape;116;p17"/>
+          <p:cNvCxnSpPr>
+            <a:stCxn id="115" idx="3"/>
+            <a:endCxn id="117" idx="1"/>
+          </p:cNvCxnSpPr>
+          <p:nvPr/>
+        </p:nvCxnSpPr>
+        <p:spPr>
+          <a:xfrm>
+            <a:off x="3672750" y="2571750"/>
+            <a:ext cx="960000" cy="0"/>
+          </a:xfrm>
+          <a:prstGeom prst="straightConnector1">
+            <a:avLst/>
+          </a:prstGeom>
+          <a:noFill/>
+          <a:ln cap="flat" cmpd="sng" w="28575">
+            <a:solidFill>
+              <a:schemeClr val="dk2"/>
+            </a:solidFill>
+            <a:prstDash val="solid"/>
+            <a:round/>
+            <a:headEnd len="med" w="med" type="none"/>
+            <a:tailEnd len="med" w="med" type="triangle"/>
+          </a:ln>
+        </p:spPr>
+      </p:cxnSp>
+      <p:cxnSp>
+        <p:nvCxnSpPr>
+          <p:cNvPr id="118" name="Google Shape;118;p17"/>
+          <p:cNvCxnSpPr>
+            <a:stCxn id="117" idx="3"/>
+          </p:cNvCxnSpPr>
+          <p:nvPr/>
+        </p:nvCxnSpPr>
+        <p:spPr>
+          <a:xfrm>
+            <a:off x="6385275" y="2571750"/>
+            <a:ext cx="2334000" cy="0"/>
+          </a:xfrm>
+          <a:prstGeom prst="straightConnector1">
+            <a:avLst/>
+          </a:prstGeom>
+          <a:noFill/>
+          <a:ln cap="flat" cmpd="sng" w="28575">
+            <a:solidFill>
+              <a:schemeClr val="dk2"/>
+            </a:solidFill>
+            <a:prstDash val="solid"/>
+            <a:round/>
+            <a:headEnd len="med" w="med" type="none"/>
+            <a:tailEnd len="med" w="med" type="triangle"/>
+          </a:ln>
+        </p:spPr>
+      </p:cxnSp>
       <p:sp>
         <p:nvSpPr>
-          <p:cNvPr id="79" name="Google Shape;79;p17"/>
-          <p:cNvSpPr txBox="1"/>
-          <p:nvPr>
-            <p:ph idx="1" type="body"/>
-          </p:nvPr>
+          <p:cNvPr id="115" name="Google Shape;115;p17"/>
+          <p:cNvSpPr/>
+          <p:nvPr/>
         </p:nvSpPr>
         <p:spPr>
           <a:xfrm>
-            <a:off x="311700" y="1152475"/>
-            <a:ext cx="8520600" cy="3416400"/>
+            <a:off x="2042550" y="2051550"/>
+            <a:ext cx="1630200" cy="1040400"/>
+          </a:xfrm>
+          <a:prstGeom prst="roundRect">
+            <a:avLst>
+              <a:gd fmla="val 16667" name="adj"/>
+            </a:avLst>
+          </a:prstGeom>
+          <a:solidFill>
+            <a:srgbClr val="F4CCCC"/>
+          </a:solidFill>
+          <a:ln cap="flat" cmpd="sng" w="9525">
+            <a:solidFill>
+              <a:srgbClr val="FF0000"/>
+            </a:solidFill>
+            <a:prstDash val="solid"/>
+            <a:round/>
+            <a:headEnd len="sm" w="sm" type="none"/>
+            <a:tailEnd len="sm" w="sm" type="none"/>
+          </a:ln>
+        </p:spPr>
+        <p:txBody>
+          <a:bodyPr anchorCtr="0" anchor="ctr" bIns="91425" lIns="91425" spcFirstLastPara="1" rIns="91425" wrap="square" tIns="91425">
+            <a:noAutofit/>
+          </a:bodyPr>
+          <a:lstStyle/>
+          <a:p>
+            <a:pPr indent="0" lvl="0" marL="0" rtl="0" algn="ctr">
+              <a:spcBef>
+                <a:spcPts val="0"/>
+              </a:spcBef>
+              <a:spcAft>
+                <a:spcPts val="0"/>
+              </a:spcAft>
+              <a:buNone/>
+            </a:pPr>
+            <a:r>
+              <a:rPr lang="en-GB" sz="1900">
+                <a:solidFill>
+                  <a:schemeClr val="dk1"/>
+                </a:solidFill>
+              </a:rPr>
+              <a:t>t</a:t>
+            </a:r>
+            <a:r>
+              <a:rPr lang="en-GB" sz="1900">
+                <a:solidFill>
+                  <a:schemeClr val="dk1"/>
+                </a:solidFill>
+              </a:rPr>
+              <a:t>ransform in O(n) time</a:t>
+            </a:r>
+            <a:endParaRPr/>
+          </a:p>
+        </p:txBody>
+      </p:sp>
+      <p:sp>
+        <p:nvSpPr>
+          <p:cNvPr id="117" name="Google Shape;117;p17"/>
+          <p:cNvSpPr/>
+          <p:nvPr/>
+        </p:nvSpPr>
+        <p:spPr>
+          <a:xfrm>
+            <a:off x="4632675" y="2051550"/>
+            <a:ext cx="1752600" cy="1040400"/>
+          </a:xfrm>
+          <a:prstGeom prst="roundRect">
+            <a:avLst>
+              <a:gd fmla="val 16667" name="adj"/>
+            </a:avLst>
+          </a:prstGeom>
+          <a:gradFill>
+            <a:gsLst>
+              <a:gs pos="0">
+                <a:srgbClr val="F4CCCC"/>
+              </a:gs>
+              <a:gs pos="13000">
+                <a:srgbClr val="FCE5CD"/>
+              </a:gs>
+              <a:gs pos="27000">
+                <a:srgbClr val="FFF2CC"/>
+              </a:gs>
+              <a:gs pos="44000">
+                <a:srgbClr val="D9EAD3"/>
+              </a:gs>
+              <a:gs pos="58999">
+                <a:srgbClr val="D0E0E3"/>
+              </a:gs>
+              <a:gs pos="73000">
+                <a:srgbClr val="C9DAF8"/>
+              </a:gs>
+              <a:gs pos="87000">
+                <a:srgbClr val="CFE2F3"/>
+              </a:gs>
+              <a:gs pos="100000">
+                <a:srgbClr val="D9D2E9"/>
+              </a:gs>
+            </a:gsLst>
+            <a:lin ang="2700006" scaled="0"/>
+          </a:gradFill>
+          <a:ln cap="flat" cmpd="sng" w="9525">
+            <a:solidFill>
+              <a:schemeClr val="dk2"/>
+            </a:solidFill>
+            <a:prstDash val="solid"/>
+            <a:round/>
+            <a:headEnd len="sm" w="sm" type="none"/>
+            <a:tailEnd len="sm" w="sm" type="none"/>
+          </a:ln>
+        </p:spPr>
+        <p:txBody>
+          <a:bodyPr anchorCtr="0" anchor="ctr" bIns="91425" lIns="91425" spcFirstLastPara="1" rIns="91425" wrap="square" tIns="91425">
+            <a:noAutofit/>
+          </a:bodyPr>
+          <a:lstStyle/>
+          <a:p>
+            <a:pPr indent="0" lvl="0" marL="0" rtl="0" algn="ctr">
+              <a:spcBef>
+                <a:spcPts val="0"/>
+              </a:spcBef>
+              <a:spcAft>
+                <a:spcPts val="0"/>
+              </a:spcAft>
+              <a:buNone/>
+            </a:pPr>
+            <a:r>
+              <a:rPr lang="en-GB" sz="1900">
+                <a:solidFill>
+                  <a:schemeClr val="dk1"/>
+                </a:solidFill>
+              </a:rPr>
+              <a:t>kColor</a:t>
+            </a:r>
+            <a:endParaRPr/>
+          </a:p>
+        </p:txBody>
+      </p:sp>
+      <p:sp>
+        <p:nvSpPr>
+          <p:cNvPr id="119" name="Google Shape;119;p17"/>
+          <p:cNvSpPr txBox="1"/>
+          <p:nvPr/>
+        </p:nvSpPr>
+        <p:spPr>
+          <a:xfrm>
+            <a:off x="3789850" y="2248500"/>
+            <a:ext cx="695700" cy="646500"/>
           </a:xfrm>
           <a:prstGeom prst="rect">
             <a:avLst/>
           </a:prstGeom>
+          <a:noFill/>
+          <a:ln>
+            <a:noFill/>
+          </a:ln>
+        </p:spPr>
+        <p:txBody>
+          <a:bodyPr anchorCtr="0" anchor="ctr" bIns="91425" lIns="91425" spcFirstLastPara="1" rIns="91425" wrap="square" tIns="91425">
+            <a:noAutofit/>
+          </a:bodyPr>
+          <a:lstStyle/>
+          <a:p>
+            <a:pPr indent="0" lvl="0" marL="0" rtl="0" algn="ctr">
+              <a:spcBef>
+                <a:spcPts val="0"/>
+              </a:spcBef>
+              <a:spcAft>
+                <a:spcPts val="0"/>
+              </a:spcAft>
+              <a:buNone/>
+            </a:pPr>
+            <a:r>
+              <a:rPr b="1" lang="en-GB" sz="1500"/>
+              <a:t>G</a:t>
+            </a:r>
+            <a:endParaRPr b="1" sz="1500"/>
+          </a:p>
+          <a:p>
+            <a:pPr indent="0" lvl="0" marL="0" rtl="0" algn="ctr">
+              <a:spcBef>
+                <a:spcPts val="0"/>
+              </a:spcBef>
+              <a:spcAft>
+                <a:spcPts val="0"/>
+              </a:spcAft>
+              <a:buNone/>
+            </a:pPr>
+            <a:r>
+              <a:t/>
+            </a:r>
+            <a:endParaRPr sz="500"/>
+          </a:p>
+          <a:p>
+            <a:pPr indent="0" lvl="0" marL="0" rtl="0" algn="ctr">
+              <a:spcBef>
+                <a:spcPts val="0"/>
+              </a:spcBef>
+              <a:spcAft>
+                <a:spcPts val="0"/>
+              </a:spcAft>
+              <a:buNone/>
+            </a:pPr>
+            <a:r>
+              <a:rPr lang="en-GB" sz="1500"/>
+              <a:t>graph</a:t>
+            </a:r>
+            <a:endParaRPr sz="1500"/>
+          </a:p>
+        </p:txBody>
+      </p:sp>
+      <p:sp>
+        <p:nvSpPr>
+          <p:cNvPr id="120" name="Google Shape;120;p17"/>
+          <p:cNvSpPr txBox="1"/>
+          <p:nvPr/>
+        </p:nvSpPr>
+        <p:spPr>
+          <a:xfrm>
+            <a:off x="255400" y="2248500"/>
+            <a:ext cx="1003800" cy="884100"/>
+          </a:xfrm>
+          <a:prstGeom prst="rect">
+            <a:avLst/>
+          </a:prstGeom>
+          <a:noFill/>
+          <a:ln>
+            <a:noFill/>
+          </a:ln>
+        </p:spPr>
+        <p:txBody>
+          <a:bodyPr anchorCtr="0" anchor="ctr" bIns="91425" lIns="91425" spcFirstLastPara="1" rIns="91425" wrap="square" tIns="91425">
+            <a:noAutofit/>
+          </a:bodyPr>
+          <a:lstStyle/>
+          <a:p>
+            <a:pPr indent="0" lvl="0" marL="0" rtl="0" algn="ctr">
+              <a:spcBef>
+                <a:spcPts val="0"/>
+              </a:spcBef>
+              <a:spcAft>
+                <a:spcPts val="0"/>
+              </a:spcAft>
+              <a:buNone/>
+            </a:pPr>
+            <a:r>
+              <a:rPr b="1" lang="en-GB" sz="1500"/>
+              <a:t>Φ</a:t>
+            </a:r>
+            <a:endParaRPr b="1" sz="1500"/>
+          </a:p>
+          <a:p>
+            <a:pPr indent="0" lvl="0" marL="0" rtl="0" algn="ctr">
+              <a:spcBef>
+                <a:spcPts val="0"/>
+              </a:spcBef>
+              <a:spcAft>
+                <a:spcPts val="0"/>
+              </a:spcAft>
+              <a:buNone/>
+            </a:pPr>
+            <a:r>
+              <a:t/>
+            </a:r>
+            <a:endParaRPr sz="500"/>
+          </a:p>
+          <a:p>
+            <a:pPr indent="0" lvl="0" marL="0" rtl="0" algn="ctr">
+              <a:spcBef>
+                <a:spcPts val="0"/>
+              </a:spcBef>
+              <a:spcAft>
+                <a:spcPts val="0"/>
+              </a:spcAft>
+              <a:buNone/>
+            </a:pPr>
+            <a:r>
+              <a:rPr lang="en-GB" sz="1500">
+                <a:solidFill>
+                  <a:schemeClr val="dk1"/>
+                </a:solidFill>
+              </a:rPr>
+              <a:t>3CNF</a:t>
+            </a:r>
+            <a:endParaRPr sz="1500">
+              <a:solidFill>
+                <a:schemeClr val="dk1"/>
+              </a:solidFill>
+            </a:endParaRPr>
+          </a:p>
+          <a:p>
+            <a:pPr indent="0" lvl="0" marL="0" rtl="0" algn="ctr">
+              <a:spcBef>
+                <a:spcPts val="0"/>
+              </a:spcBef>
+              <a:spcAft>
+                <a:spcPts val="0"/>
+              </a:spcAft>
+              <a:buNone/>
+            </a:pPr>
+            <a:r>
+              <a:rPr lang="en-GB" sz="1500">
+                <a:solidFill>
+                  <a:schemeClr val="dk1"/>
+                </a:solidFill>
+              </a:rPr>
+              <a:t>Formula</a:t>
+            </a:r>
+            <a:r>
+              <a:rPr lang="en-GB" sz="1500"/>
+              <a:t> </a:t>
+            </a:r>
+            <a:endParaRPr sz="1500"/>
+          </a:p>
+        </p:txBody>
+      </p:sp>
+      <p:sp>
+        <p:nvSpPr>
+          <p:cNvPr id="121" name="Google Shape;121;p17"/>
+          <p:cNvSpPr txBox="1"/>
+          <p:nvPr/>
+        </p:nvSpPr>
+        <p:spPr>
+          <a:xfrm>
+            <a:off x="7697700" y="2248500"/>
+            <a:ext cx="1446300" cy="884100"/>
+          </a:xfrm>
+          <a:prstGeom prst="rect">
+            <a:avLst/>
+          </a:prstGeom>
+          <a:noFill/>
+          <a:ln>
+            <a:noFill/>
+          </a:ln>
+        </p:spPr>
+        <p:txBody>
+          <a:bodyPr anchorCtr="0" anchor="ctr" bIns="91425" lIns="91425" spcFirstLastPara="1" rIns="91425" wrap="square" tIns="91425">
+            <a:noAutofit/>
+          </a:bodyPr>
+          <a:lstStyle/>
+          <a:p>
+            <a:pPr indent="0" lvl="0" marL="0" rtl="0" algn="ctr">
+              <a:spcBef>
+                <a:spcPts val="0"/>
+              </a:spcBef>
+              <a:spcAft>
+                <a:spcPts val="0"/>
+              </a:spcAft>
+              <a:buNone/>
+            </a:pPr>
+            <a:r>
+              <a:rPr lang="en-GB" sz="1500"/>
+              <a:t>Yes/No</a:t>
+            </a:r>
+            <a:endParaRPr sz="1500"/>
+          </a:p>
+          <a:p>
+            <a:pPr indent="0" lvl="0" marL="0" rtl="0" algn="ctr">
+              <a:spcBef>
+                <a:spcPts val="0"/>
+              </a:spcBef>
+              <a:spcAft>
+                <a:spcPts val="0"/>
+              </a:spcAft>
+              <a:buNone/>
+            </a:pPr>
+            <a:r>
+              <a:t/>
+            </a:r>
+            <a:endParaRPr sz="500"/>
+          </a:p>
+          <a:p>
+            <a:pPr indent="0" lvl="0" marL="0" rtl="0" algn="ctr">
+              <a:spcBef>
+                <a:spcPts val="0"/>
+              </a:spcBef>
+              <a:spcAft>
+                <a:spcPts val="0"/>
+              </a:spcAft>
+              <a:buNone/>
+            </a:pPr>
+            <a:r>
+              <a:rPr b="1" lang="en-GB" sz="1500">
+                <a:solidFill>
+                  <a:schemeClr val="dk1"/>
+                </a:solidFill>
+              </a:rPr>
+              <a:t>Φ</a:t>
+            </a:r>
+            <a:r>
+              <a:rPr lang="en-GB" sz="1500">
+                <a:solidFill>
+                  <a:schemeClr val="dk1"/>
+                </a:solidFill>
+              </a:rPr>
+              <a:t> is </a:t>
+            </a:r>
+            <a:r>
+              <a:rPr lang="en-GB" sz="1500"/>
+              <a:t>Satisfiable</a:t>
+            </a:r>
+            <a:endParaRPr sz="1500"/>
+          </a:p>
+        </p:txBody>
+      </p:sp>
+      <p:sp>
+        <p:nvSpPr>
+          <p:cNvPr id="122" name="Google Shape;122;p17"/>
+          <p:cNvSpPr txBox="1"/>
+          <p:nvPr/>
+        </p:nvSpPr>
+        <p:spPr>
+          <a:xfrm>
+            <a:off x="4910175" y="3091950"/>
+            <a:ext cx="1197600" cy="400200"/>
+          </a:xfrm>
+          <a:prstGeom prst="rect">
+            <a:avLst/>
+          </a:prstGeom>
+          <a:noFill/>
+          <a:ln>
+            <a:noFill/>
+          </a:ln>
         </p:spPr>
         <p:txBody>
           <a:bodyPr anchorCtr="0" anchor="t" bIns="91425" lIns="91425" spcFirstLastPara="1" rIns="91425" wrap="square" tIns="91425">
-            <a:normAutofit/>
+            <a:spAutoFit/>
           </a:bodyPr>
           <a:lstStyle/>
           <a:p>
-            <a:pPr indent="0" lvl="0" marL="0" rtl="0" algn="l">
-              <a:spcBef>
-                <a:spcPts val="0"/>
-              </a:spcBef>
-              <a:spcAft>
-                <a:spcPts val="1200"/>
+            <a:pPr indent="0" lvl="0" marL="0" rtl="0" algn="ctr">
+              <a:spcBef>
+                <a:spcPts val="0"/>
+              </a:spcBef>
+              <a:spcAft>
+                <a:spcPts val="0"/>
               </a:spcAft>
               <a:buNone/>
             </a:pPr>
             <a:r>
-              <a:t/>
+              <a:rPr lang="en-GB"/>
+              <a:t>K ≥ 3</a:t>
             </a:r>
             <a:endParaRPr/>
           </a:p>
@@ -6425,7 +13594,658 @@
 </p:sld>
 </file>
 
+<file path=ppt/slides/slide6.xml><?xml version="1.0" encoding="utf-8"?>
+<p:sld xmlns:a="http://schemas.openxmlformats.org/drawingml/2006/main" xmlns:r="http://schemas.openxmlformats.org/officeDocument/2006/relationships" xmlns:mc="http://schemas.openxmlformats.org/markup-compatibility/2006" xmlns:mv="urn:schemas-microsoft-com:mac:vml" xmlns:p="http://schemas.openxmlformats.org/presentationml/2006/main" xmlns:c="http://schemas.openxmlformats.org/drawingml/2006/chart" xmlns:dgm="http://schemas.openxmlformats.org/drawingml/2006/diagram" xmlns:o="urn:schemas-microsoft-com:office:office" xmlns:v="urn:schemas-microsoft-com:vml" xmlns:pvml="urn:schemas-microsoft-com:office:powerpoint" xmlns:com="http://schemas.openxmlformats.org/drawingml/2006/compatibility" xmlns:p14="http://schemas.microsoft.com/office/powerpoint/2010/main" xmlns:p15="http://schemas.microsoft.com/office/powerpoint/2012/main" xmlns:ahyp="http://schemas.microsoft.com/office/drawing/2018/hyperlinkcolor">
+  <p:cSld>
+    <p:spTree>
+      <p:nvGrpSpPr>
+        <p:cNvPr id="126" name="Shape 126"/>
+        <p:cNvGrpSpPr/>
+        <p:nvPr/>
+      </p:nvGrpSpPr>
+      <p:grpSpPr>
+        <a:xfrm>
+          <a:off x="0" y="0"/>
+          <a:ext cx="0" cy="0"/>
+          <a:chOff x="0" y="0"/>
+          <a:chExt cx="0" cy="0"/>
+        </a:xfrm>
+      </p:grpSpPr>
+      <p:sp>
+        <p:nvSpPr>
+          <p:cNvPr id="127" name="Google Shape;127;p18"/>
+          <p:cNvSpPr txBox="1"/>
+          <p:nvPr>
+            <p:ph type="title"/>
+          </p:nvPr>
+        </p:nvSpPr>
+        <p:spPr>
+          <a:xfrm>
+            <a:off x="311700" y="445025"/>
+            <a:ext cx="8520600" cy="572700"/>
+          </a:xfrm>
+          <a:prstGeom prst="rect">
+            <a:avLst/>
+          </a:prstGeom>
+        </p:spPr>
+        <p:txBody>
+          <a:bodyPr anchorCtr="0" anchor="t" bIns="91425" lIns="91425" spcFirstLastPara="1" rIns="91425" wrap="square" tIns="91425">
+            <a:normAutofit fontScale="90000"/>
+          </a:bodyPr>
+          <a:lstStyle/>
+          <a:p>
+            <a:pPr indent="0" lvl="0" marL="0" rtl="0" algn="l">
+              <a:spcBef>
+                <a:spcPts val="0"/>
+              </a:spcBef>
+              <a:spcAft>
+                <a:spcPts val="0"/>
+              </a:spcAft>
+              <a:buNone/>
+            </a:pPr>
+            <a:r>
+              <a:rPr lang="en-GB"/>
+              <a:t>Reduction</a:t>
+            </a:r>
+            <a:endParaRPr/>
+          </a:p>
+        </p:txBody>
+      </p:sp>
+      <p:pic>
+        <p:nvPicPr>
+          <p:cNvPr id="128" name="Google Shape;128;p18"/>
+          <p:cNvPicPr preferRelativeResize="0"/>
+          <p:nvPr/>
+        </p:nvPicPr>
+        <p:blipFill>
+          <a:blip r:embed="rId3">
+            <a:alphaModFix/>
+          </a:blip>
+          <a:stretch>
+            <a:fillRect/>
+          </a:stretch>
+        </p:blipFill>
+        <p:spPr>
+          <a:xfrm>
+            <a:off x="152400" y="1170125"/>
+            <a:ext cx="8839199" cy="3029690"/>
+          </a:xfrm>
+          <a:prstGeom prst="rect">
+            <a:avLst/>
+          </a:prstGeom>
+          <a:noFill/>
+          <a:ln>
+            <a:noFill/>
+          </a:ln>
+        </p:spPr>
+      </p:pic>
+    </p:spTree>
+  </p:cSld>
+  <p:clrMapOvr>
+    <a:masterClrMapping/>
+  </p:clrMapOvr>
+</p:sld>
+</file>
+
+<file path=ppt/slides/slide7.xml><?xml version="1.0" encoding="utf-8"?>
+<p:sld xmlns:a="http://schemas.openxmlformats.org/drawingml/2006/main" xmlns:r="http://schemas.openxmlformats.org/officeDocument/2006/relationships" xmlns:mc="http://schemas.openxmlformats.org/markup-compatibility/2006" xmlns:mv="urn:schemas-microsoft-com:mac:vml" xmlns:p="http://schemas.openxmlformats.org/presentationml/2006/main" xmlns:c="http://schemas.openxmlformats.org/drawingml/2006/chart" xmlns:dgm="http://schemas.openxmlformats.org/drawingml/2006/diagram" xmlns:o="urn:schemas-microsoft-com:office:office" xmlns:v="urn:schemas-microsoft-com:vml" xmlns:pvml="urn:schemas-microsoft-com:office:powerpoint" xmlns:com="http://schemas.openxmlformats.org/drawingml/2006/compatibility" xmlns:p14="http://schemas.microsoft.com/office/powerpoint/2010/main" xmlns:p15="http://schemas.microsoft.com/office/powerpoint/2012/main" xmlns:ahyp="http://schemas.microsoft.com/office/drawing/2018/hyperlinkcolor">
+  <p:cSld>
+    <p:spTree>
+      <p:nvGrpSpPr>
+        <p:cNvPr id="132" name="Shape 132"/>
+        <p:cNvGrpSpPr/>
+        <p:nvPr/>
+      </p:nvGrpSpPr>
+      <p:grpSpPr>
+        <a:xfrm>
+          <a:off x="0" y="0"/>
+          <a:ext cx="0" cy="0"/>
+          <a:chOff x="0" y="0"/>
+          <a:chExt cx="0" cy="0"/>
+        </a:xfrm>
+      </p:grpSpPr>
+      <p:sp>
+        <p:nvSpPr>
+          <p:cNvPr id="133" name="Google Shape;133;p19"/>
+          <p:cNvSpPr txBox="1"/>
+          <p:nvPr>
+            <p:ph type="title"/>
+          </p:nvPr>
+        </p:nvSpPr>
+        <p:spPr>
+          <a:xfrm>
+            <a:off x="311700" y="445025"/>
+            <a:ext cx="8520600" cy="572700"/>
+          </a:xfrm>
+          <a:prstGeom prst="rect">
+            <a:avLst/>
+          </a:prstGeom>
+        </p:spPr>
+        <p:txBody>
+          <a:bodyPr anchorCtr="0" anchor="t" bIns="91425" lIns="91425" spcFirstLastPara="1" rIns="91425" wrap="square" tIns="91425">
+            <a:normAutofit fontScale="90000"/>
+          </a:bodyPr>
+          <a:lstStyle/>
+          <a:p>
+            <a:pPr indent="0" lvl="0" marL="0" rtl="0" algn="l">
+              <a:spcBef>
+                <a:spcPts val="0"/>
+              </a:spcBef>
+              <a:spcAft>
+                <a:spcPts val="0"/>
+              </a:spcAft>
+              <a:buNone/>
+            </a:pPr>
+            <a:r>
+              <a:rPr lang="en-GB"/>
+              <a:t>Reduction</a:t>
+            </a:r>
+            <a:endParaRPr/>
+          </a:p>
+        </p:txBody>
+      </p:sp>
+      <p:pic>
+        <p:nvPicPr>
+          <p:cNvPr id="134" name="Google Shape;134;p19"/>
+          <p:cNvPicPr preferRelativeResize="0"/>
+          <p:nvPr/>
+        </p:nvPicPr>
+        <p:blipFill>
+          <a:blip r:embed="rId3">
+            <a:alphaModFix/>
+          </a:blip>
+          <a:stretch>
+            <a:fillRect/>
+          </a:stretch>
+        </p:blipFill>
+        <p:spPr>
+          <a:xfrm>
+            <a:off x="152400" y="1170125"/>
+            <a:ext cx="8046523" cy="3820975"/>
+          </a:xfrm>
+          <a:prstGeom prst="rect">
+            <a:avLst/>
+          </a:prstGeom>
+          <a:noFill/>
+          <a:ln>
+            <a:noFill/>
+          </a:ln>
+        </p:spPr>
+      </p:pic>
+    </p:spTree>
+  </p:cSld>
+  <p:clrMapOvr>
+    <a:masterClrMapping/>
+  </p:clrMapOvr>
+</p:sld>
+</file>
+
+<file path=ppt/slides/slide8.xml><?xml version="1.0" encoding="utf-8"?>
+<p:sld xmlns:a="http://schemas.openxmlformats.org/drawingml/2006/main" xmlns:r="http://schemas.openxmlformats.org/officeDocument/2006/relationships" xmlns:mc="http://schemas.openxmlformats.org/markup-compatibility/2006" xmlns:mv="urn:schemas-microsoft-com:mac:vml" xmlns:p="http://schemas.openxmlformats.org/presentationml/2006/main" xmlns:c="http://schemas.openxmlformats.org/drawingml/2006/chart" xmlns:dgm="http://schemas.openxmlformats.org/drawingml/2006/diagram" xmlns:o="urn:schemas-microsoft-com:office:office" xmlns:v="urn:schemas-microsoft-com:vml" xmlns:pvml="urn:schemas-microsoft-com:office:powerpoint" xmlns:com="http://schemas.openxmlformats.org/drawingml/2006/compatibility" xmlns:p14="http://schemas.microsoft.com/office/powerpoint/2010/main" xmlns:p15="http://schemas.microsoft.com/office/powerpoint/2012/main" xmlns:ahyp="http://schemas.microsoft.com/office/drawing/2018/hyperlinkcolor">
+  <p:cSld>
+    <p:spTree>
+      <p:nvGrpSpPr>
+        <p:cNvPr id="138" name="Shape 138"/>
+        <p:cNvGrpSpPr/>
+        <p:nvPr/>
+      </p:nvGrpSpPr>
+      <p:grpSpPr>
+        <a:xfrm>
+          <a:off x="0" y="0"/>
+          <a:ext cx="0" cy="0"/>
+          <a:chOff x="0" y="0"/>
+          <a:chExt cx="0" cy="0"/>
+        </a:xfrm>
+      </p:grpSpPr>
+      <p:sp>
+        <p:nvSpPr>
+          <p:cNvPr id="139" name="Google Shape;139;p20"/>
+          <p:cNvSpPr txBox="1"/>
+          <p:nvPr>
+            <p:ph type="title"/>
+          </p:nvPr>
+        </p:nvSpPr>
+        <p:spPr>
+          <a:xfrm>
+            <a:off x="311700" y="445025"/>
+            <a:ext cx="8520600" cy="572700"/>
+          </a:xfrm>
+          <a:prstGeom prst="rect">
+            <a:avLst/>
+          </a:prstGeom>
+        </p:spPr>
+        <p:txBody>
+          <a:bodyPr anchorCtr="0" anchor="t" bIns="91425" lIns="91425" spcFirstLastPara="1" rIns="91425" wrap="square" tIns="91425">
+            <a:normAutofit fontScale="90000"/>
+          </a:bodyPr>
+          <a:lstStyle/>
+          <a:p>
+            <a:pPr indent="0" lvl="0" marL="0" rtl="0" algn="l">
+              <a:spcBef>
+                <a:spcPts val="0"/>
+              </a:spcBef>
+              <a:spcAft>
+                <a:spcPts val="0"/>
+              </a:spcAft>
+              <a:buNone/>
+            </a:pPr>
+            <a:r>
+              <a:rPr lang="en-GB"/>
+              <a:t>Reduction</a:t>
+            </a:r>
+            <a:endParaRPr/>
+          </a:p>
+        </p:txBody>
+      </p:sp>
+      <p:pic>
+        <p:nvPicPr>
+          <p:cNvPr id="140" name="Google Shape;140;p20"/>
+          <p:cNvPicPr preferRelativeResize="0"/>
+          <p:nvPr/>
+        </p:nvPicPr>
+        <p:blipFill>
+          <a:blip r:embed="rId3">
+            <a:alphaModFix/>
+          </a:blip>
+          <a:stretch>
+            <a:fillRect/>
+          </a:stretch>
+        </p:blipFill>
+        <p:spPr>
+          <a:xfrm>
+            <a:off x="0" y="1218281"/>
+            <a:ext cx="9144000" cy="3774238"/>
+          </a:xfrm>
+          <a:prstGeom prst="rect">
+            <a:avLst/>
+          </a:prstGeom>
+          <a:noFill/>
+          <a:ln>
+            <a:noFill/>
+          </a:ln>
+        </p:spPr>
+      </p:pic>
+    </p:spTree>
+  </p:cSld>
+  <p:clrMapOvr>
+    <a:masterClrMapping/>
+  </p:clrMapOvr>
+</p:sld>
+</file>
+
+<file path=ppt/slides/slide9.xml><?xml version="1.0" encoding="utf-8"?>
+<p:sld xmlns:a="http://schemas.openxmlformats.org/drawingml/2006/main" xmlns:r="http://schemas.openxmlformats.org/officeDocument/2006/relationships" xmlns:mc="http://schemas.openxmlformats.org/markup-compatibility/2006" xmlns:mv="urn:schemas-microsoft-com:mac:vml" xmlns:p="http://schemas.openxmlformats.org/presentationml/2006/main" xmlns:c="http://schemas.openxmlformats.org/drawingml/2006/chart" xmlns:dgm="http://schemas.openxmlformats.org/drawingml/2006/diagram" xmlns:o="urn:schemas-microsoft-com:office:office" xmlns:v="urn:schemas-microsoft-com:vml" xmlns:pvml="urn:schemas-microsoft-com:office:powerpoint" xmlns:com="http://schemas.openxmlformats.org/drawingml/2006/compatibility" xmlns:p14="http://schemas.microsoft.com/office/powerpoint/2010/main" xmlns:p15="http://schemas.microsoft.com/office/powerpoint/2012/main" xmlns:ahyp="http://schemas.microsoft.com/office/drawing/2018/hyperlinkcolor">
+  <p:cSld>
+    <p:spTree>
+      <p:nvGrpSpPr>
+        <p:cNvPr id="144" name="Shape 144"/>
+        <p:cNvGrpSpPr/>
+        <p:nvPr/>
+      </p:nvGrpSpPr>
+      <p:grpSpPr>
+        <a:xfrm>
+          <a:off x="0" y="0"/>
+          <a:ext cx="0" cy="0"/>
+          <a:chOff x="0" y="0"/>
+          <a:chExt cx="0" cy="0"/>
+        </a:xfrm>
+      </p:grpSpPr>
+      <p:sp>
+        <p:nvSpPr>
+          <p:cNvPr id="145" name="Google Shape;145;p21"/>
+          <p:cNvSpPr txBox="1"/>
+          <p:nvPr>
+            <p:ph type="title"/>
+          </p:nvPr>
+        </p:nvSpPr>
+        <p:spPr>
+          <a:xfrm>
+            <a:off x="311700" y="445025"/>
+            <a:ext cx="8520600" cy="572700"/>
+          </a:xfrm>
+          <a:prstGeom prst="rect">
+            <a:avLst/>
+          </a:prstGeom>
+        </p:spPr>
+        <p:txBody>
+          <a:bodyPr anchorCtr="0" anchor="t" bIns="91425" lIns="91425" spcFirstLastPara="1" rIns="91425" wrap="square" tIns="91425">
+            <a:normAutofit fontScale="90000"/>
+          </a:bodyPr>
+          <a:lstStyle/>
+          <a:p>
+            <a:pPr indent="0" lvl="0" marL="0" rtl="0" algn="l">
+              <a:spcBef>
+                <a:spcPts val="0"/>
+              </a:spcBef>
+              <a:spcAft>
+                <a:spcPts val="0"/>
+              </a:spcAft>
+              <a:buNone/>
+            </a:pPr>
+            <a:r>
+              <a:rPr lang="en-GB"/>
+              <a:t>Reduction</a:t>
+            </a:r>
+            <a:endParaRPr/>
+          </a:p>
+        </p:txBody>
+      </p:sp>
+      <p:pic>
+        <p:nvPicPr>
+          <p:cNvPr id="146" name="Google Shape;146;p21"/>
+          <p:cNvPicPr preferRelativeResize="0"/>
+          <p:nvPr/>
+        </p:nvPicPr>
+        <p:blipFill>
+          <a:blip r:embed="rId3">
+            <a:alphaModFix/>
+          </a:blip>
+          <a:stretch>
+            <a:fillRect/>
+          </a:stretch>
+        </p:blipFill>
+        <p:spPr>
+          <a:xfrm>
+            <a:off x="1977300" y="1153525"/>
+            <a:ext cx="5062641" cy="3820974"/>
+          </a:xfrm>
+          <a:prstGeom prst="rect">
+            <a:avLst/>
+          </a:prstGeom>
+          <a:noFill/>
+          <a:ln>
+            <a:noFill/>
+          </a:ln>
+        </p:spPr>
+      </p:pic>
+    </p:spTree>
+  </p:cSld>
+  <p:clrMapOvr>
+    <a:masterClrMapping/>
+  </p:clrMapOvr>
+</p:sld>
+</file>
+
 <file path=ppt/theme/theme1.xml><?xml version="1.0" encoding="utf-8"?>
+<a:theme xmlns:a="http://schemas.openxmlformats.org/drawingml/2006/main" xmlns:r="http://schemas.openxmlformats.org/officeDocument/2006/relationships">
+  <a:themeElements>
+    <a:clrScheme name="Default">
+      <a:dk1>
+        <a:srgbClr val="000000"/>
+      </a:dk1>
+      <a:lt1>
+        <a:srgbClr val="FFFFFF"/>
+      </a:lt1>
+      <a:dk2>
+        <a:srgbClr val="158158"/>
+      </a:dk2>
+      <a:lt2>
+        <a:srgbClr val="F3F3F3"/>
+      </a:lt2>
+      <a:accent1>
+        <a:srgbClr val="058DC7"/>
+      </a:accent1>
+      <a:accent2>
+        <a:srgbClr val="50B432"/>
+      </a:accent2>
+      <a:accent3>
+        <a:srgbClr val="ED561B"/>
+      </a:accent3>
+      <a:accent4>
+        <a:srgbClr val="EDEF00"/>
+      </a:accent4>
+      <a:accent5>
+        <a:srgbClr val="24CBE5"/>
+      </a:accent5>
+      <a:accent6>
+        <a:srgbClr val="64E572"/>
+      </a:accent6>
+      <a:hlink>
+        <a:srgbClr val="2200CC"/>
+      </a:hlink>
+      <a:folHlink>
+        <a:srgbClr val="551A8B"/>
+      </a:folHlink>
+    </a:clrScheme>
+    <a:fontScheme name="Office">
+      <a:majorFont>
+        <a:latin typeface="Arial"/>
+        <a:ea typeface=""/>
+        <a:cs typeface=""/>
+        <a:font script="Jpan" typeface="ＭＳ Ｐゴシック"/>
+        <a:font script="Hang" typeface="맑은 고딕"/>
+        <a:font script="Hans" typeface="宋体"/>
+        <a:font script="Hant" typeface="新細明體"/>
+        <a:font script="Arab" typeface="Times New Roman"/>
+        <a:font script="Hebr" typeface="Times New Roman"/>
+        <a:font script="Thai" typeface="Angsana New"/>
+        <a:font script="Ethi" typeface="Nyala"/>
+        <a:font script="Beng" typeface="Vrinda"/>
+        <a:font script="Gujr" typeface="Shruti"/>
+        <a:font script="Khmr" typeface="MoolBoran"/>
+        <a:font script="Knda" typeface="Tunga"/>
+        <a:font script="Guru" typeface="Raavi"/>
+        <a:font script="Cans" typeface="Euphemia"/>
+        <a:font script="Cher" typeface="Plantagenet Cherokee"/>
+        <a:font script="Yiii" typeface="Microsoft Yi Baiti"/>
+        <a:font script="Tibt" typeface="Microsoft Himalaya"/>
+        <a:font script="Thaa" typeface="MV Boli"/>
+        <a:font script="Deva" typeface="Mangal"/>
+        <a:font script="Telu" typeface="Gautami"/>
+        <a:font script="Taml" typeface="Latha"/>
+        <a:font script="Syrc" typeface="Estrangelo Edessa"/>
+        <a:font script="Orya" typeface="Kalinga"/>
+        <a:font script="Mlym" typeface="Kartika"/>
+        <a:font script="Laoo" typeface="DokChampa"/>
+        <a:font script="Sinh" typeface="Iskoola Pota"/>
+        <a:font script="Mong" typeface="Mongolian Baiti"/>
+        <a:font script="Viet" typeface="Times New Roman"/>
+        <a:font script="Uigh" typeface="Microsoft Uighur"/>
+        <a:font script="Geor" typeface="Sylfaen"/>
+      </a:majorFont>
+      <a:minorFont>
+        <a:latin typeface="Arial"/>
+        <a:ea typeface=""/>
+        <a:cs typeface=""/>
+        <a:font script="Jpan" typeface="ＭＳ Ｐゴシック"/>
+        <a:font script="Hang" typeface="맑은 고딕"/>
+        <a:font script="Hans" typeface="宋体"/>
+        <a:font script="Hant" typeface="新細明體"/>
+        <a:font script="Arab" typeface="Arial"/>
+        <a:font script="Hebr" typeface="Arial"/>
+        <a:font script="Thai" typeface="Cordia New"/>
+        <a:font script="Ethi" typeface="Nyala"/>
+        <a:font script="Beng" typeface="Vrinda"/>
+        <a:font script="Gujr" typeface="Shruti"/>
+        <a:font script="Khmr" typeface="DaunPenh"/>
+        <a:font script="Knda" typeface="Tunga"/>
+        <a:font script="Guru" typeface="Raavi"/>
+        <a:font script="Cans" typeface="Euphemia"/>
+        <a:font script="Cher" typeface="Plantagenet Cherokee"/>
+        <a:font script="Yiii" typeface="Microsoft Yi Baiti"/>
+        <a:font script="Tibt" typeface="Microsoft Himalaya"/>
+        <a:font script="Thaa" typeface="MV Boli"/>
+        <a:font script="Deva" typeface="Mangal"/>
+        <a:font script="Telu" typeface="Gautami"/>
+        <a:font script="Taml" typeface="Latha"/>
+        <a:font script="Syrc" typeface="Estrangelo Edessa"/>
+        <a:font script="Orya" typeface="Kalinga"/>
+        <a:font script="Mlym" typeface="Kartika"/>
+        <a:font script="Laoo" typeface="DokChampa"/>
+        <a:font script="Sinh" typeface="Iskoola Pota"/>
+        <a:font script="Mong" typeface="Mongolian Baiti"/>
+        <a:font script="Viet" typeface="Arial"/>
+        <a:font script="Uigh" typeface="Microsoft Uighur"/>
+        <a:font script="Geor" typeface="Sylfaen"/>
+      </a:minorFont>
+    </a:fontScheme>
+    <a:fmtScheme name="Office">
+      <a:fillStyleLst>
+        <a:solidFill>
+          <a:schemeClr val="phClr"/>
+        </a:solidFill>
+        <a:gradFill rotWithShape="1">
+          <a:gsLst>
+            <a:gs pos="0">
+              <a:schemeClr val="phClr">
+                <a:tint val="50000"/>
+                <a:satMod val="300000"/>
+              </a:schemeClr>
+            </a:gs>
+            <a:gs pos="35000">
+              <a:schemeClr val="phClr">
+                <a:tint val="37000"/>
+                <a:satMod val="300000"/>
+              </a:schemeClr>
+            </a:gs>
+            <a:gs pos="100000">
+              <a:schemeClr val="phClr">
+                <a:tint val="15000"/>
+                <a:satMod val="350000"/>
+              </a:schemeClr>
+            </a:gs>
+          </a:gsLst>
+          <a:lin ang="16200000" scaled="1"/>
+        </a:gradFill>
+        <a:gradFill rotWithShape="1">
+          <a:gsLst>
+            <a:gs pos="0">
+              <a:schemeClr val="phClr">
+                <a:tint val="100000"/>
+                <a:shade val="100000"/>
+                <a:satMod val="130000"/>
+              </a:schemeClr>
+            </a:gs>
+            <a:gs pos="100000">
+              <a:schemeClr val="phClr">
+                <a:tint val="50000"/>
+                <a:shade val="100000"/>
+                <a:satMod val="350000"/>
+              </a:schemeClr>
+            </a:gs>
+          </a:gsLst>
+          <a:lin ang="16200000" scaled="0"/>
+        </a:gradFill>
+      </a:fillStyleLst>
+      <a:lnStyleLst>
+        <a:ln w="9525" cap="flat" cmpd="sng" algn="ctr">
+          <a:solidFill>
+            <a:schemeClr val="phClr">
+              <a:shade val="95000"/>
+              <a:satMod val="105000"/>
+            </a:schemeClr>
+          </a:solidFill>
+          <a:prstDash val="solid"/>
+        </a:ln>
+        <a:ln w="25400" cap="flat" cmpd="sng" algn="ctr">
+          <a:solidFill>
+            <a:schemeClr val="phClr"/>
+          </a:solidFill>
+          <a:prstDash val="solid"/>
+        </a:ln>
+        <a:ln w="38100" cap="flat" cmpd="sng" algn="ctr">
+          <a:solidFill>
+            <a:schemeClr val="phClr"/>
+          </a:solidFill>
+          <a:prstDash val="solid"/>
+        </a:ln>
+      </a:lnStyleLst>
+      <a:effectStyleLst>
+        <a:effectStyle>
+          <a:effectLst>
+            <a:outerShdw blurRad="40000" dist="20000" dir="5400000" rotWithShape="0">
+              <a:srgbClr val="000000">
+                <a:alpha val="38000"/>
+              </a:srgbClr>
+            </a:outerShdw>
+          </a:effectLst>
+        </a:effectStyle>
+        <a:effectStyle>
+          <a:effectLst>
+            <a:outerShdw blurRad="40000" dist="23000" dir="5400000" rotWithShape="0">
+              <a:srgbClr val="000000">
+                <a:alpha val="35000"/>
+              </a:srgbClr>
+            </a:outerShdw>
+          </a:effectLst>
+        </a:effectStyle>
+        <a:effectStyle>
+          <a:effectLst>
+            <a:outerShdw blurRad="40000" dist="23000" dir="5400000" rotWithShape="0">
+              <a:srgbClr val="000000">
+                <a:alpha val="35000"/>
+              </a:srgbClr>
+            </a:outerShdw>
+          </a:effectLst>
+          <a:scene3d>
+            <a:camera prst="orthographicFront">
+              <a:rot lat="0" lon="0" rev="0"/>
+            </a:camera>
+            <a:lightRig rig="threePt" dir="t">
+              <a:rot lat="0" lon="0" rev="1200000"/>
+            </a:lightRig>
+          </a:scene3d>
+          <a:sp3d>
+            <a:bevelT w="63500" h="25400"/>
+          </a:sp3d>
+        </a:effectStyle>
+      </a:effectStyleLst>
+      <a:bgFillStyleLst>
+        <a:solidFill>
+          <a:schemeClr val="phClr"/>
+        </a:solidFill>
+        <a:gradFill rotWithShape="1">
+          <a:gsLst>
+            <a:gs pos="0">
+              <a:schemeClr val="phClr">
+                <a:tint val="40000"/>
+                <a:satMod val="350000"/>
+              </a:schemeClr>
+            </a:gs>
+            <a:gs pos="40000">
+              <a:schemeClr val="phClr">
+                <a:tint val="45000"/>
+                <a:shade val="99000"/>
+                <a:satMod val="350000"/>
+              </a:schemeClr>
+            </a:gs>
+            <a:gs pos="100000">
+              <a:schemeClr val="phClr">
+                <a:shade val="20000"/>
+                <a:satMod val="255000"/>
+              </a:schemeClr>
+            </a:gs>
+          </a:gsLst>
+          <a:path path="circle">
+            <a:fillToRect l="50000" t="-80000" r="50000" b="180000"/>
+          </a:path>
+        </a:gradFill>
+        <a:gradFill rotWithShape="1">
+          <a:gsLst>
+            <a:gs pos="0">
+              <a:schemeClr val="phClr">
+                <a:tint val="80000"/>
+                <a:satMod val="300000"/>
+              </a:schemeClr>
+            </a:gs>
+            <a:gs pos="100000">
+              <a:schemeClr val="phClr">
+                <a:shade val="30000"/>
+                <a:satMod val="200000"/>
+              </a:schemeClr>
+            </a:gs>
+          </a:gsLst>
+          <a:path path="circle">
+            <a:fillToRect l="50000" t="50000" r="50000" b="50000"/>
+          </a:path>
+        </a:gradFill>
+      </a:bgFillStyleLst>
+    </a:fmtScheme>
+  </a:themeElements>
+</a:theme>
+</file>
+
+<file path=ppt/theme/theme2.xml><?xml version="1.0" encoding="utf-8"?>
 <a:theme xmlns:a="http://schemas.openxmlformats.org/drawingml/2006/main" xmlns:r="http://schemas.openxmlformats.org/officeDocument/2006/relationships" name="Simple Light">
   <a:themeElements>
     <a:clrScheme name="Simple Light">
@@ -6702,283 +14522,4 @@
     </a:fmtScheme>
   </a:themeElements>
 </a:theme>
-</file>
-
-<file path=ppt/theme/theme2.xml><?xml version="1.0" encoding="utf-8"?>
-<a:theme xmlns:a="http://schemas.openxmlformats.org/drawingml/2006/main" xmlns:r="http://schemas.openxmlformats.org/officeDocument/2006/relationships">
-  <a:themeElements>
-    <a:clrScheme name="Default">
-      <a:dk1>
-        <a:srgbClr val="000000"/>
-      </a:dk1>
-      <a:lt1>
-        <a:srgbClr val="FFFFFF"/>
-      </a:lt1>
-      <a:dk2>
-        <a:srgbClr val="158158"/>
-      </a:dk2>
-      <a:lt2>
-        <a:srgbClr val="F3F3F3"/>
-      </a:lt2>
-      <a:accent1>
-        <a:srgbClr val="058DC7"/>
-      </a:accent1>
-      <a:accent2>
-        <a:srgbClr val="50B432"/>
-      </a:accent2>
-      <a:accent3>
-        <a:srgbClr val="ED561B"/>
-      </a:accent3>
-      <a:accent4>
-        <a:srgbClr val="EDEF00"/>
-      </a:accent4>
-      <a:accent5>
-        <a:srgbClr val="24CBE5"/>
-      </a:accent5>
-      <a:accent6>
-        <a:srgbClr val="64E572"/>
-      </a:accent6>
-      <a:hlink>
-        <a:srgbClr val="2200CC"/>
-      </a:hlink>
-      <a:folHlink>
-        <a:srgbClr val="551A8B"/>
-      </a:folHlink>
-    </a:clrScheme>
-    <a:fontScheme name="Office">
-      <a:majorFont>
-        <a:latin typeface="Arial"/>
-        <a:ea typeface=""/>
-        <a:cs typeface=""/>
-        <a:font script="Jpan" typeface="ＭＳ Ｐゴシック"/>
-        <a:font script="Hang" typeface="맑은 고딕"/>
-        <a:font script="Hans" typeface="宋体"/>
-        <a:font script="Hant" typeface="新細明體"/>
-        <a:font script="Arab" typeface="Times New Roman"/>
-        <a:font script="Hebr" typeface="Times New Roman"/>
-        <a:font script="Thai" typeface="Angsana New"/>
-        <a:font script="Ethi" typeface="Nyala"/>
-        <a:font script="Beng" typeface="Vrinda"/>
-        <a:font script="Gujr" typeface="Shruti"/>
-        <a:font script="Khmr" typeface="MoolBoran"/>
-        <a:font script="Knda" typeface="Tunga"/>
-        <a:font script="Guru" typeface="Raavi"/>
-        <a:font script="Cans" typeface="Euphemia"/>
-        <a:font script="Cher" typeface="Plantagenet Cherokee"/>
-        <a:font script="Yiii" typeface="Microsoft Yi Baiti"/>
-        <a:font script="Tibt" typeface="Microsoft Himalaya"/>
-        <a:font script="Thaa" typeface="MV Boli"/>
-        <a:font script="Deva" typeface="Mangal"/>
-        <a:font script="Telu" typeface="Gautami"/>
-        <a:font script="Taml" typeface="Latha"/>
-        <a:font script="Syrc" typeface="Estrangelo Edessa"/>
-        <a:font script="Orya" typeface="Kalinga"/>
-        <a:font script="Mlym" typeface="Kartika"/>
-        <a:font script="Laoo" typeface="DokChampa"/>
-        <a:font script="Sinh" typeface="Iskoola Pota"/>
-        <a:font script="Mong" typeface="Mongolian Baiti"/>
-        <a:font script="Viet" typeface="Times New Roman"/>
-        <a:font script="Uigh" typeface="Microsoft Uighur"/>
-        <a:font script="Geor" typeface="Sylfaen"/>
-      </a:majorFont>
-      <a:minorFont>
-        <a:latin typeface="Arial"/>
-        <a:ea typeface=""/>
-        <a:cs typeface=""/>
-        <a:font script="Jpan" typeface="ＭＳ Ｐゴシック"/>
-        <a:font script="Hang" typeface="맑은 고딕"/>
-        <a:font script="Hans" typeface="宋体"/>
-        <a:font script="Hant" typeface="新細明體"/>
-        <a:font script="Arab" typeface="Arial"/>
-        <a:font script="Hebr" typeface="Arial"/>
-        <a:font script="Thai" typeface="Cordia New"/>
-        <a:font script="Ethi" typeface="Nyala"/>
-        <a:font script="Beng" typeface="Vrinda"/>
-        <a:font script="Gujr" typeface="Shruti"/>
-        <a:font script="Khmr" typeface="DaunPenh"/>
-        <a:font script="Knda" typeface="Tunga"/>
-        <a:font script="Guru" typeface="Raavi"/>
-        <a:font script="Cans" typeface="Euphemia"/>
-        <a:font script="Cher" typeface="Plantagenet Cherokee"/>
-        <a:font script="Yiii" typeface="Microsoft Yi Baiti"/>
-        <a:font script="Tibt" typeface="Microsoft Himalaya"/>
-        <a:font script="Thaa" typeface="MV Boli"/>
-        <a:font script="Deva" typeface="Mangal"/>
-        <a:font script="Telu" typeface="Gautami"/>
-        <a:font script="Taml" typeface="Latha"/>
-        <a:font script="Syrc" typeface="Estrangelo Edessa"/>
-        <a:font script="Orya" typeface="Kalinga"/>
-        <a:font script="Mlym" typeface="Kartika"/>
-        <a:font script="Laoo" typeface="DokChampa"/>
-        <a:font script="Sinh" typeface="Iskoola Pota"/>
-        <a:font script="Mong" typeface="Mongolian Baiti"/>
-        <a:font script="Viet" typeface="Arial"/>
-        <a:font script="Uigh" typeface="Microsoft Uighur"/>
-        <a:font script="Geor" typeface="Sylfaen"/>
-      </a:minorFont>
-    </a:fontScheme>
-    <a:fmtScheme name="Office">
-      <a:fillStyleLst>
-        <a:solidFill>
-          <a:schemeClr val="phClr"/>
-        </a:solidFill>
-        <a:gradFill rotWithShape="1">
-          <a:gsLst>
-            <a:gs pos="0">
-              <a:schemeClr val="phClr">
-                <a:tint val="50000"/>
-                <a:satMod val="300000"/>
-              </a:schemeClr>
-            </a:gs>
-            <a:gs pos="35000">
-              <a:schemeClr val="phClr">
-                <a:tint val="37000"/>
-                <a:satMod val="300000"/>
-              </a:schemeClr>
-            </a:gs>
-            <a:gs pos="100000">
-              <a:schemeClr val="phClr">
-                <a:tint val="15000"/>
-                <a:satMod val="350000"/>
-              </a:schemeClr>
-            </a:gs>
-          </a:gsLst>
-          <a:lin ang="16200000" scaled="1"/>
-        </a:gradFill>
-        <a:gradFill rotWithShape="1">
-          <a:gsLst>
-            <a:gs pos="0">
-              <a:schemeClr val="phClr">
-                <a:tint val="100000"/>
-                <a:shade val="100000"/>
-                <a:satMod val="130000"/>
-              </a:schemeClr>
-            </a:gs>
-            <a:gs pos="100000">
-              <a:schemeClr val="phClr">
-                <a:tint val="50000"/>
-                <a:shade val="100000"/>
-                <a:satMod val="350000"/>
-              </a:schemeClr>
-            </a:gs>
-          </a:gsLst>
-          <a:lin ang="16200000" scaled="0"/>
-        </a:gradFill>
-      </a:fillStyleLst>
-      <a:lnStyleLst>
-        <a:ln w="9525" cap="flat" cmpd="sng" algn="ctr">
-          <a:solidFill>
-            <a:schemeClr val="phClr">
-              <a:shade val="95000"/>
-              <a:satMod val="105000"/>
-            </a:schemeClr>
-          </a:solidFill>
-          <a:prstDash val="solid"/>
-        </a:ln>
-        <a:ln w="25400" cap="flat" cmpd="sng" algn="ctr">
-          <a:solidFill>
-            <a:schemeClr val="phClr"/>
-          </a:solidFill>
-          <a:prstDash val="solid"/>
-        </a:ln>
-        <a:ln w="38100" cap="flat" cmpd="sng" algn="ctr">
-          <a:solidFill>
-            <a:schemeClr val="phClr"/>
-          </a:solidFill>
-          <a:prstDash val="solid"/>
-        </a:ln>
-      </a:lnStyleLst>
-      <a:effectStyleLst>
-        <a:effectStyle>
-          <a:effectLst>
-            <a:outerShdw blurRad="40000" dist="20000" dir="5400000" rotWithShape="0">
-              <a:srgbClr val="000000">
-                <a:alpha val="38000"/>
-              </a:srgbClr>
-            </a:outerShdw>
-          </a:effectLst>
-        </a:effectStyle>
-        <a:effectStyle>
-          <a:effectLst>
-            <a:outerShdw blurRad="40000" dist="23000" dir="5400000" rotWithShape="0">
-              <a:srgbClr val="000000">
-                <a:alpha val="35000"/>
-              </a:srgbClr>
-            </a:outerShdw>
-          </a:effectLst>
-        </a:effectStyle>
-        <a:effectStyle>
-          <a:effectLst>
-            <a:outerShdw blurRad="40000" dist="23000" dir="5400000" rotWithShape="0">
-              <a:srgbClr val="000000">
-                <a:alpha val="35000"/>
-              </a:srgbClr>
-            </a:outerShdw>
-          </a:effectLst>
-          <a:scene3d>
-            <a:camera prst="orthographicFront">
-              <a:rot lat="0" lon="0" rev="0"/>
-            </a:camera>
-            <a:lightRig rig="threePt" dir="t">
-              <a:rot lat="0" lon="0" rev="1200000"/>
-            </a:lightRig>
-          </a:scene3d>
-          <a:sp3d>
-            <a:bevelT w="63500" h="25400"/>
-          </a:sp3d>
-        </a:effectStyle>
-      </a:effectStyleLst>
-      <a:bgFillStyleLst>
-        <a:solidFill>
-          <a:schemeClr val="phClr"/>
-        </a:solidFill>
-        <a:gradFill rotWithShape="1">
-          <a:gsLst>
-            <a:gs pos="0">
-              <a:schemeClr val="phClr">
-                <a:tint val="40000"/>
-                <a:satMod val="350000"/>
-              </a:schemeClr>
-            </a:gs>
-            <a:gs pos="40000">
-              <a:schemeClr val="phClr">
-                <a:tint val="45000"/>
-                <a:shade val="99000"/>
-                <a:satMod val="350000"/>
-              </a:schemeClr>
-            </a:gs>
-            <a:gs pos="100000">
-              <a:schemeClr val="phClr">
-                <a:shade val="20000"/>
-                <a:satMod val="255000"/>
-              </a:schemeClr>
-            </a:gs>
-          </a:gsLst>
-          <a:path path="circle">
-            <a:fillToRect l="50000" t="-80000" r="50000" b="180000"/>
-          </a:path>
-        </a:gradFill>
-        <a:gradFill rotWithShape="1">
-          <a:gsLst>
-            <a:gs pos="0">
-              <a:schemeClr val="phClr">
-                <a:tint val="80000"/>
-                <a:satMod val="300000"/>
-              </a:schemeClr>
-            </a:gs>
-            <a:gs pos="100000">
-              <a:schemeClr val="phClr">
-                <a:shade val="30000"/>
-                <a:satMod val="200000"/>
-              </a:schemeClr>
-            </a:gs>
-          </a:gsLst>
-          <a:path path="circle">
-            <a:fillToRect l="50000" t="50000" r="50000" b="50000"/>
-          </a:path>
-        </a:gradFill>
-      </a:bgFillStyleLst>
-    </a:fmtScheme>
-  </a:themeElements>
-</a:theme>
 </file>